--- a/SC20-reproducibility.pptx
+++ b/SC20-reproducibility.pptx
@@ -284,7 +284,7 @@
           <a:p>
             <a:fld id="{0B842F42-2CE9-4E35-95C1-410DC08A50B1}" type="datetimeFigureOut">
               <a:rPr lang="en-US" smtClean="0"/>
-              <a:t>9/2/2020</a:t>
+              <a:t>8/2/2020</a:t>
             </a:fld>
             <a:endParaRPr lang="en-US"/>
           </a:p>
@@ -449,7 +449,7 @@
           <a:p>
             <a:fld id="{6F282904-F315-4730-8D91-37D99E141A6F}" type="datetimeFigureOut">
               <a:rPr lang="en-US" smtClean="0"/>
-              <a:t>9/2/2020</a:t>
+              <a:t>8/2/2020</a:t>
             </a:fld>
             <a:endParaRPr lang="en-US"/>
           </a:p>
@@ -4811,7 +4811,7 @@
 </file>
 
 <file path=ppt/slides/slide14.xml><?xml version="1.0" encoding="utf-8"?>
-<p:sld xmlns:a="http://schemas.openxmlformats.org/drawingml/2006/main" xmlns:r="http://schemas.openxmlformats.org/officeDocument/2006/relationships" xmlns:p="http://schemas.openxmlformats.org/presentationml/2006/main" show="0">
+<p:sld xmlns:a="http://schemas.openxmlformats.org/drawingml/2006/main" xmlns:r="http://schemas.openxmlformats.org/officeDocument/2006/relationships" xmlns:p="http://schemas.openxmlformats.org/presentationml/2006/main">
   <p:cSld>
     <p:spTree>
       <p:nvGrpSpPr>
@@ -5090,7 +5090,7 @@
 </file>
 
 <file path=ppt/slides/slide15.xml><?xml version="1.0" encoding="utf-8"?>
-<p:sld xmlns:a="http://schemas.openxmlformats.org/drawingml/2006/main" xmlns:r="http://schemas.openxmlformats.org/officeDocument/2006/relationships" xmlns:p="http://schemas.openxmlformats.org/presentationml/2006/main" show="0">
+<p:sld xmlns:a="http://schemas.openxmlformats.org/drawingml/2006/main" xmlns:r="http://schemas.openxmlformats.org/officeDocument/2006/relationships" xmlns:p="http://schemas.openxmlformats.org/presentationml/2006/main">
   <p:cSld>
     <p:spTree>
       <p:nvGrpSpPr>
@@ -7090,7 +7090,7 @@
 </file>
 
 <file path=ppt/slides/slide22.xml><?xml version="1.0" encoding="utf-8"?>
-<p:sld xmlns:a="http://schemas.openxmlformats.org/drawingml/2006/main" xmlns:r="http://schemas.openxmlformats.org/officeDocument/2006/relationships" xmlns:p="http://schemas.openxmlformats.org/presentationml/2006/main" show="0">
+<p:sld xmlns:a="http://schemas.openxmlformats.org/drawingml/2006/main" xmlns:r="http://schemas.openxmlformats.org/officeDocument/2006/relationships" xmlns:p="http://schemas.openxmlformats.org/presentationml/2006/main">
   <p:cSld>
     <p:spTree>
       <p:nvGrpSpPr>
@@ -7251,7 +7251,7 @@
 </file>
 
 <file path=ppt/slides/slide23.xml><?xml version="1.0" encoding="utf-8"?>
-<p:sld xmlns:a="http://schemas.openxmlformats.org/drawingml/2006/main" xmlns:r="http://schemas.openxmlformats.org/officeDocument/2006/relationships" xmlns:p="http://schemas.openxmlformats.org/presentationml/2006/main" show="0">
+<p:sld xmlns:a="http://schemas.openxmlformats.org/drawingml/2006/main" xmlns:r="http://schemas.openxmlformats.org/officeDocument/2006/relationships" xmlns:p="http://schemas.openxmlformats.org/presentationml/2006/main">
   <p:cSld>
     <p:spTree>
       <p:nvGrpSpPr>
@@ -8354,7 +8354,7 @@
 </file>
 
 <file path=ppt/slides/slide28.xml><?xml version="1.0" encoding="utf-8"?>
-<p:sld xmlns:a="http://schemas.openxmlformats.org/drawingml/2006/main" xmlns:r="http://schemas.openxmlformats.org/officeDocument/2006/relationships" xmlns:p="http://schemas.openxmlformats.org/presentationml/2006/main" show="0">
+<p:sld xmlns:a="http://schemas.openxmlformats.org/drawingml/2006/main" xmlns:r="http://schemas.openxmlformats.org/officeDocument/2006/relationships" xmlns:p="http://schemas.openxmlformats.org/presentationml/2006/main">
   <p:cSld>
     <p:spTree>
       <p:nvGrpSpPr>
@@ -9128,7 +9128,7 @@
 </file>
 
 <file path=ppt/slides/slide4.xml><?xml version="1.0" encoding="utf-8"?>
-<p:sld xmlns:a="http://schemas.openxmlformats.org/drawingml/2006/main" xmlns:r="http://schemas.openxmlformats.org/officeDocument/2006/relationships" xmlns:p="http://schemas.openxmlformats.org/presentationml/2006/main" show="0">
+<p:sld xmlns:a="http://schemas.openxmlformats.org/drawingml/2006/main" xmlns:r="http://schemas.openxmlformats.org/officeDocument/2006/relationships" xmlns:p="http://schemas.openxmlformats.org/presentationml/2006/main">
   <p:cSld>
     <p:spTree>
       <p:nvGrpSpPr>
@@ -9860,7 +9860,7 @@
 </file>
 
 <file path=ppt/slides/slide7.xml><?xml version="1.0" encoding="utf-8"?>
-<p:sld xmlns:a="http://schemas.openxmlformats.org/drawingml/2006/main" xmlns:r="http://schemas.openxmlformats.org/officeDocument/2006/relationships" xmlns:p="http://schemas.openxmlformats.org/presentationml/2006/main" show="0">
+<p:sld xmlns:a="http://schemas.openxmlformats.org/drawingml/2006/main" xmlns:r="http://schemas.openxmlformats.org/officeDocument/2006/relationships" xmlns:p="http://schemas.openxmlformats.org/presentationml/2006/main">
   <p:cSld>
     <p:spTree>
       <p:nvGrpSpPr>
@@ -10120,7 +10120,7 @@
 </file>
 
 <file path=ppt/slides/slide8.xml><?xml version="1.0" encoding="utf-8"?>
-<p:sld xmlns:a="http://schemas.openxmlformats.org/drawingml/2006/main" xmlns:r="http://schemas.openxmlformats.org/officeDocument/2006/relationships" xmlns:p="http://schemas.openxmlformats.org/presentationml/2006/main" show="0">
+<p:sld xmlns:a="http://schemas.openxmlformats.org/drawingml/2006/main" xmlns:r="http://schemas.openxmlformats.org/officeDocument/2006/relationships" xmlns:p="http://schemas.openxmlformats.org/presentationml/2006/main">
   <p:cSld>
     <p:spTree>
       <p:nvGrpSpPr>
@@ -11558,12 +11558,9 @@
 </file>
 
 <file path=customXml/item1.xml><?xml version="1.0" encoding="utf-8"?>
-<?mso-contentType ?>
-<FormTemplates xmlns="http://schemas.microsoft.com/sharepoint/v3/contenttype/forms">
-  <Display>DocumentLibraryForm</Display>
-  <Edit>DocumentLibraryForm</Edit>
-  <New>DocumentLibraryForm</New>
-</FormTemplates>
+<p:properties xmlns:p="http://schemas.microsoft.com/office/2006/metadata/properties" xmlns:xsi="http://www.w3.org/2001/XMLSchema-instance" xmlns:pc="http://schemas.microsoft.com/office/infopath/2007/PartnerControls">
+  <documentManagement/>
+</p:properties>
 </file>
 
 <file path=customXml/item2.xml><?xml version="1.0" encoding="utf-8"?>
@@ -11616,15 +11613,25 @@
 </file>
 
 <file path=customXml/item3.xml><?xml version="1.0" encoding="utf-8"?>
-<p:properties xmlns:p="http://schemas.microsoft.com/office/2006/metadata/properties" xmlns:xsi="http://www.w3.org/2001/XMLSchema-instance" xmlns:pc="http://schemas.microsoft.com/office/infopath/2007/PartnerControls">
-  <documentManagement/>
-</p:properties>
+<?mso-contentType ?>
+<FormTemplates xmlns="http://schemas.microsoft.com/sharepoint/v3/contenttype/forms">
+  <Display>DocumentLibraryForm</Display>
+  <Edit>DocumentLibraryForm</Edit>
+  <New>DocumentLibraryForm</New>
+</FormTemplates>
 </file>
 
 <file path=customXml/itemProps1.xml><?xml version="1.0" encoding="utf-8"?>
-<ds:datastoreItem xmlns:ds="http://schemas.openxmlformats.org/officeDocument/2006/customXml" ds:itemID="{19E20559-B232-4371-8690-E3D8007EDB82}">
+<ds:datastoreItem xmlns:ds="http://schemas.openxmlformats.org/officeDocument/2006/customXml" ds:itemID="{A50EC660-24D0-43A0-AE5E-E274115E726B}">
   <ds:schemaRefs>
-    <ds:schemaRef ds:uri="http://schemas.microsoft.com/sharepoint/v3/contenttype/forms"/>
+    <ds:schemaRef ds:uri="http://purl.org/dc/terms/"/>
+    <ds:schemaRef ds:uri="http://schemas.openxmlformats.org/package/2006/metadata/core-properties"/>
+    <ds:schemaRef ds:uri="http://schemas.microsoft.com/office/2006/documentManagement/types"/>
+    <ds:schemaRef ds:uri="http://purl.org/dc/elements/1.1/"/>
+    <ds:schemaRef ds:uri="http://schemas.microsoft.com/office/2006/metadata/properties"/>
+    <ds:schemaRef ds:uri="http://www.w3.org/XML/1998/namespace"/>
+    <ds:schemaRef ds:uri="http://purl.org/dc/dcmitype/"/>
+    <ds:schemaRef ds:uri="http://schemas.microsoft.com/office/infopath/2007/PartnerControls"/>
   </ds:schemaRefs>
 </ds:datastoreItem>
 </file>
@@ -11645,16 +11652,9 @@
 </file>
 
 <file path=customXml/itemProps3.xml><?xml version="1.0" encoding="utf-8"?>
-<ds:datastoreItem xmlns:ds="http://schemas.openxmlformats.org/officeDocument/2006/customXml" ds:itemID="{A50EC660-24D0-43A0-AE5E-E274115E726B}">
+<ds:datastoreItem xmlns:ds="http://schemas.openxmlformats.org/officeDocument/2006/customXml" ds:itemID="{19E20559-B232-4371-8690-E3D8007EDB82}">
   <ds:schemaRefs>
-    <ds:schemaRef ds:uri="http://purl.org/dc/terms/"/>
-    <ds:schemaRef ds:uri="http://schemas.openxmlformats.org/package/2006/metadata/core-properties"/>
-    <ds:schemaRef ds:uri="http://schemas.microsoft.com/office/2006/documentManagement/types"/>
-    <ds:schemaRef ds:uri="http://purl.org/dc/elements/1.1/"/>
-    <ds:schemaRef ds:uri="http://schemas.microsoft.com/office/2006/metadata/properties"/>
-    <ds:schemaRef ds:uri="http://www.w3.org/XML/1998/namespace"/>
-    <ds:schemaRef ds:uri="http://purl.org/dc/dcmitype/"/>
-    <ds:schemaRef ds:uri="http://schemas.microsoft.com/office/infopath/2007/PartnerControls"/>
+    <ds:schemaRef ds:uri="http://schemas.microsoft.com/sharepoint/v3/contenttype/forms"/>
   </ds:schemaRefs>
 </ds:datastoreItem>
 </file>
--- a/SC20-reproducibility.pptx
+++ b/SC20-reproducibility.pptx
@@ -5,14 +5,14 @@
     <p:sldMasterId id="2147483935" r:id="rId4"/>
   </p:sldMasterIdLst>
   <p:notesMasterIdLst>
-    <p:notesMasterId r:id="rId35"/>
+    <p:notesMasterId r:id="rId37"/>
   </p:notesMasterIdLst>
   <p:handoutMasterIdLst>
-    <p:handoutMasterId r:id="rId36"/>
+    <p:handoutMasterId r:id="rId38"/>
   </p:handoutMasterIdLst>
   <p:sldIdLst>
     <p:sldId id="318" r:id="rId5"/>
-    <p:sldId id="1843" r:id="rId6"/>
+    <p:sldId id="320" r:id="rId6"/>
     <p:sldId id="1820" r:id="rId7"/>
     <p:sldId id="1838" r:id="rId8"/>
     <p:sldId id="1824" r:id="rId9"/>
@@ -23,24 +23,26 @@
     <p:sldId id="1819" r:id="rId14"/>
     <p:sldId id="1825" r:id="rId15"/>
     <p:sldId id="1823" r:id="rId16"/>
-    <p:sldId id="1841" r:id="rId17"/>
-    <p:sldId id="1806" r:id="rId18"/>
-    <p:sldId id="1807" r:id="rId19"/>
-    <p:sldId id="1811" r:id="rId20"/>
-    <p:sldId id="1840" r:id="rId21"/>
-    <p:sldId id="1826" r:id="rId22"/>
-    <p:sldId id="1821" r:id="rId23"/>
-    <p:sldId id="1834" r:id="rId24"/>
-    <p:sldId id="1828" r:id="rId25"/>
-    <p:sldId id="1836" r:id="rId26"/>
-    <p:sldId id="1837" r:id="rId27"/>
-    <p:sldId id="1832" r:id="rId28"/>
-    <p:sldId id="1829" r:id="rId29"/>
-    <p:sldId id="1833" r:id="rId30"/>
-    <p:sldId id="1831" r:id="rId31"/>
-    <p:sldId id="1842" r:id="rId32"/>
-    <p:sldId id="1830" r:id="rId33"/>
+    <p:sldId id="1843" r:id="rId17"/>
+    <p:sldId id="1840" r:id="rId18"/>
+    <p:sldId id="1826" r:id="rId19"/>
+    <p:sldId id="1821" r:id="rId20"/>
+    <p:sldId id="1834" r:id="rId21"/>
+    <p:sldId id="1828" r:id="rId22"/>
+    <p:sldId id="1832" r:id="rId23"/>
+    <p:sldId id="1829" r:id="rId24"/>
+    <p:sldId id="1833" r:id="rId25"/>
+    <p:sldId id="1831" r:id="rId26"/>
+    <p:sldId id="1842" r:id="rId27"/>
+    <p:sldId id="1830" r:id="rId28"/>
+    <p:sldId id="1844" r:id="rId29"/>
+    <p:sldId id="1841" r:id="rId30"/>
+    <p:sldId id="1806" r:id="rId31"/>
+    <p:sldId id="1807" r:id="rId32"/>
+    <p:sldId id="1811" r:id="rId33"/>
     <p:sldId id="313" r:id="rId34"/>
+    <p:sldId id="1836" r:id="rId35"/>
+    <p:sldId id="1837" r:id="rId36"/>
   </p:sldIdLst>
   <p:sldSz cx="12188825" cy="6858000"/>
   <p:notesSz cx="7010400" cy="9296400"/>
@@ -186,12 +188,12 @@
     </p:ext>
     <p:ext uri="{2D200454-40CA-4A62-9FC3-DE9A4176ACB9}">
       <p15:notesGuideLst xmlns:p15="http://schemas.microsoft.com/office/powerpoint/2012/main">
-        <p15:guide id="1" orient="horz" pos="2928">
+        <p15:guide id="1" orient="horz" pos="2928" userDrawn="1">
           <p15:clr>
             <a:srgbClr val="A4A3A4"/>
           </p15:clr>
         </p15:guide>
-        <p15:guide id="2" pos="2208">
+        <p15:guide id="2" pos="2208" userDrawn="1">
           <p15:clr>
             <a:srgbClr val="A4A3A4"/>
           </p15:clr>
@@ -236,7 +238,7 @@
         </p:nvSpPr>
         <p:spPr>
           <a:xfrm>
-            <a:off x="0" y="0"/>
+            <a:off x="1" y="0"/>
             <a:ext cx="3038475" cy="465138"/>
           </a:xfrm>
           <a:prstGeom prst="rect">
@@ -284,7 +286,7 @@
           <a:p>
             <a:fld id="{0B842F42-2CE9-4E35-95C1-410DC08A50B1}" type="datetimeFigureOut">
               <a:rPr lang="en-US" smtClean="0"/>
-              <a:t>8/2/2020</a:t>
+              <a:t>9/29/20</a:t>
             </a:fld>
             <a:endParaRPr lang="en-US"/>
           </a:p>
@@ -302,7 +304,7 @@
         </p:nvSpPr>
         <p:spPr>
           <a:xfrm>
-            <a:off x="0" y="8829675"/>
+            <a:off x="1" y="8829675"/>
             <a:ext cx="3038475" cy="465138"/>
           </a:xfrm>
           <a:prstGeom prst="rect">
@@ -401,7 +403,7 @@
         </p:nvSpPr>
         <p:spPr>
           <a:xfrm>
-            <a:off x="0" y="0"/>
+            <a:off x="1" y="0"/>
             <a:ext cx="3038475" cy="465138"/>
           </a:xfrm>
           <a:prstGeom prst="rect">
@@ -449,7 +451,7 @@
           <a:p>
             <a:fld id="{6F282904-F315-4730-8D91-37D99E141A6F}" type="datetimeFigureOut">
               <a:rPr lang="en-US" smtClean="0"/>
-              <a:t>8/2/2020</a:t>
+              <a:t>9/29/20</a:t>
             </a:fld>
             <a:endParaRPr lang="en-US"/>
           </a:p>
@@ -500,7 +502,7 @@
         </p:nvSpPr>
         <p:spPr>
           <a:xfrm>
-            <a:off x="701675" y="4416425"/>
+            <a:off x="701675" y="4416426"/>
             <a:ext cx="5607050" cy="4183063"/>
           </a:xfrm>
           <a:prstGeom prst="rect">
@@ -513,35 +515,35 @@
           <a:p>
             <a:pPr lvl="0"/>
             <a:r>
-              <a:rPr lang="en-US"/>
+              <a:rPr lang="en-US" dirty="0"/>
               <a:t>Click to edit Master text styles</a:t>
             </a:r>
           </a:p>
           <a:p>
             <a:pPr lvl="1"/>
             <a:r>
-              <a:rPr lang="en-US"/>
+              <a:rPr lang="en-US" dirty="0"/>
               <a:t>Second level</a:t>
             </a:r>
           </a:p>
           <a:p>
             <a:pPr lvl="2"/>
             <a:r>
-              <a:rPr lang="en-US"/>
+              <a:rPr lang="en-US" dirty="0"/>
               <a:t>Third level</a:t>
             </a:r>
           </a:p>
           <a:p>
             <a:pPr lvl="3"/>
             <a:r>
-              <a:rPr lang="en-US"/>
+              <a:rPr lang="en-US" dirty="0"/>
               <a:t>Fourth level</a:t>
             </a:r>
           </a:p>
           <a:p>
             <a:pPr lvl="4"/>
             <a:r>
-              <a:rPr lang="en-US"/>
+              <a:rPr lang="en-US" dirty="0"/>
               <a:t>Fifth level</a:t>
             </a:r>
           </a:p>
@@ -559,7 +561,7 @@
         </p:nvSpPr>
         <p:spPr>
           <a:xfrm>
-            <a:off x="0" y="8829675"/>
+            <a:off x="1" y="8829675"/>
             <a:ext cx="3038475" cy="465138"/>
           </a:xfrm>
           <a:prstGeom prst="rect">
@@ -714,6 +716,667 @@
     </a:lvl9pPr>
   </p:notesStyle>
 </p:notesMaster>
+</file>
+
+<file path=ppt/notesSlides/notesSlide1.xml><?xml version="1.0" encoding="utf-8"?>
+<p:notes xmlns:a="http://schemas.openxmlformats.org/drawingml/2006/main" xmlns:r="http://schemas.openxmlformats.org/officeDocument/2006/relationships" xmlns:p="http://schemas.openxmlformats.org/presentationml/2006/main">
+  <p:cSld>
+    <p:spTree>
+      <p:nvGrpSpPr>
+        <p:cNvPr id="1" name=""/>
+        <p:cNvGrpSpPr/>
+        <p:nvPr/>
+      </p:nvGrpSpPr>
+      <p:grpSpPr>
+        <a:xfrm>
+          <a:off x="0" y="0"/>
+          <a:ext cx="0" cy="0"/>
+          <a:chOff x="0" y="0"/>
+          <a:chExt cx="0" cy="0"/>
+        </a:xfrm>
+      </p:grpSpPr>
+      <p:sp>
+        <p:nvSpPr>
+          <p:cNvPr id="2" name="Slide Image Placeholder 1"/>
+          <p:cNvSpPr>
+            <a:spLocks noGrp="1" noRot="1" noChangeAspect="1"/>
+          </p:cNvSpPr>
+          <p:nvPr>
+            <p:ph type="sldImg"/>
+          </p:nvPr>
+        </p:nvSpPr>
+        <p:spPr/>
+      </p:sp>
+      <p:sp>
+        <p:nvSpPr>
+          <p:cNvPr id="3" name="Notes Placeholder 2"/>
+          <p:cNvSpPr>
+            <a:spLocks noGrp="1"/>
+          </p:cNvSpPr>
+          <p:nvPr>
+            <p:ph type="body" idx="1"/>
+          </p:nvPr>
+        </p:nvSpPr>
+        <p:spPr/>
+        <p:txBody>
+          <a:bodyPr/>
+          <a:lstStyle/>
+          <a:p>
+            <a:r>
+              <a:rPr lang="en-US" dirty="0"/>
+              <a:t>Originally a 45 minute talk, cut to about 30 by putting the Data Management Plans and Reproducibility after the summary and cutting the Psychology example and the 2 slides at the end, probably covered under testing.</a:t>
+            </a:r>
+          </a:p>
+          <a:p>
+            <a:r>
+              <a:rPr lang="en-US" dirty="0"/>
+              <a:t>To make this a 15 minute talk go through the initial examples and incentives quickly then cover the How to sections.</a:t>
+            </a:r>
+          </a:p>
+        </p:txBody>
+      </p:sp>
+      <p:sp>
+        <p:nvSpPr>
+          <p:cNvPr id="4" name="Slide Number Placeholder 3"/>
+          <p:cNvSpPr>
+            <a:spLocks noGrp="1"/>
+          </p:cNvSpPr>
+          <p:nvPr>
+            <p:ph type="sldNum" sz="quarter" idx="5"/>
+          </p:nvPr>
+        </p:nvSpPr>
+        <p:spPr/>
+        <p:txBody>
+          <a:bodyPr/>
+          <a:lstStyle/>
+          <a:p>
+            <a:fld id="{54E672D7-8E2D-4611-973D-F4591A707C34}" type="slidenum">
+              <a:rPr lang="en-US" smtClean="0"/>
+              <a:t>1</a:t>
+            </a:fld>
+            <a:endParaRPr lang="en-US"/>
+          </a:p>
+        </p:txBody>
+      </p:sp>
+    </p:spTree>
+    <p:extLst>
+      <p:ext uri="{BB962C8B-B14F-4D97-AF65-F5344CB8AC3E}">
+        <p14:creationId xmlns:p14="http://schemas.microsoft.com/office/powerpoint/2010/main" val="1513718751"/>
+      </p:ext>
+    </p:extLst>
+  </p:cSld>
+  <p:clrMapOvr>
+    <a:masterClrMapping/>
+  </p:clrMapOvr>
+</p:notes>
+</file>
+
+<file path=ppt/notesSlides/notesSlide2.xml><?xml version="1.0" encoding="utf-8"?>
+<p:notes xmlns:a="http://schemas.openxmlformats.org/drawingml/2006/main" xmlns:r="http://schemas.openxmlformats.org/officeDocument/2006/relationships" xmlns:p="http://schemas.openxmlformats.org/presentationml/2006/main">
+  <p:cSld>
+    <p:spTree>
+      <p:nvGrpSpPr>
+        <p:cNvPr id="1" name=""/>
+        <p:cNvGrpSpPr/>
+        <p:nvPr/>
+      </p:nvGrpSpPr>
+      <p:grpSpPr>
+        <a:xfrm>
+          <a:off x="0" y="0"/>
+          <a:ext cx="0" cy="0"/>
+          <a:chOff x="0" y="0"/>
+          <a:chExt cx="0" cy="0"/>
+        </a:xfrm>
+      </p:grpSpPr>
+      <p:sp>
+        <p:nvSpPr>
+          <p:cNvPr id="2" name="Slide Image Placeholder 1"/>
+          <p:cNvSpPr>
+            <a:spLocks noGrp="1" noRot="1" noChangeAspect="1"/>
+          </p:cNvSpPr>
+          <p:nvPr>
+            <p:ph type="sldImg"/>
+          </p:nvPr>
+        </p:nvSpPr>
+        <p:spPr/>
+      </p:sp>
+      <p:sp>
+        <p:nvSpPr>
+          <p:cNvPr id="4" name="Slide Number Placeholder 3"/>
+          <p:cNvSpPr>
+            <a:spLocks noGrp="1"/>
+          </p:cNvSpPr>
+          <p:nvPr>
+            <p:ph type="sldNum" sz="quarter" idx="5"/>
+          </p:nvPr>
+        </p:nvSpPr>
+        <p:spPr/>
+        <p:txBody>
+          <a:bodyPr/>
+          <a:lstStyle/>
+          <a:p>
+            <a:fld id="{54E672D7-8E2D-4611-973D-F4591A707C34}" type="slidenum">
+              <a:rPr lang="en-US" smtClean="0"/>
+              <a:t>5</a:t>
+            </a:fld>
+            <a:endParaRPr lang="en-US"/>
+          </a:p>
+        </p:txBody>
+      </p:sp>
+      <p:sp>
+        <p:nvSpPr>
+          <p:cNvPr id="6" name="Content Placeholder 2">
+            <a:extLst>
+              <a:ext uri="{FF2B5EF4-FFF2-40B4-BE49-F238E27FC236}">
+                <a16:creationId xmlns:a16="http://schemas.microsoft.com/office/drawing/2014/main" id="{14E1251E-C854-AA46-A04A-00D9A85237CB}"/>
+              </a:ext>
+            </a:extLst>
+          </p:cNvPr>
+          <p:cNvSpPr txBox="1">
+            <a:spLocks noGrp="1"/>
+          </p:cNvSpPr>
+          <p:nvPr>
+            <p:ph type="body" idx="1"/>
+          </p:nvPr>
+        </p:nvSpPr>
+        <p:spPr>
+          <a:prstGeom prst="rect">
+            <a:avLst/>
+          </a:prstGeom>
+        </p:spPr>
+        <p:txBody>
+          <a:bodyPr/>
+          <a:lstStyle>
+            <a:lvl1pPr marL="230188" indent="-230188" algn="l" rtl="0" eaLnBrk="1" fontAlgn="base" hangingPunct="1">
+              <a:lnSpc>
+                <a:spcPct val="90000"/>
+              </a:lnSpc>
+              <a:spcBef>
+                <a:spcPts val="1400"/>
+              </a:spcBef>
+              <a:spcAft>
+                <a:spcPct val="0"/>
+              </a:spcAft>
+              <a:buClr>
+                <a:schemeClr val="tx1"/>
+              </a:buClr>
+              <a:buFont typeface="Arial" charset="0"/>
+              <a:buChar char="•"/>
+              <a:defRPr sz="2400" kern="1200">
+                <a:solidFill>
+                  <a:schemeClr val="tx1"/>
+                </a:solidFill>
+                <a:latin typeface="+mn-lt"/>
+                <a:ea typeface="+mn-ea"/>
+                <a:cs typeface="+mn-cs"/>
+              </a:defRPr>
+            </a:lvl1pPr>
+            <a:lvl2pPr marL="625475" indent="-279400" algn="l" rtl="0" eaLnBrk="1" fontAlgn="base" hangingPunct="1">
+              <a:lnSpc>
+                <a:spcPct val="90000"/>
+              </a:lnSpc>
+              <a:spcBef>
+                <a:spcPts val="800"/>
+              </a:spcBef>
+              <a:spcAft>
+                <a:spcPct val="0"/>
+              </a:spcAft>
+              <a:buClr>
+                <a:schemeClr val="tx1"/>
+              </a:buClr>
+              <a:buFont typeface="Arial" charset="0"/>
+              <a:buChar char="–"/>
+              <a:defRPr sz="2000" kern="1200">
+                <a:solidFill>
+                  <a:schemeClr val="tx1"/>
+                </a:solidFill>
+                <a:latin typeface="+mn-lt"/>
+                <a:ea typeface="+mn-ea"/>
+                <a:cs typeface="+mn-cs"/>
+              </a:defRPr>
+            </a:lvl2pPr>
+            <a:lvl3pPr marL="914400" indent="-230188" algn="l" rtl="0" eaLnBrk="1" fontAlgn="base" hangingPunct="1">
+              <a:lnSpc>
+                <a:spcPct val="90000"/>
+              </a:lnSpc>
+              <a:spcBef>
+                <a:spcPts val="800"/>
+              </a:spcBef>
+              <a:spcAft>
+                <a:spcPct val="0"/>
+              </a:spcAft>
+              <a:buClr>
+                <a:schemeClr val="tx1"/>
+              </a:buClr>
+              <a:buFont typeface="Arial" charset="0"/>
+              <a:buChar char="•"/>
+              <a:defRPr sz="1800" kern="1200">
+                <a:solidFill>
+                  <a:schemeClr val="tx1"/>
+                </a:solidFill>
+                <a:latin typeface="+mn-lt"/>
+                <a:ea typeface="+mn-ea"/>
+                <a:cs typeface="+mn-cs"/>
+              </a:defRPr>
+            </a:lvl3pPr>
+            <a:lvl4pPr marL="1144588" indent="-173038" algn="l" rtl="0" eaLnBrk="1" fontAlgn="base" hangingPunct="1">
+              <a:lnSpc>
+                <a:spcPct val="90000"/>
+              </a:lnSpc>
+              <a:spcBef>
+                <a:spcPts val="800"/>
+              </a:spcBef>
+              <a:spcAft>
+                <a:spcPct val="0"/>
+              </a:spcAft>
+              <a:buClr>
+                <a:schemeClr val="tx1"/>
+              </a:buClr>
+              <a:buFont typeface="Arial" charset="0"/>
+              <a:buChar char="–"/>
+              <a:defRPr sz="1600" kern="1200">
+                <a:solidFill>
+                  <a:schemeClr val="tx1"/>
+                </a:solidFill>
+                <a:latin typeface="+mn-lt"/>
+                <a:ea typeface="+mn-ea"/>
+                <a:cs typeface="+mn-cs"/>
+              </a:defRPr>
+            </a:lvl4pPr>
+            <a:lvl5pPr marL="1482725" indent="-222250" algn="l" rtl="0" eaLnBrk="1" fontAlgn="base" hangingPunct="1">
+              <a:lnSpc>
+                <a:spcPct val="90000"/>
+              </a:lnSpc>
+              <a:spcBef>
+                <a:spcPts val="600"/>
+              </a:spcBef>
+              <a:spcAft>
+                <a:spcPct val="0"/>
+              </a:spcAft>
+              <a:buClr>
+                <a:schemeClr val="tx1"/>
+              </a:buClr>
+              <a:buFont typeface="Arial" charset="0"/>
+              <a:buChar char="»"/>
+              <a:defRPr sz="1600" kern="1200">
+                <a:solidFill>
+                  <a:schemeClr val="tx1"/>
+                </a:solidFill>
+                <a:latin typeface="+mn-lt"/>
+                <a:ea typeface="+mn-ea"/>
+                <a:cs typeface="+mn-cs"/>
+              </a:defRPr>
+            </a:lvl5pPr>
+            <a:lvl6pPr marL="2514600" indent="-228600" algn="l" defTabSz="914400" rtl="0" eaLnBrk="1" latinLnBrk="0" hangingPunct="1">
+              <a:spcBef>
+                <a:spcPct val="20000"/>
+              </a:spcBef>
+              <a:buFont typeface="Arial" pitchFamily="34" charset="0"/>
+              <a:buChar char="•"/>
+              <a:defRPr sz="2000" kern="1200">
+                <a:solidFill>
+                  <a:schemeClr val="tx1"/>
+                </a:solidFill>
+                <a:latin typeface="+mn-lt"/>
+                <a:ea typeface="+mn-ea"/>
+                <a:cs typeface="+mn-cs"/>
+              </a:defRPr>
+            </a:lvl6pPr>
+            <a:lvl7pPr marL="2971800" indent="-228600" algn="l" defTabSz="914400" rtl="0" eaLnBrk="1" latinLnBrk="0" hangingPunct="1">
+              <a:spcBef>
+                <a:spcPct val="20000"/>
+              </a:spcBef>
+              <a:buFont typeface="Arial" pitchFamily="34" charset="0"/>
+              <a:buChar char="•"/>
+              <a:defRPr sz="2000" kern="1200">
+                <a:solidFill>
+                  <a:schemeClr val="tx1"/>
+                </a:solidFill>
+                <a:latin typeface="+mn-lt"/>
+                <a:ea typeface="+mn-ea"/>
+                <a:cs typeface="+mn-cs"/>
+              </a:defRPr>
+            </a:lvl7pPr>
+            <a:lvl8pPr marL="3429000" indent="-228600" algn="l" defTabSz="914400" rtl="0" eaLnBrk="1" latinLnBrk="0" hangingPunct="1">
+              <a:spcBef>
+                <a:spcPct val="20000"/>
+              </a:spcBef>
+              <a:buFont typeface="Arial" pitchFamily="34" charset="0"/>
+              <a:buChar char="•"/>
+              <a:defRPr sz="2000" kern="1200">
+                <a:solidFill>
+                  <a:schemeClr val="tx1"/>
+                </a:solidFill>
+                <a:latin typeface="+mn-lt"/>
+                <a:ea typeface="+mn-ea"/>
+                <a:cs typeface="+mn-cs"/>
+              </a:defRPr>
+            </a:lvl8pPr>
+            <a:lvl9pPr marL="3886200" indent="-228600" algn="l" defTabSz="914400" rtl="0" eaLnBrk="1" latinLnBrk="0" hangingPunct="1">
+              <a:spcBef>
+                <a:spcPct val="20000"/>
+              </a:spcBef>
+              <a:buFont typeface="Arial" pitchFamily="34" charset="0"/>
+              <a:buChar char="•"/>
+              <a:defRPr sz="2000" kern="1200">
+                <a:solidFill>
+                  <a:schemeClr val="tx1"/>
+                </a:solidFill>
+                <a:latin typeface="+mn-lt"/>
+                <a:ea typeface="+mn-ea"/>
+                <a:cs typeface="+mn-cs"/>
+              </a:defRPr>
+            </a:lvl9pPr>
+          </a:lstStyle>
+          <a:p>
+            <a:r>
+              <a:rPr lang="en-US" sz="1600" dirty="0"/>
+              <a:t>Examples  that resulted in disputed results</a:t>
+            </a:r>
+          </a:p>
+          <a:p>
+            <a:r>
+              <a:rPr lang="en-US" sz="1600" dirty="0"/>
+              <a:t>Additional Incentives</a:t>
+            </a:r>
+          </a:p>
+          <a:p>
+            <a:pPr lvl="1"/>
+            <a:r>
+              <a:rPr lang="en-US" sz="1600" dirty="0"/>
+              <a:t>Ensure goals include credible science through better software</a:t>
+            </a:r>
+          </a:p>
+          <a:p>
+            <a:pPr lvl="1"/>
+            <a:r>
+              <a:rPr lang="en-US" sz="1600" dirty="0"/>
+              <a:t>Limited resources</a:t>
+            </a:r>
+          </a:p>
+          <a:p>
+            <a:pPr lvl="1"/>
+            <a:r>
+              <a:rPr lang="en-US" sz="1600" dirty="0"/>
+              <a:t>Data requirement plans for research</a:t>
+            </a:r>
+          </a:p>
+          <a:p>
+            <a:pPr lvl="1"/>
+            <a:r>
+              <a:rPr lang="en-US" sz="1600" dirty="0"/>
+              <a:t> Reproducibility and transparency initiatives for publications</a:t>
+            </a:r>
+          </a:p>
+          <a:p>
+            <a:pPr lvl="1"/>
+            <a:endParaRPr lang="en-US" dirty="0"/>
+          </a:p>
+        </p:txBody>
+      </p:sp>
+    </p:spTree>
+    <p:extLst>
+      <p:ext uri="{BB962C8B-B14F-4D97-AF65-F5344CB8AC3E}">
+        <p14:creationId xmlns:p14="http://schemas.microsoft.com/office/powerpoint/2010/main" val="771784236"/>
+      </p:ext>
+    </p:extLst>
+  </p:cSld>
+  <p:clrMapOvr>
+    <a:masterClrMapping/>
+  </p:clrMapOvr>
+</p:notes>
+</file>
+
+<file path=ppt/notesSlides/notesSlide3.xml><?xml version="1.0" encoding="utf-8"?>
+<p:notes xmlns:a="http://schemas.openxmlformats.org/drawingml/2006/main" xmlns:r="http://schemas.openxmlformats.org/officeDocument/2006/relationships" xmlns:p="http://schemas.openxmlformats.org/presentationml/2006/main">
+  <p:cSld>
+    <p:spTree>
+      <p:nvGrpSpPr>
+        <p:cNvPr id="1" name=""/>
+        <p:cNvGrpSpPr/>
+        <p:nvPr/>
+      </p:nvGrpSpPr>
+      <p:grpSpPr>
+        <a:xfrm>
+          <a:off x="0" y="0"/>
+          <a:ext cx="0" cy="0"/>
+          <a:chOff x="0" y="0"/>
+          <a:chExt cx="0" cy="0"/>
+        </a:xfrm>
+      </p:grpSpPr>
+      <p:sp>
+        <p:nvSpPr>
+          <p:cNvPr id="2" name="Slide Image Placeholder 1"/>
+          <p:cNvSpPr>
+            <a:spLocks noGrp="1" noRot="1" noChangeAspect="1"/>
+          </p:cNvSpPr>
+          <p:nvPr>
+            <p:ph type="sldImg"/>
+          </p:nvPr>
+        </p:nvSpPr>
+        <p:spPr/>
+      </p:sp>
+      <p:sp>
+        <p:nvSpPr>
+          <p:cNvPr id="3" name="Notes Placeholder 2"/>
+          <p:cNvSpPr>
+            <a:spLocks noGrp="1"/>
+          </p:cNvSpPr>
+          <p:nvPr>
+            <p:ph type="body" idx="1"/>
+          </p:nvPr>
+        </p:nvSpPr>
+        <p:spPr/>
+        <p:txBody>
+          <a:bodyPr/>
+          <a:lstStyle/>
+          <a:p>
+            <a:endParaRPr lang="en-US"/>
+          </a:p>
+        </p:txBody>
+      </p:sp>
+      <p:sp>
+        <p:nvSpPr>
+          <p:cNvPr id="4" name="Slide Number Placeholder 3"/>
+          <p:cNvSpPr>
+            <a:spLocks noGrp="1"/>
+          </p:cNvSpPr>
+          <p:nvPr>
+            <p:ph type="sldNum" sz="quarter" idx="5"/>
+          </p:nvPr>
+        </p:nvSpPr>
+        <p:spPr/>
+        <p:txBody>
+          <a:bodyPr/>
+          <a:lstStyle/>
+          <a:p>
+            <a:fld id="{54E672D7-8E2D-4611-973D-F4591A707C34}" type="slidenum">
+              <a:rPr lang="en-US" smtClean="0"/>
+              <a:t>10</a:t>
+            </a:fld>
+            <a:endParaRPr lang="en-US"/>
+          </a:p>
+        </p:txBody>
+      </p:sp>
+    </p:spTree>
+    <p:extLst>
+      <p:ext uri="{BB962C8B-B14F-4D97-AF65-F5344CB8AC3E}">
+        <p14:creationId xmlns:p14="http://schemas.microsoft.com/office/powerpoint/2010/main" val="4275499027"/>
+      </p:ext>
+    </p:extLst>
+  </p:cSld>
+  <p:clrMapOvr>
+    <a:masterClrMapping/>
+  </p:clrMapOvr>
+</p:notes>
+</file>
+
+<file path=ppt/notesSlides/notesSlide4.xml><?xml version="1.0" encoding="utf-8"?>
+<p:notes xmlns:a="http://schemas.openxmlformats.org/drawingml/2006/main" xmlns:r="http://schemas.openxmlformats.org/officeDocument/2006/relationships" xmlns:p="http://schemas.openxmlformats.org/presentationml/2006/main">
+  <p:cSld>
+    <p:spTree>
+      <p:nvGrpSpPr>
+        <p:cNvPr id="1" name=""/>
+        <p:cNvGrpSpPr/>
+        <p:nvPr/>
+      </p:nvGrpSpPr>
+      <p:grpSpPr>
+        <a:xfrm>
+          <a:off x="0" y="0"/>
+          <a:ext cx="0" cy="0"/>
+          <a:chOff x="0" y="0"/>
+          <a:chExt cx="0" cy="0"/>
+        </a:xfrm>
+      </p:grpSpPr>
+      <p:sp>
+        <p:nvSpPr>
+          <p:cNvPr id="2" name="Slide Image Placeholder 1"/>
+          <p:cNvSpPr>
+            <a:spLocks noGrp="1" noRot="1" noChangeAspect="1"/>
+          </p:cNvSpPr>
+          <p:nvPr>
+            <p:ph type="sldImg"/>
+          </p:nvPr>
+        </p:nvSpPr>
+        <p:spPr/>
+      </p:sp>
+      <p:sp>
+        <p:nvSpPr>
+          <p:cNvPr id="3" name="Notes Placeholder 2"/>
+          <p:cNvSpPr>
+            <a:spLocks noGrp="1"/>
+          </p:cNvSpPr>
+          <p:nvPr>
+            <p:ph type="body" idx="1"/>
+          </p:nvPr>
+        </p:nvSpPr>
+        <p:spPr/>
+        <p:txBody>
+          <a:bodyPr/>
+          <a:lstStyle/>
+          <a:p>
+            <a:endParaRPr lang="en-US"/>
+          </a:p>
+        </p:txBody>
+      </p:sp>
+      <p:sp>
+        <p:nvSpPr>
+          <p:cNvPr id="4" name="Slide Number Placeholder 3"/>
+          <p:cNvSpPr>
+            <a:spLocks noGrp="1"/>
+          </p:cNvSpPr>
+          <p:nvPr>
+            <p:ph type="sldNum" sz="quarter" idx="5"/>
+          </p:nvPr>
+        </p:nvSpPr>
+        <p:spPr/>
+        <p:txBody>
+          <a:bodyPr/>
+          <a:lstStyle/>
+          <a:p>
+            <a:fld id="{54E672D7-8E2D-4611-973D-F4591A707C34}" type="slidenum">
+              <a:rPr lang="en-US" smtClean="0"/>
+              <a:t>14</a:t>
+            </a:fld>
+            <a:endParaRPr lang="en-US"/>
+          </a:p>
+        </p:txBody>
+      </p:sp>
+    </p:spTree>
+    <p:extLst>
+      <p:ext uri="{BB962C8B-B14F-4D97-AF65-F5344CB8AC3E}">
+        <p14:creationId xmlns:p14="http://schemas.microsoft.com/office/powerpoint/2010/main" val="602384092"/>
+      </p:ext>
+    </p:extLst>
+  </p:cSld>
+  <p:clrMapOvr>
+    <a:masterClrMapping/>
+  </p:clrMapOvr>
+</p:notes>
+</file>
+
+<file path=ppt/notesSlides/notesSlide5.xml><?xml version="1.0" encoding="utf-8"?>
+<p:notes xmlns:a="http://schemas.openxmlformats.org/drawingml/2006/main" xmlns:r="http://schemas.openxmlformats.org/officeDocument/2006/relationships" xmlns:p="http://schemas.openxmlformats.org/presentationml/2006/main">
+  <p:cSld>
+    <p:spTree>
+      <p:nvGrpSpPr>
+        <p:cNvPr id="1" name=""/>
+        <p:cNvGrpSpPr/>
+        <p:nvPr/>
+      </p:nvGrpSpPr>
+      <p:grpSpPr>
+        <a:xfrm>
+          <a:off x="0" y="0"/>
+          <a:ext cx="0" cy="0"/>
+          <a:chOff x="0" y="0"/>
+          <a:chExt cx="0" cy="0"/>
+        </a:xfrm>
+      </p:grpSpPr>
+      <p:sp>
+        <p:nvSpPr>
+          <p:cNvPr id="2" name="Slide Image Placeholder 1"/>
+          <p:cNvSpPr>
+            <a:spLocks noGrp="1" noRot="1" noChangeAspect="1"/>
+          </p:cNvSpPr>
+          <p:nvPr>
+            <p:ph type="sldImg"/>
+          </p:nvPr>
+        </p:nvSpPr>
+        <p:spPr/>
+      </p:sp>
+      <p:sp>
+        <p:nvSpPr>
+          <p:cNvPr id="3" name="Notes Placeholder 2"/>
+          <p:cNvSpPr>
+            <a:spLocks noGrp="1"/>
+          </p:cNvSpPr>
+          <p:nvPr>
+            <p:ph type="body" idx="1"/>
+          </p:nvPr>
+        </p:nvSpPr>
+        <p:spPr/>
+        <p:txBody>
+          <a:bodyPr/>
+          <a:lstStyle/>
+          <a:p>
+            <a:endParaRPr lang="en-US" dirty="0"/>
+          </a:p>
+        </p:txBody>
+      </p:sp>
+      <p:sp>
+        <p:nvSpPr>
+          <p:cNvPr id="4" name="Slide Number Placeholder 3"/>
+          <p:cNvSpPr>
+            <a:spLocks noGrp="1"/>
+          </p:cNvSpPr>
+          <p:nvPr>
+            <p:ph type="sldNum" sz="quarter" idx="5"/>
+          </p:nvPr>
+        </p:nvSpPr>
+        <p:spPr/>
+        <p:txBody>
+          <a:bodyPr/>
+          <a:lstStyle/>
+          <a:p>
+            <a:fld id="{54E672D7-8E2D-4611-973D-F4591A707C34}" type="slidenum">
+              <a:rPr lang="en-US" smtClean="0"/>
+              <a:t>15</a:t>
+            </a:fld>
+            <a:endParaRPr lang="en-US"/>
+          </a:p>
+        </p:txBody>
+      </p:sp>
+    </p:spTree>
+    <p:extLst>
+      <p:ext uri="{BB962C8B-B14F-4D97-AF65-F5344CB8AC3E}">
+        <p14:creationId xmlns:p14="http://schemas.microsoft.com/office/powerpoint/2010/main" val="2638610629"/>
+      </p:ext>
+    </p:extLst>
+  </p:cSld>
+  <p:clrMapOvr>
+    <a:masterClrMapping/>
+  </p:clrMapOvr>
+</p:notes>
 </file>
 
 <file path=ppt/slideLayouts/slideLayout1.xml><?xml version="1.0" encoding="utf-8"?>
@@ -3612,11 +4275,20 @@
           <a:p>
             <a:r>
               <a:rPr lang="en-US" u="sng" dirty="0"/>
-              <a:t>David E. Bernholdt</a:t>
-            </a:r>
-            <a:r>
-              <a:rPr lang="en-US" dirty="0"/>
-              <a:t>, David Rogers</a:t>
+              <a:t>Patricia Grubel</a:t>
+            </a:r>
+            <a:br>
+              <a:rPr lang="en-US" u="sng" dirty="0"/>
+            </a:br>
+            <a:r>
+              <a:rPr lang="en-US" sz="2000" dirty="0"/>
+              <a:t>Los Alamos National Laboratory</a:t>
+            </a:r>
+          </a:p>
+          <a:p>
+            <a:r>
+              <a:rPr lang="en-US" dirty="0"/>
+              <a:t>David E. Bernholdt, David Rogers</a:t>
             </a:r>
             <a:br>
               <a:rPr lang="en-US" u="sng" dirty="0"/>
@@ -3666,7 +4338,7 @@
           <p:nvPr/>
         </p:nvPicPr>
         <p:blipFill>
-          <a:blip r:embed="rId2">
+          <a:blip r:embed="rId3">
             <a:extLst>
               <a:ext uri="{28A0092B-C50C-407E-A947-70E740481C1C}">
                 <a14:useLocalDpi xmlns:a14="http://schemas.microsoft.com/office/drawing/2010/main" val="0"/>
@@ -3753,7 +4425,7 @@
           <p:nvPr/>
         </p:nvPicPr>
         <p:blipFill>
-          <a:blip r:embed="rId3" cstate="print">
+          <a:blip r:embed="rId4" cstate="print">
             <a:extLst>
               <a:ext uri="{28A0092B-C50C-407E-A947-70E740481C1C}">
                 <a14:useLocalDpi xmlns:a14="http://schemas.microsoft.com/office/drawing/2010/main" val="0"/>
@@ -3970,8 +4642,12 @@
               <a:buNone/>
             </a:pPr>
             <a:r>
-              <a:rPr lang="en-US" dirty="0"/>
-              <a:t>Goal: Change incentives to include valuing of better software, better science</a:t>
+              <a:rPr lang="en-US" b="1" dirty="0"/>
+              <a:t>Goal</a:t>
+            </a:r>
+            <a:r>
+              <a:rPr lang="en-US" dirty="0"/>
+              <a:t>: Change incentives to include valuing of better software, better science</a:t>
             </a:r>
           </a:p>
           <a:p>
@@ -4454,10 +5130,10 @@
       </p:grpSpPr>
       <p:sp>
         <p:nvSpPr>
-          <p:cNvPr id="4" name="Title 3">
+          <p:cNvPr id="2" name="Title 1">
             <a:extLst>
               <a:ext uri="{FF2B5EF4-FFF2-40B4-BE49-F238E27FC236}">
-                <a16:creationId xmlns:a16="http://schemas.microsoft.com/office/drawing/2014/main" id="{672F71E0-47A2-4020-9B2A-62C994864519}"/>
+                <a16:creationId xmlns:a16="http://schemas.microsoft.com/office/drawing/2014/main" id="{37DBEDD4-F65E-034B-BB5E-8D99F4CD0FBF}"/>
               </a:ext>
             </a:extLst>
           </p:cNvPr>
@@ -4475,324 +5151,248 @@
           <a:p>
             <a:r>
               <a:rPr lang="en-US" dirty="0"/>
-              <a:t>Setting Expectations for Your Data</a:t>
+              <a:t>Reproducibility and Transparency Initiatives and Requirements</a:t>
             </a:r>
           </a:p>
         </p:txBody>
       </p:sp>
       <p:sp>
         <p:nvSpPr>
-          <p:cNvPr id="5" name="Text Placeholder 4">
+          <p:cNvPr id="4" name="Content Placeholder 2">
             <a:extLst>
               <a:ext uri="{FF2B5EF4-FFF2-40B4-BE49-F238E27FC236}">
-                <a16:creationId xmlns:a16="http://schemas.microsoft.com/office/drawing/2014/main" id="{5C43CE43-3F69-454F-91AA-79F31589C030}"/>
+                <a16:creationId xmlns:a16="http://schemas.microsoft.com/office/drawing/2014/main" id="{9A58FF00-57DF-C346-9B46-007A03E57299}"/>
               </a:ext>
             </a:extLst>
           </p:cNvPr>
-          <p:cNvSpPr>
+          <p:cNvSpPr txBox="1">
             <a:spLocks noGrp="1"/>
           </p:cNvSpPr>
           <p:nvPr>
-            <p:ph type="body" idx="1"/>
+            <p:ph idx="1"/>
           </p:nvPr>
         </p:nvSpPr>
         <p:spPr>
-          <a:xfrm>
-            <a:off x="457200" y="873418"/>
-            <a:ext cx="5588582" cy="821190"/>
-          </a:xfrm>
+          <a:prstGeom prst="rect">
+            <a:avLst/>
+          </a:prstGeom>
         </p:spPr>
         <p:txBody>
           <a:bodyPr/>
-          <a:lstStyle/>
-          <a:p>
-            <a:r>
-              <a:rPr lang="en-US" dirty="0"/>
-              <a:t>Data Management Plans</a:t>
-            </a:r>
-          </a:p>
-        </p:txBody>
-      </p:sp>
-      <p:sp>
-        <p:nvSpPr>
-          <p:cNvPr id="6" name="Content Placeholder 5">
-            <a:extLst>
-              <a:ext uri="{FF2B5EF4-FFF2-40B4-BE49-F238E27FC236}">
-                <a16:creationId xmlns:a16="http://schemas.microsoft.com/office/drawing/2014/main" id="{D66E6D61-44C6-4432-83DF-8B05B0B813B2}"/>
-              </a:ext>
-            </a:extLst>
-          </p:cNvPr>
-          <p:cNvSpPr>
-            <a:spLocks noGrp="1"/>
-          </p:cNvSpPr>
-          <p:nvPr>
-            <p:ph sz="half" idx="2"/>
-          </p:nvPr>
-        </p:nvSpPr>
-        <p:spPr>
-          <a:xfrm>
-            <a:off x="457200" y="1694608"/>
-            <a:ext cx="5588582" cy="3373229"/>
-          </a:xfrm>
-        </p:spPr>
-        <p:txBody>
-          <a:bodyPr/>
-          <a:lstStyle/>
-          <a:p>
-            <a:r>
-              <a:rPr lang="en-US" dirty="0"/>
-              <a:t>Most research sponsors require data management plans as part of proposals</a:t>
-            </a:r>
-          </a:p>
-          <a:p>
-            <a:r>
-              <a:rPr lang="en-US" dirty="0"/>
-              <a:t>Example: NSF policy on </a:t>
-            </a:r>
-            <a:r>
-              <a:rPr lang="en-US" dirty="0">
-                <a:hlinkClick r:id="rId2"/>
-              </a:rPr>
-              <a:t>Dissemination and Sharing of Research Results</a:t>
-            </a:r>
+          <a:lstStyle>
+            <a:lvl1pPr marL="230188" indent="-230188" algn="l" rtl="0" eaLnBrk="1" fontAlgn="base" hangingPunct="1">
+              <a:lnSpc>
+                <a:spcPct val="90000"/>
+              </a:lnSpc>
+              <a:spcBef>
+                <a:spcPts val="1400"/>
+              </a:spcBef>
+              <a:spcAft>
+                <a:spcPct val="0"/>
+              </a:spcAft>
+              <a:buClr>
+                <a:schemeClr val="tx1"/>
+              </a:buClr>
+              <a:buFont typeface="Arial" charset="0"/>
+              <a:buChar char="•"/>
+              <a:defRPr sz="2400" kern="1200">
+                <a:solidFill>
+                  <a:schemeClr val="tx1"/>
+                </a:solidFill>
+                <a:latin typeface="+mn-lt"/>
+                <a:ea typeface="+mn-ea"/>
+                <a:cs typeface="+mn-cs"/>
+              </a:defRPr>
+            </a:lvl1pPr>
+            <a:lvl2pPr marL="625475" indent="-279400" algn="l" rtl="0" eaLnBrk="1" fontAlgn="base" hangingPunct="1">
+              <a:lnSpc>
+                <a:spcPct val="90000"/>
+              </a:lnSpc>
+              <a:spcBef>
+                <a:spcPts val="800"/>
+              </a:spcBef>
+              <a:spcAft>
+                <a:spcPct val="0"/>
+              </a:spcAft>
+              <a:buClr>
+                <a:schemeClr val="tx1"/>
+              </a:buClr>
+              <a:buFont typeface="Arial" charset="0"/>
+              <a:buChar char="–"/>
+              <a:defRPr sz="2000" kern="1200">
+                <a:solidFill>
+                  <a:schemeClr val="tx1"/>
+                </a:solidFill>
+                <a:latin typeface="+mn-lt"/>
+                <a:ea typeface="+mn-ea"/>
+                <a:cs typeface="+mn-cs"/>
+              </a:defRPr>
+            </a:lvl2pPr>
+            <a:lvl3pPr marL="914400" indent="-230188" algn="l" rtl="0" eaLnBrk="1" fontAlgn="base" hangingPunct="1">
+              <a:lnSpc>
+                <a:spcPct val="90000"/>
+              </a:lnSpc>
+              <a:spcBef>
+                <a:spcPts val="800"/>
+              </a:spcBef>
+              <a:spcAft>
+                <a:spcPct val="0"/>
+              </a:spcAft>
+              <a:buClr>
+                <a:schemeClr val="tx1"/>
+              </a:buClr>
+              <a:buFont typeface="Arial" charset="0"/>
+              <a:buChar char="•"/>
+              <a:defRPr sz="1800" kern="1200">
+                <a:solidFill>
+                  <a:schemeClr val="tx1"/>
+                </a:solidFill>
+                <a:latin typeface="+mn-lt"/>
+                <a:ea typeface="+mn-ea"/>
+                <a:cs typeface="+mn-cs"/>
+              </a:defRPr>
+            </a:lvl3pPr>
+            <a:lvl4pPr marL="1144588" indent="-173038" algn="l" rtl="0" eaLnBrk="1" fontAlgn="base" hangingPunct="1">
+              <a:lnSpc>
+                <a:spcPct val="90000"/>
+              </a:lnSpc>
+              <a:spcBef>
+                <a:spcPts val="800"/>
+              </a:spcBef>
+              <a:spcAft>
+                <a:spcPct val="0"/>
+              </a:spcAft>
+              <a:buClr>
+                <a:schemeClr val="tx1"/>
+              </a:buClr>
+              <a:buFont typeface="Arial" charset="0"/>
+              <a:buChar char="–"/>
+              <a:defRPr sz="1600" kern="1200">
+                <a:solidFill>
+                  <a:schemeClr val="tx1"/>
+                </a:solidFill>
+                <a:latin typeface="+mn-lt"/>
+                <a:ea typeface="+mn-ea"/>
+                <a:cs typeface="+mn-cs"/>
+              </a:defRPr>
+            </a:lvl4pPr>
+            <a:lvl5pPr marL="1482725" indent="-222250" algn="l" rtl="0" eaLnBrk="1" fontAlgn="base" hangingPunct="1">
+              <a:lnSpc>
+                <a:spcPct val="90000"/>
+              </a:lnSpc>
+              <a:spcBef>
+                <a:spcPts val="600"/>
+              </a:spcBef>
+              <a:spcAft>
+                <a:spcPct val="0"/>
+              </a:spcAft>
+              <a:buClr>
+                <a:schemeClr val="tx1"/>
+              </a:buClr>
+              <a:buFont typeface="Arial" charset="0"/>
+              <a:buChar char="»"/>
+              <a:defRPr sz="1600" kern="1200">
+                <a:solidFill>
+                  <a:schemeClr val="tx1"/>
+                </a:solidFill>
+                <a:latin typeface="+mn-lt"/>
+                <a:ea typeface="+mn-ea"/>
+                <a:cs typeface="+mn-cs"/>
+              </a:defRPr>
+            </a:lvl5pPr>
+            <a:lvl6pPr marL="2514600" indent="-228600" algn="l" defTabSz="914400" rtl="0" eaLnBrk="1" latinLnBrk="0" hangingPunct="1">
+              <a:spcBef>
+                <a:spcPct val="20000"/>
+              </a:spcBef>
+              <a:buFont typeface="Arial" pitchFamily="34" charset="0"/>
+              <a:buChar char="•"/>
+              <a:defRPr sz="2000" kern="1200">
+                <a:solidFill>
+                  <a:schemeClr val="tx1"/>
+                </a:solidFill>
+                <a:latin typeface="+mn-lt"/>
+                <a:ea typeface="+mn-ea"/>
+                <a:cs typeface="+mn-cs"/>
+              </a:defRPr>
+            </a:lvl6pPr>
+            <a:lvl7pPr marL="2971800" indent="-228600" algn="l" defTabSz="914400" rtl="0" eaLnBrk="1" latinLnBrk="0" hangingPunct="1">
+              <a:spcBef>
+                <a:spcPct val="20000"/>
+              </a:spcBef>
+              <a:buFont typeface="Arial" pitchFamily="34" charset="0"/>
+              <a:buChar char="•"/>
+              <a:defRPr sz="2000" kern="1200">
+                <a:solidFill>
+                  <a:schemeClr val="tx1"/>
+                </a:solidFill>
+                <a:latin typeface="+mn-lt"/>
+                <a:ea typeface="+mn-ea"/>
+                <a:cs typeface="+mn-cs"/>
+              </a:defRPr>
+            </a:lvl7pPr>
+            <a:lvl8pPr marL="3429000" indent="-228600" algn="l" defTabSz="914400" rtl="0" eaLnBrk="1" latinLnBrk="0" hangingPunct="1">
+              <a:spcBef>
+                <a:spcPct val="20000"/>
+              </a:spcBef>
+              <a:buFont typeface="Arial" pitchFamily="34" charset="0"/>
+              <a:buChar char="•"/>
+              <a:defRPr sz="2000" kern="1200">
+                <a:solidFill>
+                  <a:schemeClr val="tx1"/>
+                </a:solidFill>
+                <a:latin typeface="+mn-lt"/>
+                <a:ea typeface="+mn-ea"/>
+                <a:cs typeface="+mn-cs"/>
+              </a:defRPr>
+            </a:lvl8pPr>
+            <a:lvl9pPr marL="3886200" indent="-228600" algn="l" defTabSz="914400" rtl="0" eaLnBrk="1" latinLnBrk="0" hangingPunct="1">
+              <a:spcBef>
+                <a:spcPct val="20000"/>
+              </a:spcBef>
+              <a:buFont typeface="Arial" pitchFamily="34" charset="0"/>
+              <a:buChar char="•"/>
+              <a:defRPr sz="2000" kern="1200">
+                <a:solidFill>
+                  <a:schemeClr val="tx1"/>
+                </a:solidFill>
+                <a:latin typeface="+mn-lt"/>
+                <a:ea typeface="+mn-ea"/>
+                <a:cs typeface="+mn-cs"/>
+              </a:defRPr>
+            </a:lvl9pPr>
+          </a:lstStyle>
+          <a:p>
+            <a:r>
+              <a:rPr lang="en-US" dirty="0"/>
+              <a:t>Data management plans for research funding</a:t>
+            </a:r>
+          </a:p>
+          <a:p>
+            <a:r>
+              <a:rPr lang="en-US" dirty="0"/>
+              <a:t>Reproducibility and transparency Initiatives</a:t>
+            </a:r>
+          </a:p>
+          <a:p>
+            <a:pPr lvl="1"/>
+            <a:r>
+              <a:rPr lang="en-US" dirty="0"/>
+              <a:t>Increasing implementations for publications (SC, ACM and more)</a:t>
+            </a:r>
+          </a:p>
+          <a:p>
+            <a:pPr marL="346075" lvl="1" indent="0">
+              <a:buNone/>
+            </a:pPr>
             <a:endParaRPr lang="en-US" dirty="0"/>
           </a:p>
           <a:p>
-            <a:pPr lvl="1">
-              <a:spcBef>
-                <a:spcPts val="200"/>
-              </a:spcBef>
-            </a:pPr>
-            <a:r>
-              <a:rPr lang="en-US" dirty="0"/>
-              <a:t>Promptly publish with appropriate authorship</a:t>
-            </a:r>
-          </a:p>
-          <a:p>
-            <a:pPr lvl="1">
-              <a:spcBef>
-                <a:spcPts val="200"/>
-              </a:spcBef>
-            </a:pPr>
-            <a:r>
-              <a:rPr lang="en-US" dirty="0"/>
-              <a:t>Share data, samples, physical collections, and supporting materials with others, within a reasonable time frame</a:t>
-            </a:r>
-          </a:p>
-          <a:p>
-            <a:pPr lvl="1">
-              <a:spcBef>
-                <a:spcPts val="200"/>
-              </a:spcBef>
-            </a:pPr>
-            <a:r>
-              <a:rPr lang="en-US" dirty="0"/>
-              <a:t>Share software and inventions</a:t>
-            </a:r>
-          </a:p>
-          <a:p>
-            <a:pPr lvl="1">
-              <a:spcBef>
-                <a:spcPts val="200"/>
-              </a:spcBef>
-            </a:pPr>
-            <a:r>
-              <a:rPr lang="en-US" dirty="0"/>
-              <a:t>Investigators can keep their legal rights over their intellectual property, but they still have to make their results, data, and collections available to others</a:t>
-            </a:r>
-          </a:p>
-          <a:p>
-            <a:pPr lvl="1">
-              <a:spcBef>
-                <a:spcPts val="200"/>
-              </a:spcBef>
-            </a:pPr>
-            <a:r>
-              <a:rPr lang="en-US" dirty="0"/>
-              <a:t>Policies will be implemented via</a:t>
-            </a:r>
-          </a:p>
-          <a:p>
-            <a:pPr lvl="2">
-              <a:spcBef>
-                <a:spcPts val="200"/>
-              </a:spcBef>
-            </a:pPr>
-            <a:r>
-              <a:rPr lang="en-US" dirty="0"/>
-              <a:t>Proposal review</a:t>
-            </a:r>
-          </a:p>
-          <a:p>
-            <a:pPr lvl="2">
-              <a:spcBef>
-                <a:spcPts val="200"/>
-              </a:spcBef>
-            </a:pPr>
-            <a:r>
-              <a:rPr lang="en-US" dirty="0"/>
-              <a:t>Award negotiations and conditions</a:t>
-            </a:r>
-          </a:p>
-          <a:p>
-            <a:pPr lvl="2">
-              <a:spcBef>
-                <a:spcPts val="200"/>
-              </a:spcBef>
-            </a:pPr>
-            <a:r>
-              <a:rPr lang="en-US" dirty="0"/>
-              <a:t>Support/incentives</a:t>
-            </a:r>
-          </a:p>
-        </p:txBody>
-      </p:sp>
-      <p:sp>
-        <p:nvSpPr>
-          <p:cNvPr id="7" name="Text Placeholder 6">
-            <a:extLst>
-              <a:ext uri="{FF2B5EF4-FFF2-40B4-BE49-F238E27FC236}">
-                <a16:creationId xmlns:a16="http://schemas.microsoft.com/office/drawing/2014/main" id="{7FA9370A-7387-4D95-8D73-35942A83C120}"/>
-              </a:ext>
-            </a:extLst>
-          </p:cNvPr>
-          <p:cNvSpPr>
-            <a:spLocks noGrp="1"/>
-          </p:cNvSpPr>
-          <p:nvPr>
-            <p:ph type="body" sz="quarter" idx="3"/>
-          </p:nvPr>
-        </p:nvSpPr>
-        <p:spPr>
-          <a:xfrm>
-            <a:off x="6218914" y="873418"/>
-            <a:ext cx="5531934" cy="821190"/>
-          </a:xfrm>
-        </p:spPr>
-        <p:txBody>
-          <a:bodyPr/>
-          <a:lstStyle/>
-          <a:p>
-            <a:r>
-              <a:rPr lang="en-US" dirty="0"/>
-              <a:t>FAIR Data Principles</a:t>
-            </a:r>
-          </a:p>
-        </p:txBody>
-      </p:sp>
-      <p:sp>
-        <p:nvSpPr>
-          <p:cNvPr id="8" name="Content Placeholder 7">
-            <a:extLst>
-              <a:ext uri="{FF2B5EF4-FFF2-40B4-BE49-F238E27FC236}">
-                <a16:creationId xmlns:a16="http://schemas.microsoft.com/office/drawing/2014/main" id="{78928391-B382-4CEF-AAAA-6902053F38C2}"/>
-              </a:ext>
-            </a:extLst>
-          </p:cNvPr>
-          <p:cNvSpPr>
-            <a:spLocks noGrp="1"/>
-          </p:cNvSpPr>
-          <p:nvPr>
-            <p:ph sz="quarter" idx="4"/>
-          </p:nvPr>
-        </p:nvSpPr>
-        <p:spPr>
-          <a:xfrm>
-            <a:off x="6218914" y="1694608"/>
-            <a:ext cx="5531934" cy="3373229"/>
-          </a:xfrm>
-        </p:spPr>
-        <p:txBody>
-          <a:bodyPr/>
-          <a:lstStyle/>
-          <a:p>
-            <a:r>
-              <a:rPr lang="en-US" dirty="0"/>
-              <a:t>Address data producers and publishers to promote maximum use of research data</a:t>
-            </a:r>
-          </a:p>
-          <a:p>
-            <a:r>
-              <a:rPr lang="en-US" dirty="0"/>
-              <a:t>Findability</a:t>
-            </a:r>
-          </a:p>
-          <a:p>
-            <a:pPr lvl="1">
-              <a:spcBef>
-                <a:spcPts val="200"/>
-              </a:spcBef>
-            </a:pPr>
-            <a:r>
-              <a:rPr lang="en-US" sz="1600" dirty="0"/>
-              <a:t>Data and supplementary materials have sufficiently rich metadata and a unique and persistent identifier.</a:t>
-            </a:r>
-          </a:p>
-          <a:p>
-            <a:pPr>
-              <a:spcBef>
-                <a:spcPts val="800"/>
-              </a:spcBef>
-            </a:pPr>
-            <a:r>
-              <a:rPr lang="en-US" dirty="0"/>
-              <a:t>Accessibility</a:t>
-            </a:r>
-          </a:p>
-          <a:p>
-            <a:pPr lvl="1">
-              <a:spcBef>
-                <a:spcPts val="200"/>
-              </a:spcBef>
-            </a:pPr>
-            <a:r>
-              <a:rPr lang="en-US" sz="1600" dirty="0"/>
-              <a:t>Metadata and data are understandable to humans and machines. Data is deposited in a trusted repository.</a:t>
-            </a:r>
-            <a:endParaRPr lang="en-US" dirty="0"/>
-          </a:p>
-          <a:p>
-            <a:pPr>
-              <a:spcBef>
-                <a:spcPts val="800"/>
-              </a:spcBef>
-            </a:pPr>
-            <a:r>
-              <a:rPr lang="en-US" dirty="0"/>
-              <a:t>Interoperability</a:t>
-            </a:r>
-          </a:p>
-          <a:p>
-            <a:pPr lvl="1">
-              <a:spcBef>
-                <a:spcPts val="200"/>
-              </a:spcBef>
-            </a:pPr>
-            <a:r>
-              <a:rPr lang="en-US" sz="1600" dirty="0"/>
-              <a:t>Metadata use a formal, accessible, shared, and broadly applicable language for knowledge representation.</a:t>
-            </a:r>
-          </a:p>
-          <a:p>
-            <a:pPr>
-              <a:spcBef>
-                <a:spcPts val="800"/>
-              </a:spcBef>
-            </a:pPr>
-            <a:r>
-              <a:rPr lang="en-US" dirty="0"/>
-              <a:t>Reusability</a:t>
-            </a:r>
-          </a:p>
-          <a:p>
-            <a:pPr lvl="1">
-              <a:spcBef>
-                <a:spcPts val="200"/>
-              </a:spcBef>
-            </a:pPr>
-            <a:r>
-              <a:rPr lang="en-US" sz="1600" dirty="0"/>
-              <a:t>Data and collections have a clear usage licenses and provide accurate information on provenance.</a:t>
+            <a:pPr marL="346075" lvl="1" indent="0">
+              <a:buNone/>
+            </a:pPr>
+            <a:r>
+              <a:rPr lang="en-US" sz="2400" dirty="0"/>
+              <a:t>See: Initiatives for Data Management and Publication at the end of these slides</a:t>
             </a:r>
           </a:p>
         </p:txBody>
@@ -4800,7 +5400,7 @@
     </p:spTree>
     <p:extLst>
       <p:ext uri="{BB962C8B-B14F-4D97-AF65-F5344CB8AC3E}">
-        <p14:creationId xmlns:p14="http://schemas.microsoft.com/office/powerpoint/2010/main" val="4209861767"/>
+        <p14:creationId xmlns:p14="http://schemas.microsoft.com/office/powerpoint/2010/main" val="783000739"/>
       </p:ext>
     </p:extLst>
   </p:cSld>
@@ -4811,679 +5411,6 @@
 </file>
 
 <file path=ppt/slides/slide14.xml><?xml version="1.0" encoding="utf-8"?>
-<p:sld xmlns:a="http://schemas.openxmlformats.org/drawingml/2006/main" xmlns:r="http://schemas.openxmlformats.org/officeDocument/2006/relationships" xmlns:p="http://schemas.openxmlformats.org/presentationml/2006/main">
-  <p:cSld>
-    <p:spTree>
-      <p:nvGrpSpPr>
-        <p:cNvPr id="1" name=""/>
-        <p:cNvGrpSpPr/>
-        <p:nvPr/>
-      </p:nvGrpSpPr>
-      <p:grpSpPr>
-        <a:xfrm>
-          <a:off x="0" y="0"/>
-          <a:ext cx="0" cy="0"/>
-          <a:chOff x="0" y="0"/>
-          <a:chExt cx="0" cy="0"/>
-        </a:xfrm>
-      </p:grpSpPr>
-      <p:sp>
-        <p:nvSpPr>
-          <p:cNvPr id="2" name="Title 1"/>
-          <p:cNvSpPr>
-            <a:spLocks noGrp="1"/>
-          </p:cNvSpPr>
-          <p:nvPr>
-            <p:ph type="title"/>
-          </p:nvPr>
-        </p:nvSpPr>
-        <p:spPr/>
-        <p:txBody>
-          <a:bodyPr/>
-          <a:lstStyle/>
-          <a:p>
-            <a:r>
-              <a:rPr lang="en-US" dirty="0"/>
-              <a:t> ACM TOMS Reproducible Computational Results (RCR)</a:t>
-            </a:r>
-          </a:p>
-        </p:txBody>
-      </p:sp>
-      <p:sp>
-        <p:nvSpPr>
-          <p:cNvPr id="3" name="Content Placeholder 2"/>
-          <p:cNvSpPr>
-            <a:spLocks noGrp="1"/>
-          </p:cNvSpPr>
-          <p:nvPr>
-            <p:ph sz="quarter" idx="1"/>
-          </p:nvPr>
-        </p:nvSpPr>
-        <p:spPr>
-          <a:xfrm>
-            <a:off x="365760" y="930168"/>
-            <a:ext cx="11369809" cy="4047778"/>
-          </a:xfrm>
-        </p:spPr>
-        <p:txBody>
-          <a:bodyPr/>
-          <a:lstStyle/>
-          <a:p>
-            <a:pPr>
-              <a:spcBef>
-                <a:spcPts val="800"/>
-              </a:spcBef>
-            </a:pPr>
-            <a:r>
-              <a:rPr lang="en-US" dirty="0"/>
-              <a:t>Submission: Optional RCR option</a:t>
-            </a:r>
-          </a:p>
-          <a:p>
-            <a:pPr>
-              <a:spcBef>
-                <a:spcPts val="800"/>
-              </a:spcBef>
-            </a:pPr>
-            <a:r>
-              <a:rPr lang="en-US" dirty="0"/>
-              <a:t>Standard reviewer assignment: Nothing changes</a:t>
-            </a:r>
-          </a:p>
-          <a:p>
-            <a:pPr>
-              <a:spcBef>
-                <a:spcPts val="800"/>
-              </a:spcBef>
-            </a:pPr>
-            <a:r>
-              <a:rPr lang="en-US" dirty="0"/>
-              <a:t>RCR reviewer assignment:</a:t>
-            </a:r>
-          </a:p>
-          <a:p>
-            <a:pPr lvl="1">
-              <a:spcBef>
-                <a:spcPts val="200"/>
-              </a:spcBef>
-            </a:pPr>
-            <a:r>
-              <a:rPr lang="en-US" dirty="0"/>
-              <a:t>Concurrent with standard reviews</a:t>
-            </a:r>
-          </a:p>
-          <a:p>
-            <a:pPr lvl="1">
-              <a:spcBef>
-                <a:spcPts val="200"/>
-              </a:spcBef>
-            </a:pPr>
-            <a:r>
-              <a:rPr lang="en-US" dirty="0"/>
-              <a:t>As early as possible in review process</a:t>
-            </a:r>
-          </a:p>
-          <a:p>
-            <a:pPr lvl="1">
-              <a:spcBef>
-                <a:spcPts val="200"/>
-              </a:spcBef>
-            </a:pPr>
-            <a:r>
-              <a:rPr lang="en-US" dirty="0"/>
-              <a:t>Known to and works with authors during the RCR process</a:t>
-            </a:r>
-          </a:p>
-          <a:p>
-            <a:pPr>
-              <a:spcBef>
-                <a:spcPts val="800"/>
-              </a:spcBef>
-            </a:pPr>
-            <a:r>
-              <a:rPr lang="en-US" dirty="0"/>
-              <a:t>RCR process: </a:t>
-            </a:r>
-          </a:p>
-          <a:p>
-            <a:pPr lvl="1">
-              <a:spcBef>
-                <a:spcPts val="200"/>
-              </a:spcBef>
-            </a:pPr>
-            <a:r>
-              <a:rPr lang="en-US" dirty="0"/>
-              <a:t>Multi-faceted approach, Bottom line: Trust the reviewer</a:t>
-            </a:r>
-          </a:p>
-          <a:p>
-            <a:pPr>
-              <a:spcBef>
-                <a:spcPts val="800"/>
-              </a:spcBef>
-            </a:pPr>
-            <a:r>
-              <a:rPr lang="en-US" dirty="0"/>
-              <a:t>Publication: </a:t>
-            </a:r>
-          </a:p>
-          <a:p>
-            <a:pPr lvl="1">
-              <a:spcBef>
-                <a:spcPts val="200"/>
-              </a:spcBef>
-            </a:pPr>
-            <a:r>
-              <a:rPr lang="en-US" dirty="0"/>
-              <a:t>Reproducible Computational Results Designation</a:t>
-            </a:r>
-          </a:p>
-          <a:p>
-            <a:pPr lvl="1">
-              <a:spcBef>
-                <a:spcPts val="200"/>
-              </a:spcBef>
-            </a:pPr>
-            <a:r>
-              <a:rPr lang="en-US" dirty="0"/>
-              <a:t>The RCR referee acknowledged</a:t>
-            </a:r>
-          </a:p>
-          <a:p>
-            <a:pPr lvl="1">
-              <a:spcBef>
-                <a:spcPts val="200"/>
-              </a:spcBef>
-            </a:pPr>
-            <a:r>
-              <a:rPr lang="en-US" dirty="0"/>
-              <a:t>Review report appears with published manuscript</a:t>
-            </a:r>
-          </a:p>
-          <a:p>
-            <a:pPr>
-              <a:spcBef>
-                <a:spcPts val="800"/>
-              </a:spcBef>
-            </a:pPr>
-            <a:r>
-              <a:rPr lang="en-US" dirty="0"/>
-              <a:t>Incentives:</a:t>
-            </a:r>
-          </a:p>
-          <a:p>
-            <a:pPr lvl="1">
-              <a:spcBef>
-                <a:spcPts val="200"/>
-              </a:spcBef>
-            </a:pPr>
-            <a:r>
-              <a:rPr lang="en-US" dirty="0"/>
-              <a:t>Journal: raises the credibility/quality/rigor of papers it publishes</a:t>
-            </a:r>
-          </a:p>
-          <a:p>
-            <a:pPr lvl="1">
-              <a:spcBef>
-                <a:spcPts val="200"/>
-              </a:spcBef>
-            </a:pPr>
-            <a:r>
-              <a:rPr lang="en-US" dirty="0"/>
-              <a:t>Authors: badging indicates additional credibility/quality/rigor of paper</a:t>
-            </a:r>
-          </a:p>
-          <a:p>
-            <a:pPr lvl="1">
-              <a:spcBef>
-                <a:spcPts val="200"/>
-              </a:spcBef>
-            </a:pPr>
-            <a:r>
-              <a:rPr lang="en-US" dirty="0"/>
-              <a:t>Reviewer: companion publication</a:t>
-            </a:r>
-          </a:p>
-        </p:txBody>
-      </p:sp>
-      <p:pic>
-        <p:nvPicPr>
-          <p:cNvPr id="4" name="Picture 3" descr="TOMS_RCR_Badge.png"/>
-          <p:cNvPicPr>
-            <a:picLocks noChangeAspect="1"/>
-          </p:cNvPicPr>
-          <p:nvPr/>
-        </p:nvPicPr>
-        <p:blipFill>
-          <a:blip r:embed="rId2" cstate="print">
-            <a:extLst>
-              <a:ext uri="{28A0092B-C50C-407E-A947-70E740481C1C}">
-                <a14:useLocalDpi xmlns:a14="http://schemas.microsoft.com/office/drawing/2010/main" val="0"/>
-              </a:ext>
-            </a:extLst>
-          </a:blip>
-          <a:stretch>
-            <a:fillRect/>
-          </a:stretch>
-        </p:blipFill>
-        <p:spPr>
-          <a:xfrm>
-            <a:off x="8884039" y="1182644"/>
-            <a:ext cx="1735947" cy="1753752"/>
-          </a:xfrm>
-          <a:prstGeom prst="rect">
-            <a:avLst/>
-          </a:prstGeom>
-        </p:spPr>
-      </p:pic>
-    </p:spTree>
-    <p:extLst>
-      <p:ext uri="{BB962C8B-B14F-4D97-AF65-F5344CB8AC3E}">
-        <p14:creationId xmlns:p14="http://schemas.microsoft.com/office/powerpoint/2010/main" val="3782968307"/>
-      </p:ext>
-    </p:extLst>
-  </p:cSld>
-  <p:clrMapOvr>
-    <a:masterClrMapping/>
-  </p:clrMapOvr>
-</p:sld>
-</file>
-
-<file path=ppt/slides/slide15.xml><?xml version="1.0" encoding="utf-8"?>
-<p:sld xmlns:a="http://schemas.openxmlformats.org/drawingml/2006/main" xmlns:r="http://schemas.openxmlformats.org/officeDocument/2006/relationships" xmlns:p="http://schemas.openxmlformats.org/presentationml/2006/main">
-  <p:cSld>
-    <p:spTree>
-      <p:nvGrpSpPr>
-        <p:cNvPr id="1" name=""/>
-        <p:cNvGrpSpPr/>
-        <p:nvPr/>
-      </p:nvGrpSpPr>
-      <p:grpSpPr>
-        <a:xfrm>
-          <a:off x="0" y="0"/>
-          <a:ext cx="0" cy="0"/>
-          <a:chOff x="0" y="0"/>
-          <a:chExt cx="0" cy="0"/>
-        </a:xfrm>
-      </p:grpSpPr>
-      <p:sp>
-        <p:nvSpPr>
-          <p:cNvPr id="4" name="Title 3"/>
-          <p:cNvSpPr>
-            <a:spLocks noGrp="1"/>
-          </p:cNvSpPr>
-          <p:nvPr>
-            <p:ph type="title"/>
-          </p:nvPr>
-        </p:nvSpPr>
-        <p:spPr/>
-        <p:txBody>
-          <a:bodyPr/>
-          <a:lstStyle/>
-          <a:p>
-            <a:r>
-              <a:rPr lang="en-US" dirty="0"/>
-              <a:t>SC20 Transparency and  Reproducibility Initiative</a:t>
-            </a:r>
-          </a:p>
-        </p:txBody>
-      </p:sp>
-      <p:sp>
-        <p:nvSpPr>
-          <p:cNvPr id="5" name="Content Placeholder 4"/>
-          <p:cNvSpPr>
-            <a:spLocks noGrp="1"/>
-          </p:cNvSpPr>
-          <p:nvPr>
-            <p:ph sz="quarter" idx="1"/>
-          </p:nvPr>
-        </p:nvSpPr>
-        <p:spPr>
-          <a:xfrm>
-            <a:off x="365760" y="1141612"/>
-            <a:ext cx="11369809" cy="4047778"/>
-          </a:xfrm>
-        </p:spPr>
-        <p:txBody>
-          <a:bodyPr/>
-          <a:lstStyle/>
-          <a:p>
-            <a:r>
-              <a:rPr lang="en-US" sz="2800" dirty="0"/>
-              <a:t>Two appendices: </a:t>
-            </a:r>
-          </a:p>
-          <a:p>
-            <a:pPr lvl="1"/>
-            <a:r>
-              <a:rPr lang="en-US" sz="2400" dirty="0"/>
-              <a:t>Artifact description (AD).</a:t>
-            </a:r>
-          </a:p>
-          <a:p>
-            <a:pPr lvl="2"/>
-            <a:r>
-              <a:rPr lang="en-US" sz="2000" dirty="0"/>
-              <a:t>Blue print for setting up your computational experiment.</a:t>
-            </a:r>
-          </a:p>
-          <a:p>
-            <a:pPr lvl="2"/>
-            <a:r>
-              <a:rPr lang="en-US" sz="2000" dirty="0"/>
-              <a:t>Makes it easier to rerun computations in future.</a:t>
-            </a:r>
-          </a:p>
-          <a:p>
-            <a:pPr lvl="2"/>
-            <a:r>
-              <a:rPr lang="en-US" sz="2000" dirty="0"/>
-              <a:t>AD appendix is </a:t>
-            </a:r>
-            <a:r>
-              <a:rPr lang="en-US" sz="2000" b="1" dirty="0"/>
-              <a:t>mandatory</a:t>
-            </a:r>
-            <a:r>
-              <a:rPr lang="en-US" sz="2000" dirty="0"/>
-              <a:t> for paper submissions (since SC19).</a:t>
-            </a:r>
-          </a:p>
-          <a:p>
-            <a:pPr lvl="2"/>
-            <a:r>
-              <a:rPr lang="en-US" sz="2000" dirty="0"/>
-              <a:t>Largely auto-generated from submission information.</a:t>
-            </a:r>
-          </a:p>
-          <a:p>
-            <a:pPr lvl="1"/>
-            <a:r>
-              <a:rPr lang="en-US" sz="2400" dirty="0"/>
-              <a:t>Artifact Evaluation (AE).</a:t>
-            </a:r>
-          </a:p>
-          <a:p>
-            <a:pPr lvl="2"/>
-            <a:r>
-              <a:rPr lang="en-US" sz="2000" dirty="0"/>
-              <a:t>Targets “boutique” environments.</a:t>
-            </a:r>
-          </a:p>
-          <a:p>
-            <a:pPr lvl="2"/>
-            <a:r>
-              <a:rPr lang="en-US" sz="2000" dirty="0"/>
-              <a:t>Improves trustworthiness when re-running hard, impossible.</a:t>
-            </a:r>
-          </a:p>
-          <a:p>
-            <a:pPr lvl="2"/>
-            <a:r>
-              <a:rPr lang="en-US" sz="2000" b="1" dirty="0"/>
-              <a:t>Remains optional</a:t>
-            </a:r>
-          </a:p>
-          <a:p>
-            <a:r>
-              <a:rPr lang="en-US" sz="2800" dirty="0"/>
-              <a:t>Details:</a:t>
-            </a:r>
-          </a:p>
-          <a:p>
-            <a:pPr lvl="1"/>
-            <a:r>
-              <a:rPr lang="en-US" sz="2400" dirty="0">
-                <a:hlinkClick r:id="rId2"/>
-              </a:rPr>
-              <a:t>https://sc20.supercomputing.org/submit/transparency-reproducibility-initiative/</a:t>
-            </a:r>
-            <a:endParaRPr lang="en-US" sz="2400" dirty="0">
-              <a:hlinkClick r:id="rId3"/>
-            </a:endParaRPr>
-          </a:p>
-        </p:txBody>
-      </p:sp>
-    </p:spTree>
-    <p:extLst>
-      <p:ext uri="{BB962C8B-B14F-4D97-AF65-F5344CB8AC3E}">
-        <p14:creationId xmlns:p14="http://schemas.microsoft.com/office/powerpoint/2010/main" val="4267945157"/>
-      </p:ext>
-    </p:extLst>
-  </p:cSld>
-  <p:clrMapOvr>
-    <a:masterClrMapping/>
-  </p:clrMapOvr>
-</p:sld>
-</file>
-
-<file path=ppt/slides/slide16.xml><?xml version="1.0" encoding="utf-8"?>
-<p:sld xmlns:a="http://schemas.openxmlformats.org/drawingml/2006/main" xmlns:r="http://schemas.openxmlformats.org/officeDocument/2006/relationships" xmlns:p="http://schemas.openxmlformats.org/presentationml/2006/main">
-  <p:cSld>
-    <p:spTree>
-      <p:nvGrpSpPr>
-        <p:cNvPr id="1" name=""/>
-        <p:cNvGrpSpPr/>
-        <p:nvPr/>
-      </p:nvGrpSpPr>
-      <p:grpSpPr>
-        <a:xfrm>
-          <a:off x="0" y="0"/>
-          <a:ext cx="0" cy="0"/>
-          <a:chOff x="0" y="0"/>
-          <a:chExt cx="0" cy="0"/>
-        </a:xfrm>
-      </p:grpSpPr>
-      <p:sp>
-        <p:nvSpPr>
-          <p:cNvPr id="2" name="Title 1"/>
-          <p:cNvSpPr>
-            <a:spLocks noGrp="1"/>
-          </p:cNvSpPr>
-          <p:nvPr>
-            <p:ph type="title"/>
-          </p:nvPr>
-        </p:nvSpPr>
-        <p:spPr>
-          <a:xfrm>
-            <a:off x="368135" y="192378"/>
-            <a:ext cx="11269682" cy="532017"/>
-          </a:xfrm>
-        </p:spPr>
-        <p:txBody>
-          <a:bodyPr>
-            <a:normAutofit/>
-          </a:bodyPr>
-          <a:lstStyle/>
-          <a:p>
-            <a:r>
-              <a:rPr lang="en-US" sz="2800" dirty="0"/>
-              <a:t>Increasing Attention on Reproducibility</a:t>
-            </a:r>
-          </a:p>
-        </p:txBody>
-      </p:sp>
-      <p:sp>
-        <p:nvSpPr>
-          <p:cNvPr id="4" name="Content Placeholder 3"/>
-          <p:cNvSpPr>
-            <a:spLocks noGrp="1"/>
-          </p:cNvSpPr>
-          <p:nvPr>
-            <p:ph sz="quarter" idx="1"/>
-          </p:nvPr>
-        </p:nvSpPr>
-        <p:spPr>
-          <a:xfrm>
-            <a:off x="245815" y="868048"/>
-            <a:ext cx="11697194" cy="5449160"/>
-          </a:xfrm>
-        </p:spPr>
-        <p:txBody>
-          <a:bodyPr>
-            <a:normAutofit lnSpcReduction="10000"/>
-          </a:bodyPr>
-          <a:lstStyle/>
-          <a:p>
-            <a:r>
-              <a:rPr lang="en-US" dirty="0"/>
-              <a:t>More publication venues are adding reproducibility </a:t>
-            </a:r>
-            <a:r>
-              <a:rPr lang="en-US" b="1" dirty="0"/>
-              <a:t>recognition</a:t>
-            </a:r>
-            <a:r>
-              <a:rPr lang="en-US" dirty="0"/>
-              <a:t> or </a:t>
-            </a:r>
-            <a:r>
-              <a:rPr lang="en-US" b="1" dirty="0"/>
-              <a:t>requirements</a:t>
-            </a:r>
-            <a:endParaRPr lang="en-US" sz="2400" dirty="0"/>
-          </a:p>
-          <a:p>
-            <a:r>
-              <a:rPr lang="en-US" sz="2400" dirty="0"/>
-              <a:t>ACM </a:t>
-            </a:r>
-            <a:r>
-              <a:rPr lang="en-US" sz="2400" strike="sngStrike" dirty="0"/>
-              <a:t>Replicated</a:t>
-            </a:r>
-            <a:r>
-              <a:rPr lang="en-US" sz="2400" dirty="0"/>
-              <a:t> Reproducible Computational Results (RCR)</a:t>
-            </a:r>
-          </a:p>
-          <a:p>
-            <a:pPr lvl="1"/>
-            <a:r>
-              <a:rPr lang="en-US" sz="2000" dirty="0"/>
-              <a:t>ACM TOMS, TOMACS</a:t>
-            </a:r>
-          </a:p>
-          <a:p>
-            <a:pPr lvl="1"/>
-            <a:r>
-              <a:rPr lang="en-US" sz="2000" dirty="0">
-                <a:hlinkClick r:id="rId2"/>
-              </a:rPr>
-              <a:t>http://toms.acm.org/replicated-computational-results.cfm</a:t>
-            </a:r>
-            <a:r>
-              <a:rPr lang="en-US" sz="2000" dirty="0"/>
-              <a:t> </a:t>
-            </a:r>
-          </a:p>
-          <a:p>
-            <a:r>
-              <a:rPr lang="en-US" sz="2400" dirty="0"/>
-              <a:t>ACM Badging</a:t>
-            </a:r>
-          </a:p>
-          <a:p>
-            <a:pPr lvl="1"/>
-            <a:r>
-              <a:rPr lang="en-US" dirty="0"/>
-              <a:t>Functional, reusable, available, replicated, reproduced</a:t>
-            </a:r>
-          </a:p>
-          <a:p>
-            <a:pPr lvl="1"/>
-            <a:r>
-              <a:rPr lang="en-US" sz="2000" dirty="0">
-                <a:hlinkClick r:id="rId3"/>
-              </a:rPr>
-              <a:t>https://www.acm.org/publications/policies/artifact-review-badging</a:t>
-            </a:r>
-            <a:r>
-              <a:rPr lang="en-US" sz="2000" dirty="0"/>
-              <a:t> </a:t>
-            </a:r>
-          </a:p>
-          <a:p>
-            <a:r>
-              <a:rPr lang="en-US" sz="2400" dirty="0"/>
-              <a:t>These conferences have artifact evaluation appendices:</a:t>
-            </a:r>
-          </a:p>
-          <a:p>
-            <a:pPr lvl="1"/>
-            <a:r>
-              <a:rPr lang="en-US" sz="2000" dirty="0"/>
-              <a:t>CGO, </a:t>
-            </a:r>
-            <a:r>
-              <a:rPr lang="en-US" sz="2000" dirty="0" err="1"/>
-              <a:t>PPoPP</a:t>
-            </a:r>
-            <a:r>
-              <a:rPr lang="en-US" sz="2000" dirty="0"/>
-              <a:t>, PACT, RTSS and SC</a:t>
-            </a:r>
-          </a:p>
-          <a:p>
-            <a:pPr lvl="1"/>
-            <a:r>
-              <a:rPr lang="en-US" sz="2000" dirty="0">
-                <a:hlinkClick r:id="rId4"/>
-              </a:rPr>
-              <a:t>http://fursin.net/reproducibility.html</a:t>
-            </a:r>
-            <a:endParaRPr lang="en-US" sz="2000" dirty="0"/>
-          </a:p>
-          <a:p>
-            <a:r>
-              <a:rPr lang="en-US" sz="2400" dirty="0"/>
-              <a:t>NISO Committee on Reproducibility and Badging</a:t>
-            </a:r>
-          </a:p>
-          <a:p>
-            <a:pPr lvl="1"/>
-            <a:r>
-              <a:rPr lang="en-US" sz="2000" dirty="0">
-                <a:hlinkClick r:id="rId5"/>
-              </a:rPr>
-              <a:t>https://www.niso.org/niso-io/2019/01/new-niso-project-badging-scheme-reproducibility-computational-and-computing</a:t>
-            </a:r>
-            <a:r>
-              <a:rPr lang="en-US" sz="2000" dirty="0"/>
-              <a:t> </a:t>
-            </a:r>
-          </a:p>
-          <a:p>
-            <a:pPr lvl="1"/>
-            <a:r>
-              <a:rPr lang="en-US" sz="2000" dirty="0"/>
-              <a:t>Publishers: ACM, IEEE, </a:t>
-            </a:r>
-            <a:r>
-              <a:rPr lang="en-US" sz="2000" dirty="0" err="1"/>
-              <a:t>figshare</a:t>
-            </a:r>
-            <a:r>
-              <a:rPr lang="en-US" sz="2000" dirty="0"/>
-              <a:t>, STM, Reed Elsevier, Springer Nature</a:t>
-            </a:r>
-          </a:p>
-        </p:txBody>
-      </p:sp>
-    </p:spTree>
-    <p:extLst>
-      <p:ext uri="{BB962C8B-B14F-4D97-AF65-F5344CB8AC3E}">
-        <p14:creationId xmlns:p14="http://schemas.microsoft.com/office/powerpoint/2010/main" val="693043214"/>
-      </p:ext>
-    </p:extLst>
-  </p:cSld>
-  <p:clrMapOvr>
-    <a:masterClrMapping/>
-  </p:clrMapOvr>
-</p:sld>
-</file>
-
-<file path=ppt/slides/slide17.xml><?xml version="1.0" encoding="utf-8"?>
 <p:sld xmlns:a="http://schemas.openxmlformats.org/drawingml/2006/main" xmlns:r="http://schemas.openxmlformats.org/officeDocument/2006/relationships" xmlns:p="http://schemas.openxmlformats.org/presentationml/2006/main">
   <p:cSld>
     <p:spTree>
@@ -6026,7 +5953,7 @@
 </p:sld>
 </file>
 
-<file path=ppt/slides/slide18.xml><?xml version="1.0" encoding="utf-8"?>
+<file path=ppt/slides/slide15.xml><?xml version="1.0" encoding="utf-8"?>
 <p:sld xmlns:a="http://schemas.openxmlformats.org/drawingml/2006/main" xmlns:r="http://schemas.openxmlformats.org/officeDocument/2006/relationships" xmlns:p="http://schemas.openxmlformats.org/presentationml/2006/main">
   <p:cSld>
     <p:spTree>
@@ -6075,6 +6002,686 @@
     <p:extLst>
       <p:ext uri="{BB962C8B-B14F-4D97-AF65-F5344CB8AC3E}">
         <p14:creationId xmlns:p14="http://schemas.microsoft.com/office/powerpoint/2010/main" val="1180185825"/>
+      </p:ext>
+    </p:extLst>
+  </p:cSld>
+  <p:clrMapOvr>
+    <a:masterClrMapping/>
+  </p:clrMapOvr>
+</p:sld>
+</file>
+
+<file path=ppt/slides/slide16.xml><?xml version="1.0" encoding="utf-8"?>
+<p:sld xmlns:a="http://schemas.openxmlformats.org/drawingml/2006/main" xmlns:r="http://schemas.openxmlformats.org/officeDocument/2006/relationships" xmlns:p="http://schemas.openxmlformats.org/presentationml/2006/main">
+  <p:cSld>
+    <p:spTree>
+      <p:nvGrpSpPr>
+        <p:cNvPr id="1" name=""/>
+        <p:cNvGrpSpPr/>
+        <p:nvPr/>
+      </p:nvGrpSpPr>
+      <p:grpSpPr>
+        <a:xfrm>
+          <a:off x="0" y="0"/>
+          <a:ext cx="0" cy="0"/>
+          <a:chOff x="0" y="0"/>
+          <a:chExt cx="0" cy="0"/>
+        </a:xfrm>
+      </p:grpSpPr>
+      <p:sp>
+        <p:nvSpPr>
+          <p:cNvPr id="2" name="Title 1">
+            <a:extLst>
+              <a:ext uri="{FF2B5EF4-FFF2-40B4-BE49-F238E27FC236}">
+                <a16:creationId xmlns:a16="http://schemas.microsoft.com/office/drawing/2014/main" id="{AF0E5AE6-BAC5-4D3D-B274-228B336C1693}"/>
+              </a:ext>
+            </a:extLst>
+          </p:cNvPr>
+          <p:cNvSpPr>
+            <a:spLocks noGrp="1"/>
+          </p:cNvSpPr>
+          <p:nvPr>
+            <p:ph type="title"/>
+          </p:nvPr>
+        </p:nvSpPr>
+        <p:spPr>
+          <a:xfrm>
+            <a:off x="365760" y="411480"/>
+            <a:ext cx="11438994" cy="914400"/>
+          </a:xfrm>
+        </p:spPr>
+        <p:txBody>
+          <a:bodyPr/>
+          <a:lstStyle/>
+          <a:p>
+            <a:r>
+              <a:rPr lang="en-US" dirty="0"/>
+              <a:t>Strategies for Improving Reproducibility </a:t>
+            </a:r>
+            <a:r>
+              <a:rPr lang="en-US" i="1" u="sng" dirty="0"/>
+              <a:t>During</a:t>
+            </a:r>
+            <a:r>
+              <a:rPr lang="en-US" u="sng" dirty="0"/>
+              <a:t> Development</a:t>
+            </a:r>
+            <a:r>
+              <a:rPr lang="en-US" dirty="0"/>
+              <a:t> (1/3)</a:t>
+            </a:r>
+          </a:p>
+        </p:txBody>
+      </p:sp>
+      <p:sp>
+        <p:nvSpPr>
+          <p:cNvPr id="3" name="Content Placeholder 2">
+            <a:extLst>
+              <a:ext uri="{FF2B5EF4-FFF2-40B4-BE49-F238E27FC236}">
+                <a16:creationId xmlns:a16="http://schemas.microsoft.com/office/drawing/2014/main" id="{7E3F8F1F-5081-4F6E-81DA-DC14088609D1}"/>
+              </a:ext>
+            </a:extLst>
+          </p:cNvPr>
+          <p:cNvSpPr>
+            <a:spLocks noGrp="1"/>
+          </p:cNvSpPr>
+          <p:nvPr>
+            <p:ph idx="1"/>
+          </p:nvPr>
+        </p:nvSpPr>
+        <p:spPr>
+          <a:xfrm>
+            <a:off x="365760" y="1445055"/>
+            <a:ext cx="11369809" cy="4047778"/>
+          </a:xfrm>
+        </p:spPr>
+        <p:txBody>
+          <a:bodyPr/>
+          <a:lstStyle/>
+          <a:p>
+            <a:r>
+              <a:rPr lang="en-US" b="1" dirty="0">
+                <a:solidFill>
+                  <a:schemeClr val="tx2"/>
+                </a:solidFill>
+              </a:rPr>
+              <a:t>Solid versioning practices are fundamental to reproducibility</a:t>
+            </a:r>
+          </a:p>
+          <a:p>
+            <a:r>
+              <a:rPr lang="en-US" dirty="0"/>
+              <a:t>Version control of code, documentation, and other artifacts</a:t>
+            </a:r>
+          </a:p>
+          <a:p>
+            <a:pPr lvl="1"/>
+            <a:r>
+              <a:rPr lang="en-US" dirty="0"/>
+              <a:t>Frequent commits (perhaps to a separate development branch) </a:t>
+            </a:r>
+          </a:p>
+          <a:p>
+            <a:r>
+              <a:rPr lang="en-US" dirty="0"/>
+              <a:t>Provide versioning information in key output(s)</a:t>
+            </a:r>
+          </a:p>
+          <a:p>
+            <a:pPr lvl="1"/>
+            <a:r>
+              <a:rPr lang="en-US" dirty="0"/>
+              <a:t>Version numbers (i.e., semantic versioning) are useful, but when do you increment them?</a:t>
+            </a:r>
+          </a:p>
+          <a:p>
+            <a:pPr lvl="1"/>
+            <a:r>
+              <a:rPr lang="en-US" dirty="0"/>
+              <a:t>Automatic identifiers (i.e., git commit hash) are less ambiguous, but may not be as meaningful</a:t>
+            </a:r>
+          </a:p>
+          <a:p>
+            <a:pPr lvl="1"/>
+            <a:r>
+              <a:rPr lang="en-US" dirty="0"/>
+              <a:t>Is the code you’re building modified from the version in the repository? </a:t>
+            </a:r>
+            <a:r>
+              <a:rPr lang="en-US" i="1" dirty="0"/>
+              <a:t>(Not often done in practice)</a:t>
+            </a:r>
+          </a:p>
+          <a:p>
+            <a:r>
+              <a:rPr lang="en-US" dirty="0"/>
+              <a:t>Maintaining documentation (and other artifacts) in sync with code</a:t>
+            </a:r>
+          </a:p>
+          <a:p>
+            <a:pPr lvl="1"/>
+            <a:r>
+              <a:rPr lang="en-US" dirty="0"/>
+              <a:t>You’ll forget</a:t>
+            </a:r>
+          </a:p>
+          <a:p>
+            <a:pPr lvl="1"/>
+            <a:r>
+              <a:rPr lang="en-US" dirty="0"/>
+              <a:t>Or you won’t have (make) time to go back to it</a:t>
+            </a:r>
+          </a:p>
+        </p:txBody>
+      </p:sp>
+    </p:spTree>
+    <p:extLst>
+      <p:ext uri="{BB962C8B-B14F-4D97-AF65-F5344CB8AC3E}">
+        <p14:creationId xmlns:p14="http://schemas.microsoft.com/office/powerpoint/2010/main" val="993821894"/>
+      </p:ext>
+    </p:extLst>
+  </p:cSld>
+  <p:clrMapOvr>
+    <a:masterClrMapping/>
+  </p:clrMapOvr>
+</p:sld>
+</file>
+
+<file path=ppt/slides/slide17.xml><?xml version="1.0" encoding="utf-8"?>
+<p:sld xmlns:a="http://schemas.openxmlformats.org/drawingml/2006/main" xmlns:r="http://schemas.openxmlformats.org/officeDocument/2006/relationships" xmlns:p="http://schemas.openxmlformats.org/presentationml/2006/main">
+  <p:cSld>
+    <p:spTree>
+      <p:nvGrpSpPr>
+        <p:cNvPr id="1" name=""/>
+        <p:cNvGrpSpPr/>
+        <p:nvPr/>
+      </p:nvGrpSpPr>
+      <p:grpSpPr>
+        <a:xfrm>
+          <a:off x="0" y="0"/>
+          <a:ext cx="0" cy="0"/>
+          <a:chOff x="0" y="0"/>
+          <a:chExt cx="0" cy="0"/>
+        </a:xfrm>
+      </p:grpSpPr>
+      <p:sp>
+        <p:nvSpPr>
+          <p:cNvPr id="2" name="Title 1">
+            <a:extLst>
+              <a:ext uri="{FF2B5EF4-FFF2-40B4-BE49-F238E27FC236}">
+                <a16:creationId xmlns:a16="http://schemas.microsoft.com/office/drawing/2014/main" id="{AF0E5AE6-BAC5-4D3D-B274-228B336C1693}"/>
+              </a:ext>
+            </a:extLst>
+          </p:cNvPr>
+          <p:cNvSpPr>
+            <a:spLocks noGrp="1"/>
+          </p:cNvSpPr>
+          <p:nvPr>
+            <p:ph type="title"/>
+          </p:nvPr>
+        </p:nvSpPr>
+        <p:spPr>
+          <a:xfrm>
+            <a:off x="365760" y="411480"/>
+            <a:ext cx="11457305" cy="914400"/>
+          </a:xfrm>
+        </p:spPr>
+        <p:txBody>
+          <a:bodyPr/>
+          <a:lstStyle/>
+          <a:p>
+            <a:r>
+              <a:rPr lang="en-US" dirty="0"/>
+              <a:t>Strategies for Improving Reproducibility </a:t>
+            </a:r>
+            <a:r>
+              <a:rPr lang="en-US" i="1" u="sng" dirty="0"/>
+              <a:t>During</a:t>
+            </a:r>
+            <a:r>
+              <a:rPr lang="en-US" u="sng" dirty="0"/>
+              <a:t> Development</a:t>
+            </a:r>
+            <a:r>
+              <a:rPr lang="en-US" dirty="0"/>
+              <a:t> (2/3)</a:t>
+            </a:r>
+          </a:p>
+        </p:txBody>
+      </p:sp>
+      <p:sp>
+        <p:nvSpPr>
+          <p:cNvPr id="3" name="Content Placeholder 2">
+            <a:extLst>
+              <a:ext uri="{FF2B5EF4-FFF2-40B4-BE49-F238E27FC236}">
+                <a16:creationId xmlns:a16="http://schemas.microsoft.com/office/drawing/2014/main" id="{7E3F8F1F-5081-4F6E-81DA-DC14088609D1}"/>
+              </a:ext>
+            </a:extLst>
+          </p:cNvPr>
+          <p:cNvSpPr>
+            <a:spLocks noGrp="1"/>
+          </p:cNvSpPr>
+          <p:nvPr>
+            <p:ph idx="1"/>
+          </p:nvPr>
+        </p:nvSpPr>
+        <p:spPr>
+          <a:xfrm>
+            <a:off x="365760" y="995355"/>
+            <a:ext cx="11369809" cy="4047778"/>
+          </a:xfrm>
+        </p:spPr>
+        <p:txBody>
+          <a:bodyPr/>
+          <a:lstStyle/>
+          <a:p>
+            <a:r>
+              <a:rPr lang="en-US" b="1" dirty="0">
+                <a:solidFill>
+                  <a:schemeClr val="tx2"/>
+                </a:solidFill>
+              </a:rPr>
+              <a:t>Build in quality from the start</a:t>
+            </a:r>
+          </a:p>
+          <a:p>
+            <a:r>
+              <a:rPr lang="en-US" dirty="0"/>
+              <a:t>Define and follow coding standards</a:t>
+            </a:r>
+          </a:p>
+          <a:p>
+            <a:pPr lvl="1">
+              <a:spcBef>
+                <a:spcPts val="200"/>
+              </a:spcBef>
+            </a:pPr>
+            <a:r>
+              <a:rPr lang="en-US" dirty="0"/>
+              <a:t>Not just code style</a:t>
+            </a:r>
+          </a:p>
+          <a:p>
+            <a:pPr lvl="1">
+              <a:spcBef>
+                <a:spcPts val="200"/>
+              </a:spcBef>
+            </a:pPr>
+            <a:r>
+              <a:rPr lang="en-US" dirty="0"/>
+              <a:t>Expectations for kinds and extent of documentation, types and rigor of tests</a:t>
+            </a:r>
+          </a:p>
+          <a:p>
+            <a:r>
+              <a:rPr lang="en-US" dirty="0"/>
+              <a:t>Develop tests as you code</a:t>
+            </a:r>
+          </a:p>
+          <a:p>
+            <a:pPr lvl="1">
+              <a:spcBef>
+                <a:spcPts val="200"/>
+              </a:spcBef>
+            </a:pPr>
+            <a:r>
+              <a:rPr lang="en-US" dirty="0"/>
+              <a:t>Write tests while the code is fresh in your mind</a:t>
+            </a:r>
+          </a:p>
+          <a:p>
+            <a:pPr lvl="1">
+              <a:spcBef>
+                <a:spcPts val="200"/>
+              </a:spcBef>
+            </a:pPr>
+            <a:r>
+              <a:rPr lang="en-US" dirty="0"/>
+              <a:t>Test Driven Development (TDD) means write tests before code, then code to pass the tests</a:t>
+            </a:r>
+          </a:p>
+          <a:p>
+            <a:r>
+              <a:rPr lang="en-US" dirty="0"/>
+              <a:t>Require increasingly rigorous testing as the code becomes more “public”</a:t>
+            </a:r>
+          </a:p>
+          <a:p>
+            <a:pPr lvl="1">
+              <a:spcBef>
+                <a:spcPts val="200"/>
+              </a:spcBef>
+            </a:pPr>
+            <a:r>
+              <a:rPr lang="en-US" dirty="0"/>
+              <a:t>Testing has costs, need to balance level of risk against cost of creating and executing tests</a:t>
+            </a:r>
+          </a:p>
+          <a:p>
+            <a:pPr lvl="1">
+              <a:spcBef>
+                <a:spcPts val="200"/>
+              </a:spcBef>
+            </a:pPr>
+            <a:r>
+              <a:rPr lang="en-US" dirty="0"/>
+              <a:t>Also think about frequency of tests at different levels of cost (c.f. continuous integration)</a:t>
+            </a:r>
+          </a:p>
+          <a:p>
+            <a:r>
+              <a:rPr lang="en-US" dirty="0"/>
+              <a:t>Practice peer code review</a:t>
+            </a:r>
+          </a:p>
+          <a:p>
+            <a:pPr lvl="1">
+              <a:spcBef>
+                <a:spcPts val="200"/>
+              </a:spcBef>
+            </a:pPr>
+            <a:r>
+              <a:rPr lang="en-US" dirty="0"/>
+              <a:t>Per commit – should meet standards, </a:t>
+            </a:r>
+            <a:r>
+              <a:rPr lang="en-US" i="1" dirty="0"/>
+              <a:t>and</a:t>
+            </a:r>
+            <a:r>
+              <a:rPr lang="en-US" dirty="0"/>
+              <a:t> be understood and judged correct by reviewer</a:t>
+            </a:r>
+          </a:p>
+          <a:p>
+            <a:pPr lvl="1">
+              <a:spcBef>
+                <a:spcPts val="200"/>
+              </a:spcBef>
+            </a:pPr>
+            <a:r>
+              <a:rPr lang="en-US" dirty="0"/>
+              <a:t>Pair experienced reviewers with less experienced coders to help ensure quality</a:t>
+            </a:r>
+          </a:p>
+          <a:p>
+            <a:pPr lvl="1">
+              <a:spcBef>
+                <a:spcPts val="200"/>
+              </a:spcBef>
+            </a:pPr>
+            <a:r>
+              <a:rPr lang="en-US" dirty="0"/>
+              <a:t>Retrospective if you have a lot of existing unreviewed code</a:t>
+            </a:r>
+          </a:p>
+        </p:txBody>
+      </p:sp>
+    </p:spTree>
+    <p:extLst>
+      <p:ext uri="{BB962C8B-B14F-4D97-AF65-F5344CB8AC3E}">
+        <p14:creationId xmlns:p14="http://schemas.microsoft.com/office/powerpoint/2010/main" val="1828586750"/>
+      </p:ext>
+    </p:extLst>
+  </p:cSld>
+  <p:clrMapOvr>
+    <a:masterClrMapping/>
+  </p:clrMapOvr>
+</p:sld>
+</file>
+
+<file path=ppt/slides/slide18.xml><?xml version="1.0" encoding="utf-8"?>
+<p:sld xmlns:a="http://schemas.openxmlformats.org/drawingml/2006/main" xmlns:r="http://schemas.openxmlformats.org/officeDocument/2006/relationships" xmlns:p="http://schemas.openxmlformats.org/presentationml/2006/main">
+  <p:cSld>
+    <p:spTree>
+      <p:nvGrpSpPr>
+        <p:cNvPr id="1" name=""/>
+        <p:cNvGrpSpPr/>
+        <p:nvPr/>
+      </p:nvGrpSpPr>
+      <p:grpSpPr>
+        <a:xfrm>
+          <a:off x="0" y="0"/>
+          <a:ext cx="0" cy="0"/>
+          <a:chOff x="0" y="0"/>
+          <a:chExt cx="0" cy="0"/>
+        </a:xfrm>
+      </p:grpSpPr>
+      <p:sp>
+        <p:nvSpPr>
+          <p:cNvPr id="2" name="Title 1">
+            <a:extLst>
+              <a:ext uri="{FF2B5EF4-FFF2-40B4-BE49-F238E27FC236}">
+                <a16:creationId xmlns:a16="http://schemas.microsoft.com/office/drawing/2014/main" id="{AF0E5AE6-BAC5-4D3D-B274-228B336C1693}"/>
+              </a:ext>
+            </a:extLst>
+          </p:cNvPr>
+          <p:cNvSpPr>
+            <a:spLocks noGrp="1"/>
+          </p:cNvSpPr>
+          <p:nvPr>
+            <p:ph type="title"/>
+          </p:nvPr>
+        </p:nvSpPr>
+        <p:spPr/>
+        <p:txBody>
+          <a:bodyPr/>
+          <a:lstStyle/>
+          <a:p>
+            <a:r>
+              <a:rPr lang="en-US" dirty="0"/>
+              <a:t>Strategies for Improving Reproducibility </a:t>
+            </a:r>
+            <a:r>
+              <a:rPr lang="en-US" i="1" u="sng" dirty="0"/>
+              <a:t>After</a:t>
+            </a:r>
+            <a:r>
+              <a:rPr lang="en-US" u="sng" dirty="0"/>
+              <a:t> Development</a:t>
+            </a:r>
+          </a:p>
+        </p:txBody>
+      </p:sp>
+      <p:sp>
+        <p:nvSpPr>
+          <p:cNvPr id="3" name="Content Placeholder 2">
+            <a:extLst>
+              <a:ext uri="{FF2B5EF4-FFF2-40B4-BE49-F238E27FC236}">
+                <a16:creationId xmlns:a16="http://schemas.microsoft.com/office/drawing/2014/main" id="{7E3F8F1F-5081-4F6E-81DA-DC14088609D1}"/>
+              </a:ext>
+            </a:extLst>
+          </p:cNvPr>
+          <p:cNvSpPr>
+            <a:spLocks noGrp="1"/>
+          </p:cNvSpPr>
+          <p:nvPr>
+            <p:ph idx="1"/>
+          </p:nvPr>
+        </p:nvSpPr>
+        <p:spPr>
+          <a:xfrm>
+            <a:off x="365760" y="919426"/>
+            <a:ext cx="11369809" cy="4047778"/>
+          </a:xfrm>
+        </p:spPr>
+        <p:txBody>
+          <a:bodyPr/>
+          <a:lstStyle/>
+          <a:p>
+            <a:r>
+              <a:rPr lang="en-US" sz="2000" b="1" dirty="0">
+                <a:solidFill>
+                  <a:schemeClr val="tx2"/>
+                </a:solidFill>
+              </a:rPr>
+              <a:t>Testing, testing, and more testing!</a:t>
+            </a:r>
+          </a:p>
+          <a:p>
+            <a:r>
+              <a:rPr lang="en-US" sz="2000" dirty="0"/>
+              <a:t>Add “regression tests”</a:t>
+            </a:r>
+          </a:p>
+          <a:p>
+            <a:pPr lvl="1">
+              <a:spcBef>
+                <a:spcPts val="200"/>
+              </a:spcBef>
+            </a:pPr>
+            <a:r>
+              <a:rPr lang="en-US" sz="1800" dirty="0"/>
+              <a:t>If you fix a bug, add a test to make sure that bug doesn’t creep back in</a:t>
+            </a:r>
+          </a:p>
+          <a:p>
+            <a:r>
+              <a:rPr lang="en-US" sz="2000" dirty="0"/>
+              <a:t>Add more tests</a:t>
+            </a:r>
+          </a:p>
+          <a:p>
+            <a:pPr lvl="1">
+              <a:spcBef>
+                <a:spcPts val="200"/>
+              </a:spcBef>
+            </a:pPr>
+            <a:r>
+              <a:rPr lang="en-US" sz="1800" dirty="0"/>
+              <a:t>Be creative</a:t>
+            </a:r>
+          </a:p>
+          <a:p>
+            <a:pPr lvl="1">
+              <a:spcBef>
+                <a:spcPts val="200"/>
+              </a:spcBef>
+            </a:pPr>
+            <a:r>
+              <a:rPr lang="en-US" sz="1800" dirty="0"/>
+              <a:t>Think about common cases, then corner cases</a:t>
+            </a:r>
+          </a:p>
+          <a:p>
+            <a:pPr lvl="1">
+              <a:spcBef>
+                <a:spcPts val="200"/>
+              </a:spcBef>
+            </a:pPr>
+            <a:r>
+              <a:rPr lang="en-US" sz="1800" dirty="0"/>
+              <a:t>Think about misuse (unintentional or intentional)</a:t>
+            </a:r>
+          </a:p>
+          <a:p>
+            <a:pPr lvl="1">
+              <a:spcBef>
+                <a:spcPts val="200"/>
+              </a:spcBef>
+            </a:pPr>
+            <a:r>
+              <a:rPr lang="en-US" sz="1800" dirty="0"/>
+              <a:t>Think about synthetic tests with synthetic data</a:t>
+            </a:r>
+          </a:p>
+          <a:p>
+            <a:pPr lvl="1">
+              <a:spcBef>
+                <a:spcPts val="200"/>
+              </a:spcBef>
+            </a:pPr>
+            <a:r>
+              <a:rPr lang="en-US" sz="1800" dirty="0"/>
+              <a:t>Think about low-cost tests that can be “always on” (even if they’re not so stringent)</a:t>
+            </a:r>
+          </a:p>
+          <a:p>
+            <a:pPr lvl="1">
+              <a:spcBef>
+                <a:spcPts val="200"/>
+              </a:spcBef>
+            </a:pPr>
+            <a:r>
+              <a:rPr lang="en-US" sz="1800" dirty="0"/>
+              <a:t>Can you detect silent data corruption?</a:t>
+            </a:r>
+          </a:p>
+          <a:p>
+            <a:r>
+              <a:rPr lang="en-US" sz="2000" dirty="0"/>
+              <a:t>Test your tests!</a:t>
+            </a:r>
+          </a:p>
+          <a:p>
+            <a:pPr lvl="1">
+              <a:spcBef>
+                <a:spcPts val="200"/>
+              </a:spcBef>
+            </a:pPr>
+            <a:r>
+              <a:rPr lang="en-US" sz="1800" dirty="0"/>
+              <a:t>Make sure tests fail when they’re supposed to!</a:t>
+            </a:r>
+          </a:p>
+          <a:p>
+            <a:r>
+              <a:rPr lang="en-US" sz="2000" dirty="0"/>
+              <a:t>Thoroughly verify the code</a:t>
+            </a:r>
+          </a:p>
+          <a:p>
+            <a:pPr lvl="1">
+              <a:spcBef>
+                <a:spcPts val="200"/>
+              </a:spcBef>
+            </a:pPr>
+            <a:r>
+              <a:rPr lang="en-US" sz="1800" dirty="0"/>
+              <a:t>Does the code do what you intended it to do?</a:t>
+            </a:r>
+          </a:p>
+          <a:p>
+            <a:pPr lvl="1">
+              <a:spcBef>
+                <a:spcPts val="200"/>
+              </a:spcBef>
+            </a:pPr>
+            <a:r>
+              <a:rPr lang="en-US" sz="1800" dirty="0"/>
+              <a:t>On all relevant platforms (compilers, hardware, etc.)</a:t>
+            </a:r>
+          </a:p>
+          <a:p>
+            <a:r>
+              <a:rPr lang="en-US" sz="2000" dirty="0"/>
+              <a:t>Test regularly</a:t>
+            </a:r>
+          </a:p>
+          <a:p>
+            <a:pPr lvl="1">
+              <a:spcBef>
+                <a:spcPts val="200"/>
+              </a:spcBef>
+            </a:pPr>
+            <a:r>
+              <a:rPr lang="en-US" sz="1800" dirty="0"/>
+              <a:t>To identify and document where changes to the underlying </a:t>
+            </a:r>
+            <a:br>
+              <a:rPr lang="en-US" sz="1800" dirty="0"/>
+            </a:br>
+            <a:r>
+              <a:rPr lang="en-US" sz="1800" dirty="0"/>
+              <a:t>platform change code behavior/results</a:t>
+            </a:r>
+          </a:p>
+        </p:txBody>
+      </p:sp>
+    </p:spTree>
+    <p:extLst>
+      <p:ext uri="{BB962C8B-B14F-4D97-AF65-F5344CB8AC3E}">
+        <p14:creationId xmlns:p14="http://schemas.microsoft.com/office/powerpoint/2010/main" val="1368771477"/>
       </p:ext>
     </p:extLst>
   </p:cSld>
@@ -6117,12 +6724,7 @@
             <p:ph type="title"/>
           </p:nvPr>
         </p:nvSpPr>
-        <p:spPr>
-          <a:xfrm>
-            <a:off x="365760" y="411480"/>
-            <a:ext cx="11438994" cy="914400"/>
-          </a:xfrm>
-        </p:spPr>
+        <p:spPr/>
         <p:txBody>
           <a:bodyPr/>
           <a:lstStyle/>
@@ -6137,7 +6739,7 @@
             </a:r>
             <a:r>
               <a:rPr lang="en-US" u="sng" dirty="0"/>
-              <a:t> Development</a:t>
+              <a:t> Experiments</a:t>
             </a:r>
             <a:r>
               <a:rPr lang="en-US" dirty="0"/>
@@ -6164,7 +6766,7 @@
         </p:nvSpPr>
         <p:spPr>
           <a:xfrm>
-            <a:off x="365760" y="1445055"/>
+            <a:off x="365760" y="982589"/>
             <a:ext cx="11369809" cy="4047778"/>
           </a:xfrm>
         </p:spPr>
@@ -6178,71 +6780,96 @@
                   <a:schemeClr val="tx2"/>
                 </a:solidFill>
               </a:rPr>
-              <a:t>Solid versioning practices are fundamental to reproducibility</a:t>
-            </a:r>
-          </a:p>
-          <a:p>
-            <a:r>
-              <a:rPr lang="en-US" dirty="0"/>
-              <a:t>Version control of code, documentation, and other artifacts</a:t>
+              <a:t>What are you going to do, why, and how?</a:t>
+            </a:r>
+          </a:p>
+          <a:p>
+            <a:r>
+              <a:rPr lang="en-US" dirty="0"/>
+              <a:t>Plan your experiments thoroughly</a:t>
             </a:r>
           </a:p>
           <a:p>
             <a:pPr lvl="1"/>
             <a:r>
               <a:rPr lang="en-US" dirty="0"/>
-              <a:t>Frequent commits (perhaps to a separate development branch) </a:t>
-            </a:r>
-          </a:p>
-          <a:p>
-            <a:r>
-              <a:rPr lang="en-US" dirty="0"/>
-              <a:t>Provide versioning information in key output(s)</a:t>
+              <a:t>If you’re in a team, designate </a:t>
+            </a:r>
+            <a:r>
+              <a:rPr lang="en-US" i="1" dirty="0"/>
+              <a:t>one</a:t>
+            </a:r>
+            <a:r>
+              <a:rPr lang="en-US" dirty="0"/>
+              <a:t> person to coordinate the experimental campaign</a:t>
             </a:r>
           </a:p>
           <a:p>
             <a:pPr lvl="1"/>
             <a:r>
               <a:rPr lang="en-US" dirty="0"/>
-              <a:t>Version numbers (i.e., semantic versioning) are useful, but when do you increment them?</a:t>
+              <a:t>Know what you need (in the code, as inputs, as outputs to capture/analyze, etc.)</a:t>
             </a:r>
           </a:p>
           <a:p>
             <a:pPr lvl="1"/>
             <a:r>
               <a:rPr lang="en-US" dirty="0"/>
-              <a:t>Automatic identifiers (i.e., git commit hash) are less ambiguous, but may not be as meaningful</a:t>
+              <a:t>Know how you’re going to process or analyze the results</a:t>
             </a:r>
           </a:p>
           <a:p>
             <a:pPr lvl="1"/>
             <a:r>
               <a:rPr lang="en-US" dirty="0"/>
-              <a:t>Is the code you’re building modified from the version in the repository? </a:t>
-            </a:r>
-            <a:r>
-              <a:rPr lang="en-US" i="1" dirty="0"/>
-              <a:t>(Not often done in practice)</a:t>
-            </a:r>
-          </a:p>
-          <a:p>
-            <a:r>
-              <a:rPr lang="en-US" dirty="0"/>
-              <a:t>Maintaining documentation (and other artifacts) in sync with code</a:t>
+              <a:t>Know what to expect (in results, performance/cost, etc.)</a:t>
             </a:r>
           </a:p>
           <a:p>
             <a:pPr lvl="1"/>
             <a:r>
               <a:rPr lang="en-US" dirty="0"/>
-              <a:t>You’ll forget</a:t>
+              <a:t>How will you convince yourself that your results are trustworthy?</a:t>
+            </a:r>
+          </a:p>
+          <a:p>
+            <a:r>
+              <a:rPr lang="en-US" dirty="0"/>
+              <a:t>Perform pilot/test runs to build confidence in correctness, performance, scaling</a:t>
             </a:r>
           </a:p>
           <a:p>
             <a:pPr lvl="1"/>
             <a:r>
               <a:rPr lang="en-US" dirty="0"/>
-              <a:t>Or you won’t have (make) time to go back to it</a:t>
+              <a:t>Often useful to pursue an incremental/layered strategy</a:t>
+            </a:r>
+          </a:p>
+          <a:p>
+            <a:r>
+              <a:rPr lang="en-US" dirty="0"/>
+              <a:t>Ensure that you have the resources to store and/or analyze the outputs</a:t>
+            </a:r>
+          </a:p>
+          <a:p>
+            <a:pPr lvl="1"/>
+            <a:r>
+              <a:rPr lang="en-US" dirty="0"/>
+              <a:t>What can you afford to archive?</a:t>
+            </a:r>
+          </a:p>
+          <a:p>
+            <a:pPr lvl="1"/>
+            <a:r>
+              <a:rPr lang="en-US" dirty="0"/>
+              <a:t>What will you need to process and delete?</a:t>
+            </a:r>
+          </a:p>
+          <a:p>
+            <a:pPr lvl="1"/>
+            <a:r>
+              <a:rPr lang="en-US" dirty="0"/>
+              <a:t>What will you need to process during execution or stream?</a:t>
             </a:r>
           </a:p>
         </p:txBody>
@@ -6250,7 +6877,7 @@
     </p:spTree>
     <p:extLst>
       <p:ext uri="{BB962C8B-B14F-4D97-AF65-F5344CB8AC3E}">
-        <p14:creationId xmlns:p14="http://schemas.microsoft.com/office/powerpoint/2010/main" val="993821894"/>
+        <p14:creationId xmlns:p14="http://schemas.microsoft.com/office/powerpoint/2010/main" val="3488834746"/>
       </p:ext>
     </p:extLst>
   </p:cSld>
@@ -6293,7 +6920,12 @@
             <p:ph type="title"/>
           </p:nvPr>
         </p:nvSpPr>
-        <p:spPr/>
+        <p:spPr>
+          <a:xfrm>
+            <a:off x="363096" y="112911"/>
+            <a:ext cx="11372473" cy="914400"/>
+          </a:xfrm>
+        </p:spPr>
         <p:txBody>
           <a:bodyPr/>
           <a:lstStyle/>
@@ -6323,7 +6955,7 @@
         </p:nvSpPr>
         <p:spPr>
           <a:xfrm>
-            <a:off x="365760" y="862719"/>
+            <a:off x="409507" y="570111"/>
             <a:ext cx="11369809" cy="4047778"/>
           </a:xfrm>
         </p:spPr>
@@ -6374,21 +7006,13 @@
             </a:pPr>
             <a:r>
               <a:rPr lang="en-US" sz="1600" b="1" dirty="0"/>
-              <a:t>The requested citation the overall tutorial is: David E. Bernholdt, Anshu Dubey, Mark C. Miller, Katherine M. Riley, and James M. </a:t>
-            </a:r>
-            <a:r>
-              <a:rPr lang="en-US" sz="1600" b="1" dirty="0" err="1"/>
-              <a:t>Willenbring</a:t>
-            </a:r>
-            <a:r>
-              <a:rPr lang="en-US" sz="1600" b="1" dirty="0"/>
-              <a:t>, Software Productivity Track, in Argonne Training Program for Extreme Scale Computing (ATPESC), online. DOI: </a:t>
+              <a:t>The requested citation the overall tutorial is: David E. Bernholdt, Anshu Dubey, Patricia A. Grubel, Rinku K. Gupta, Better Scientific Software tutorial, in SC ‘20: International Conference for High Performance Computing, Networking, Storage and Analysis, online, 2020. DOI: </a:t>
             </a:r>
             <a:r>
               <a:rPr lang="en-US" sz="1600" b="1" dirty="0">
                 <a:hlinkClick r:id="rId4"/>
               </a:rPr>
-              <a:t>10.6084/m9.figshare.12719834</a:t>
+              <a:t>10.6084/m9.figshare.12994376</a:t>
             </a:r>
             <a:endParaRPr lang="en-US" sz="1600" b="1" dirty="0"/>
           </a:p>
@@ -6408,11 +7032,14 @@
             </a:r>
             <a:r>
               <a:rPr lang="en-US" sz="1600" dirty="0"/>
-              <a:t>, in Software Productivity Track…</a:t>
+              <a:t>, in Better Scientific Software tutorial…</a:t>
             </a:r>
           </a:p>
           <a:p>
             <a:pPr marL="0" indent="0">
+              <a:spcBef>
+                <a:spcPts val="800"/>
+              </a:spcBef>
               <a:buNone/>
             </a:pPr>
             <a:r>
@@ -6427,25 +7054,30 @@
               </a:spcBef>
             </a:pPr>
             <a:r>
-              <a:rPr lang="en-US" sz="1600" dirty="0"/>
-              <a:t>Additional contributors include: Patricia Grubel, Rinku Gupta, Mike </a:t>
-            </a:r>
-            <a:r>
-              <a:rPr lang="en-US" sz="1600" dirty="0" err="1"/>
+              <a:rPr lang="en-US" sz="1400" dirty="0"/>
+              <a:t>Additional contributors include: Mike </a:t>
+            </a:r>
+            <a:r>
+              <a:rPr lang="en-US" sz="1400" dirty="0" err="1"/>
               <a:t>Heroux</a:t>
             </a:r>
             <a:r>
-              <a:rPr lang="en-US" sz="1600" dirty="0"/>
+              <a:rPr lang="en-US" sz="1400" dirty="0"/>
               <a:t>, Alicia </a:t>
             </a:r>
             <a:r>
-              <a:rPr lang="en-US" sz="1600" dirty="0" err="1"/>
+              <a:rPr lang="en-US" sz="1400" dirty="0" err="1"/>
               <a:t>Klinvex</a:t>
             </a:r>
             <a:r>
-              <a:rPr lang="en-US" sz="1600" dirty="0"/>
-              <a:t>, Jared O’Neal, David Rogers</a:t>
-            </a:r>
+              <a:rPr lang="en-US" sz="1400" dirty="0"/>
+              <a:t>, Mark Miller, Jared O’Neal, Katherine Riley, David Rogers, Deborah Stevens, James </a:t>
+            </a:r>
+            <a:r>
+              <a:rPr lang="en-US" sz="1400" dirty="0" err="1"/>
+              <a:t>Willenbring</a:t>
+            </a:r>
+            <a:endParaRPr lang="en-US" sz="1400" dirty="0"/>
           </a:p>
           <a:p>
             <a:pPr>
@@ -6454,22 +7086,22 @@
               </a:spcBef>
             </a:pPr>
             <a:r>
-              <a:rPr lang="en-US" sz="1600" dirty="0"/>
+              <a:rPr lang="en-US" sz="1400" dirty="0"/>
               <a:t>This work was supported by the U.S. Department of Energy Office of Science, Office of Advanced Scientific Computing Research (ASCR), and by the </a:t>
             </a:r>
             <a:r>
-              <a:rPr lang="en-US" sz="1600" dirty="0" err="1"/>
+              <a:rPr lang="en-US" sz="1400" dirty="0" err="1"/>
               <a:t>Exascale</a:t>
             </a:r>
             <a:r>
-              <a:rPr lang="en-US" sz="1600" dirty="0"/>
+              <a:rPr lang="en-US" sz="1400" dirty="0"/>
               <a:t> Computing Project (17-SC-20-SC), a collaborative effort of the U.S. Department of Energy Office of Science and the National Nuclear Security Administration</a:t>
             </a:r>
             <a:r>
-              <a:rPr lang="en-US" sz="1600" i="1" dirty="0"/>
+              <a:rPr lang="en-US" sz="1400" i="1" dirty="0"/>
               <a:t>.</a:t>
             </a:r>
-            <a:endParaRPr lang="en-US" sz="1600" dirty="0"/>
+            <a:endParaRPr lang="en-US" sz="1400" dirty="0"/>
           </a:p>
           <a:p>
             <a:pPr>
@@ -6478,15 +7110,15 @@
               </a:spcBef>
             </a:pPr>
             <a:r>
-              <a:rPr lang="en-US" sz="1600" dirty="0"/>
+              <a:rPr lang="en-US" sz="1400" dirty="0"/>
               <a:t>This work was performed in part at the Argonne National Laboratory, which is managed by </a:t>
             </a:r>
             <a:r>
-              <a:rPr lang="en-US" sz="1600" dirty="0" err="1"/>
+              <a:rPr lang="en-US" sz="1400" dirty="0" err="1"/>
               <a:t>UChicago</a:t>
             </a:r>
             <a:r>
-              <a:rPr lang="en-US" sz="1600" dirty="0"/>
+              <a:rPr lang="en-US" sz="1400" dirty="0"/>
               <a:t> Argonne, LLC for the U.S. Department of Energy under Contract No. DE-AC02-06CH11357.</a:t>
             </a:r>
           </a:p>
@@ -6497,7 +7129,7 @@
               </a:spcBef>
             </a:pPr>
             <a:r>
-              <a:rPr lang="en-US" sz="1600" dirty="0"/>
+              <a:rPr lang="en-US" sz="1400" dirty="0"/>
               <a:t>This work was performed in part at the Oak Ridge National Laboratory, which is managed by UT-Battelle, LLC for the U.S. Department of Energy under Contract No. DE-AC05-00OR22725.</a:t>
             </a:r>
           </a:p>
@@ -6508,7 +7140,7 @@
               </a:spcBef>
             </a:pPr>
             <a:r>
-              <a:rPr lang="en-US" sz="1600" dirty="0"/>
+              <a:rPr lang="en-US" sz="1400" dirty="0"/>
               <a:t>This work was performed in part at the Lawrence Livermore National Laboratory, which is managed by Lawrence Livermore National Security, LLC for the U.S. Department of Energy under Contract No. DE-AC52-07NA27344.</a:t>
             </a:r>
           </a:p>
@@ -6519,7 +7151,18 @@
               </a:spcBef>
             </a:pPr>
             <a:r>
-              <a:rPr lang="en-US" sz="1600" dirty="0"/>
+              <a:rPr lang="en-US" sz="1400" dirty="0"/>
+              <a:t>This work was performed in part at the Los Alamos National Laboratory, which is managed by Triad National Security, LLC for the U.S. Department of Energy under Contract No.89233218CNA000001</a:t>
+            </a:r>
+          </a:p>
+          <a:p>
+            <a:pPr>
+              <a:spcBef>
+                <a:spcPts val="400"/>
+              </a:spcBef>
+            </a:pPr>
+            <a:r>
+              <a:rPr lang="en-US" sz="1400" dirty="0"/>
               <a:t>This work was performed in part at Sandia National Laboratories. Sandia National Laboratories is a multi-mission laboratory managed and operated by National Technology and Engineering Solutions of Sandia, LLC., a wholly owned subsidiary of Honeywell International, Inc., for the U.S. Department of Energy’s National Nuclear Security Administration under contract DE-NA0003525.</a:t>
             </a:r>
           </a:p>
@@ -6575,7 +7218,7 @@
     </p:spTree>
     <p:extLst>
       <p:ext uri="{BB962C8B-B14F-4D97-AF65-F5344CB8AC3E}">
-        <p14:creationId xmlns:p14="http://schemas.microsoft.com/office/powerpoint/2010/main" val="3277133397"/>
+        <p14:creationId xmlns:p14="http://schemas.microsoft.com/office/powerpoint/2010/main" val="3336170635"/>
       </p:ext>
     </p:extLst>
   </p:cSld>
@@ -6618,12 +7261,7 @@
             <p:ph type="title"/>
           </p:nvPr>
         </p:nvSpPr>
-        <p:spPr>
-          <a:xfrm>
-            <a:off x="365760" y="411480"/>
-            <a:ext cx="11457305" cy="914400"/>
-          </a:xfrm>
-        </p:spPr>
+        <p:spPr/>
         <p:txBody>
           <a:bodyPr/>
           <a:lstStyle/>
@@ -6638,12 +7276,13 @@
             </a:r>
             <a:r>
               <a:rPr lang="en-US" u="sng" dirty="0"/>
-              <a:t> Development</a:t>
+              <a:t> Experiments</a:t>
             </a:r>
             <a:r>
               <a:rPr lang="en-US" dirty="0"/>
               <a:t> (2/3)</a:t>
             </a:r>
+            <a:endParaRPr lang="en-US" u="sng" dirty="0"/>
           </a:p>
         </p:txBody>
       </p:sp>
@@ -6665,8 +7304,8 @@
         </p:nvSpPr>
         <p:spPr>
           <a:xfrm>
-            <a:off x="365760" y="995355"/>
-            <a:ext cx="11369809" cy="4047778"/>
+            <a:off x="365760" y="1280165"/>
+            <a:ext cx="11534052" cy="4047778"/>
           </a:xfrm>
         </p:spPr>
         <p:txBody>
@@ -6679,13 +7318,7 @@
                   <a:schemeClr val="tx2"/>
                 </a:solidFill>
               </a:rPr>
-              <a:t>Build in quality from the start</a:t>
-            </a:r>
-          </a:p>
-          <a:p>
-            <a:r>
-              <a:rPr lang="en-US" dirty="0"/>
-              <a:t>Define and follow coding standards</a:t>
+              <a:t>Can you reproduce the code used for each and every experiment?</a:t>
             </a:r>
           </a:p>
           <a:p>
@@ -6695,8 +7328,18 @@
               </a:spcBef>
             </a:pPr>
             <a:r>
-              <a:rPr lang="en-US" dirty="0"/>
-              <a:t>Not just code style</a:t>
+              <a:rPr lang="en-US" b="1" dirty="0">
+                <a:solidFill>
+                  <a:schemeClr val="tx2"/>
+                </a:solidFill>
+              </a:rPr>
+              <a:t>Three years later?</a:t>
+            </a:r>
+          </a:p>
+          <a:p>
+            <a:r>
+              <a:rPr lang="en-US" dirty="0"/>
+              <a:t>Use only well-defined versions of code (i.e., official “releases”, tags, etc.)</a:t>
             </a:r>
           </a:p>
           <a:p>
@@ -6707,13 +7350,7 @@
             </a:pPr>
             <a:r>
               <a:rPr lang="en-US" dirty="0"/>
-              <a:t>Expectations for kinds and extent of documentation, types and rigor of tests</a:t>
-            </a:r>
-          </a:p>
-          <a:p>
-            <a:r>
-              <a:rPr lang="en-US" dirty="0"/>
-              <a:t>Develop tests as you code</a:t>
+              <a:t>Master or development branches are often moving targets</a:t>
             </a:r>
           </a:p>
           <a:p>
@@ -6724,7 +7361,18 @@
             </a:pPr>
             <a:r>
               <a:rPr lang="en-US" dirty="0"/>
-              <a:t>Write tests while the code is fresh in your mind</a:t>
+              <a:t>Capture the exact version of the code used for each experiment</a:t>
+            </a:r>
+          </a:p>
+          <a:p>
+            <a:pPr lvl="2">
+              <a:spcBef>
+                <a:spcPts val="200"/>
+              </a:spcBef>
+            </a:pPr>
+            <a:r>
+              <a:rPr lang="en-US" dirty="0"/>
+              <a:t>Is the code you’re building exactly what’s in the version control repo?</a:t>
             </a:r>
           </a:p>
           <a:p>
@@ -6735,13 +7383,7 @@
             </a:pPr>
             <a:r>
               <a:rPr lang="en-US" dirty="0"/>
-              <a:t>Test Driven Development (TDD) means write tests before code, then code to pass the tests</a:t>
-            </a:r>
-          </a:p>
-          <a:p>
-            <a:r>
-              <a:rPr lang="en-US" dirty="0"/>
-              <a:t>Require increasingly rigorous testing as the code becomes more “public”</a:t>
+              <a:t>Don’t change versions during a related series of experiments (unless you have to)</a:t>
             </a:r>
           </a:p>
           <a:p>
@@ -6752,7 +7394,24 @@
             </a:pPr>
             <a:r>
               <a:rPr lang="en-US" dirty="0"/>
-              <a:t>Testing has costs, need to balance level of risk against cost of creating and executing tests</a:t>
+              <a:t>If you have to change versions, know exactly what changed</a:t>
+            </a:r>
+          </a:p>
+          <a:p>
+            <a:pPr lvl="2">
+              <a:spcBef>
+                <a:spcPts val="200"/>
+              </a:spcBef>
+            </a:pPr>
+            <a:r>
+              <a:rPr lang="en-US" dirty="0"/>
+              <a:t>Capture the exact version of the code used for each experiment</a:t>
+            </a:r>
+          </a:p>
+          <a:p>
+            <a:r>
+              <a:rPr lang="en-US" dirty="0"/>
+              <a:t>Continue to use regular testing to identify changes due to the underlying platform</a:t>
             </a:r>
           </a:p>
           <a:p>
@@ -6763,13 +7422,19 @@
             </a:pPr>
             <a:r>
               <a:rPr lang="en-US" dirty="0"/>
-              <a:t>Also think about frequency of tests at different levels of cost (c.f. continuous integration)</a:t>
-            </a:r>
-          </a:p>
-          <a:p>
-            <a:r>
-              <a:rPr lang="en-US" dirty="0"/>
-              <a:t>Practice peer code review</a:t>
+              <a:t>E.g., compiler release introduces a new optimization that changes numerical results</a:t>
+            </a:r>
+          </a:p>
+          <a:p>
+            <a:r>
+              <a:rPr lang="en-US" dirty="0"/>
+              <a:t>Use only versions of code that have been thoroughly verified</a:t>
+            </a:r>
+          </a:p>
+          <a:p>
+            <a:r>
+              <a:rPr lang="en-US" dirty="0"/>
+              <a:t>Consider capturing version information of key libraries, compilers, and other dependencies used to build code</a:t>
             </a:r>
           </a:p>
           <a:p>
@@ -6779,38 +7444,8 @@
               </a:spcBef>
             </a:pPr>
             <a:r>
-              <a:rPr lang="en-US" dirty="0"/>
-              <a:t>Per commit – should meet standards, </a:t>
-            </a:r>
-            <a:r>
               <a:rPr lang="en-US" i="1" dirty="0"/>
-              <a:t>and</a:t>
-            </a:r>
-            <a:r>
-              <a:rPr lang="en-US" dirty="0"/>
-              <a:t> be understood and judged correct by reviewer</a:t>
-            </a:r>
-          </a:p>
-          <a:p>
-            <a:pPr lvl="1">
-              <a:spcBef>
-                <a:spcPts val="200"/>
-              </a:spcBef>
-            </a:pPr>
-            <a:r>
-              <a:rPr lang="en-US" dirty="0"/>
-              <a:t>Pair experienced reviewers with less experienced coders to help ensure quality</a:t>
-            </a:r>
-          </a:p>
-          <a:p>
-            <a:pPr lvl="1">
-              <a:spcBef>
-                <a:spcPts val="200"/>
-              </a:spcBef>
-            </a:pPr>
-            <a:r>
-              <a:rPr lang="en-US" dirty="0"/>
-              <a:t>Retrospective if you have a lot of existing unreviewed code</a:t>
+              <a:t>Not often done, in practice</a:t>
             </a:r>
           </a:p>
         </p:txBody>
@@ -6818,7 +7453,7 @@
     </p:spTree>
     <p:extLst>
       <p:ext uri="{BB962C8B-B14F-4D97-AF65-F5344CB8AC3E}">
-        <p14:creationId xmlns:p14="http://schemas.microsoft.com/office/powerpoint/2010/main" val="1828586750"/>
+        <p14:creationId xmlns:p14="http://schemas.microsoft.com/office/powerpoint/2010/main" val="847899985"/>
       </p:ext>
     </p:extLst>
   </p:cSld>
@@ -6872,12 +7507,17 @@
             </a:r>
             <a:r>
               <a:rPr lang="en-US" i="1" u="sng" dirty="0"/>
-              <a:t>After</a:t>
+              <a:t>During</a:t>
             </a:r>
             <a:r>
               <a:rPr lang="en-US" u="sng" dirty="0"/>
-              <a:t> Development</a:t>
-            </a:r>
+              <a:t> Experiments</a:t>
+            </a:r>
+            <a:r>
+              <a:rPr lang="en-US" dirty="0"/>
+              <a:t> (3/3)</a:t>
+            </a:r>
+            <a:endParaRPr lang="en-US" u="sng" dirty="0"/>
           </a:p>
         </p:txBody>
       </p:sp>
@@ -6899,7 +7539,7 @@
         </p:nvSpPr>
         <p:spPr>
           <a:xfrm>
-            <a:off x="365760" y="919426"/>
+            <a:off x="365760" y="1310145"/>
             <a:ext cx="11369809" cy="4047778"/>
           </a:xfrm>
         </p:spPr>
@@ -6908,170 +7548,82 @@
           <a:lstStyle/>
           <a:p>
             <a:r>
-              <a:rPr lang="en-US" sz="2000" b="1" dirty="0">
+              <a:rPr lang="en-US" b="1" dirty="0">
                 <a:solidFill>
                   <a:schemeClr val="tx2"/>
                 </a:solidFill>
               </a:rPr>
-              <a:t>Testing, testing, and more testing!</a:t>
-            </a:r>
-          </a:p>
-          <a:p>
-            <a:r>
-              <a:rPr lang="en-US" sz="2000" dirty="0"/>
-              <a:t>Add “regression tests”</a:t>
-            </a:r>
-          </a:p>
-          <a:p>
-            <a:pPr lvl="1">
-              <a:spcBef>
-                <a:spcPts val="200"/>
-              </a:spcBef>
-            </a:pPr>
-            <a:r>
-              <a:rPr lang="en-US" sz="1800" dirty="0"/>
-              <a:t>If you fix a bug, add a test to make sure that bug doesn’t creep back in</a:t>
-            </a:r>
-          </a:p>
-          <a:p>
-            <a:r>
-              <a:rPr lang="en-US" sz="2000" dirty="0"/>
-              <a:t>Add more tests</a:t>
-            </a:r>
-          </a:p>
-          <a:p>
-            <a:pPr lvl="1">
-              <a:spcBef>
-                <a:spcPts val="200"/>
-              </a:spcBef>
-            </a:pPr>
-            <a:r>
-              <a:rPr lang="en-US" sz="1800" dirty="0"/>
-              <a:t>Be creative</a:t>
-            </a:r>
-          </a:p>
-          <a:p>
-            <a:pPr lvl="1">
-              <a:spcBef>
-                <a:spcPts val="200"/>
-              </a:spcBef>
-            </a:pPr>
-            <a:r>
-              <a:rPr lang="en-US" sz="1800" dirty="0"/>
-              <a:t>Think about common cases, then corner cases</a:t>
-            </a:r>
-          </a:p>
-          <a:p>
-            <a:pPr lvl="1">
-              <a:spcBef>
-                <a:spcPts val="200"/>
-              </a:spcBef>
-            </a:pPr>
-            <a:r>
-              <a:rPr lang="en-US" sz="1800" dirty="0"/>
-              <a:t>Think about misuse (unintentional or intentional)</a:t>
-            </a:r>
-          </a:p>
-          <a:p>
-            <a:pPr lvl="1">
-              <a:spcBef>
-                <a:spcPts val="200"/>
-              </a:spcBef>
-            </a:pPr>
-            <a:r>
-              <a:rPr lang="en-US" sz="1800" dirty="0"/>
-              <a:t>Think about synthetic tests with synthetic data</a:t>
-            </a:r>
-          </a:p>
-          <a:p>
-            <a:pPr lvl="1">
-              <a:spcBef>
-                <a:spcPts val="200"/>
-              </a:spcBef>
-            </a:pPr>
-            <a:r>
-              <a:rPr lang="en-US" sz="1800" dirty="0"/>
-              <a:t>Think about low-cost tests that can be “always on” (even if they’re not so stringent)</a:t>
-            </a:r>
-          </a:p>
-          <a:p>
-            <a:pPr lvl="1">
-              <a:spcBef>
-                <a:spcPts val="200"/>
-              </a:spcBef>
-            </a:pPr>
-            <a:r>
-              <a:rPr lang="en-US" sz="1800" dirty="0"/>
-              <a:t>Can you detect silent data corruption?</a:t>
-            </a:r>
-          </a:p>
-          <a:p>
-            <a:r>
-              <a:rPr lang="en-US" sz="2000" dirty="0"/>
-              <a:t>Test your tests!</a:t>
-            </a:r>
-          </a:p>
-          <a:p>
-            <a:pPr lvl="1">
-              <a:spcBef>
-                <a:spcPts val="200"/>
-              </a:spcBef>
-            </a:pPr>
-            <a:r>
-              <a:rPr lang="en-US" sz="1800" dirty="0"/>
-              <a:t>Make sure tests fail when they’re supposed to!</a:t>
-            </a:r>
-          </a:p>
-          <a:p>
-            <a:r>
-              <a:rPr lang="en-US" sz="2000" dirty="0"/>
-              <a:t>Thoroughly verify the code</a:t>
-            </a:r>
-          </a:p>
-          <a:p>
-            <a:pPr lvl="1">
-              <a:spcBef>
-                <a:spcPts val="200"/>
-              </a:spcBef>
-            </a:pPr>
-            <a:r>
-              <a:rPr lang="en-US" sz="1800" dirty="0"/>
-              <a:t>Does the code do what you intended it to do?</a:t>
-            </a:r>
-          </a:p>
-          <a:p>
-            <a:pPr lvl="1">
-              <a:spcBef>
-                <a:spcPts val="200"/>
-              </a:spcBef>
-            </a:pPr>
-            <a:r>
-              <a:rPr lang="en-US" sz="1800" dirty="0"/>
-              <a:t>On all relevant platforms (compilers, hardware, etc.)</a:t>
-            </a:r>
-          </a:p>
-          <a:p>
-            <a:r>
-              <a:rPr lang="en-US" sz="2000" dirty="0"/>
-              <a:t>Test regularly</a:t>
-            </a:r>
-          </a:p>
-          <a:p>
-            <a:pPr lvl="1">
-              <a:spcBef>
-                <a:spcPts val="200"/>
-              </a:spcBef>
-            </a:pPr>
-            <a:r>
-              <a:rPr lang="en-US" sz="1800" dirty="0"/>
-              <a:t>To identify and document where changes to the underlying </a:t>
-            </a:r>
-            <a:br>
-              <a:rPr lang="en-US" sz="1800" dirty="0"/>
-            </a:br>
-            <a:r>
-              <a:rPr lang="en-US" sz="1800" dirty="0"/>
-              <a:t>platform change code behavior/results</a:t>
+              <a:t>Be thorough in capturing provenance</a:t>
+            </a:r>
+          </a:p>
+          <a:p>
+            <a:pPr lvl="1"/>
+            <a:r>
+              <a:rPr lang="en-US" b="1" dirty="0">
+                <a:solidFill>
+                  <a:schemeClr val="tx2"/>
+                </a:solidFill>
+              </a:rPr>
+              <a:t> Agents (codes), entities (inputs, outputs, etc.), activities (the transformation)</a:t>
+            </a:r>
+          </a:p>
+          <a:p>
+            <a:r>
+              <a:rPr lang="en-US" dirty="0"/>
+              <a:t>Capture code version</a:t>
+            </a:r>
+          </a:p>
+          <a:p>
+            <a:r>
+              <a:rPr lang="en-US" dirty="0"/>
+              <a:t>Capture all inputs/configuration information for each experiment</a:t>
+            </a:r>
+          </a:p>
+          <a:p>
+            <a:r>
+              <a:rPr lang="en-US" dirty="0"/>
+              <a:t>Use multiple systems to ensure that you can correctly associate inputs, outputs, and code versions</a:t>
+            </a:r>
+          </a:p>
+          <a:p>
+            <a:pPr lvl="1"/>
+            <a:r>
+              <a:rPr lang="en-US" dirty="0"/>
+              <a:t>Systematic directory and file naming conventions</a:t>
+            </a:r>
+          </a:p>
+          <a:p>
+            <a:pPr lvl="1"/>
+            <a:r>
+              <a:rPr lang="en-US" dirty="0"/>
+              <a:t>Separate written notes (paper notebook, electronic notebook)</a:t>
+            </a:r>
+          </a:p>
+          <a:p>
+            <a:pPr lvl="2"/>
+            <a:r>
+              <a:rPr lang="en-US" dirty="0"/>
+              <a:t>Lab notebooks aren’t just for people who literally work in a laboratory!</a:t>
+            </a:r>
+          </a:p>
+          <a:p>
+            <a:pPr lvl="1"/>
+            <a:r>
+              <a:rPr lang="en-US" dirty="0"/>
+              <a:t>Scripts to orchestrate experiments (versioned and captured)</a:t>
+            </a:r>
+          </a:p>
+          <a:p>
+            <a:pPr lvl="1"/>
+            <a:r>
+              <a:rPr lang="en-US" dirty="0"/>
+              <a:t>Version control (if data is not too large)</a:t>
+            </a:r>
+          </a:p>
+          <a:p>
+            <a:r>
+              <a:rPr lang="en-US" dirty="0"/>
+              <a:t>Capture important outputs (as feasible)</a:t>
             </a:r>
           </a:p>
         </p:txBody>
@@ -7079,7 +7631,7 @@
     </p:spTree>
     <p:extLst>
       <p:ext uri="{BB962C8B-B14F-4D97-AF65-F5344CB8AC3E}">
-        <p14:creationId xmlns:p14="http://schemas.microsoft.com/office/powerpoint/2010/main" val="1368771477"/>
+        <p14:creationId xmlns:p14="http://schemas.microsoft.com/office/powerpoint/2010/main" val="1441357727"/>
       </p:ext>
     </p:extLst>
   </p:cSld>
@@ -7090,431 +7642,6 @@
 </file>
 
 <file path=ppt/slides/slide22.xml><?xml version="1.0" encoding="utf-8"?>
-<p:sld xmlns:a="http://schemas.openxmlformats.org/drawingml/2006/main" xmlns:r="http://schemas.openxmlformats.org/officeDocument/2006/relationships" xmlns:p="http://schemas.openxmlformats.org/presentationml/2006/main">
-  <p:cSld>
-    <p:spTree>
-      <p:nvGrpSpPr>
-        <p:cNvPr id="1" name=""/>
-        <p:cNvGrpSpPr/>
-        <p:nvPr/>
-      </p:nvGrpSpPr>
-      <p:grpSpPr>
-        <a:xfrm>
-          <a:off x="0" y="0"/>
-          <a:ext cx="0" cy="0"/>
-          <a:chOff x="0" y="0"/>
-          <a:chExt cx="0" cy="0"/>
-        </a:xfrm>
-      </p:grpSpPr>
-      <p:sp>
-        <p:nvSpPr>
-          <p:cNvPr id="2" name="Title 1">
-            <a:extLst>
-              <a:ext uri="{FF2B5EF4-FFF2-40B4-BE49-F238E27FC236}">
-                <a16:creationId xmlns:a16="http://schemas.microsoft.com/office/drawing/2014/main" id="{A8FB7E71-12B3-4F18-9845-F2C5400A7D80}"/>
-              </a:ext>
-            </a:extLst>
-          </p:cNvPr>
-          <p:cNvSpPr>
-            <a:spLocks noGrp="1"/>
-          </p:cNvSpPr>
-          <p:nvPr>
-            <p:ph type="title"/>
-          </p:nvPr>
-        </p:nvSpPr>
-        <p:spPr/>
-        <p:txBody>
-          <a:bodyPr/>
-          <a:lstStyle/>
-          <a:p>
-            <a:r>
-              <a:rPr lang="en-US" dirty="0"/>
-              <a:t>Digression – “Physics” (or Math)-Based Testing Strategies</a:t>
-            </a:r>
-          </a:p>
-        </p:txBody>
-      </p:sp>
-      <p:sp>
-        <p:nvSpPr>
-          <p:cNvPr id="3" name="Content Placeholder 2">
-            <a:extLst>
-              <a:ext uri="{FF2B5EF4-FFF2-40B4-BE49-F238E27FC236}">
-                <a16:creationId xmlns:a16="http://schemas.microsoft.com/office/drawing/2014/main" id="{A5DD7266-4F2C-433C-9206-C4C7FDCEE701}"/>
-              </a:ext>
-            </a:extLst>
-          </p:cNvPr>
-          <p:cNvSpPr>
-            <a:spLocks noGrp="1"/>
-          </p:cNvSpPr>
-          <p:nvPr>
-            <p:ph idx="1"/>
-          </p:nvPr>
-        </p:nvSpPr>
-        <p:spPr>
-          <a:xfrm>
-            <a:off x="365760" y="1340125"/>
-            <a:ext cx="11369809" cy="4047778"/>
-          </a:xfrm>
-        </p:spPr>
-        <p:txBody>
-          <a:bodyPr/>
-          <a:lstStyle/>
-          <a:p>
-            <a:r>
-              <a:rPr lang="en-US" b="1" dirty="0">
-                <a:solidFill>
-                  <a:schemeClr val="tx2"/>
-                </a:solidFill>
-              </a:rPr>
-              <a:t>Use what you know (or can construct) about the model you’re studying to test its implementation</a:t>
-            </a:r>
-          </a:p>
-          <a:p>
-            <a:r>
-              <a:rPr lang="en-US" dirty="0"/>
-              <a:t>Synthetic operators with known properties</a:t>
-            </a:r>
-          </a:p>
-          <a:p>
-            <a:pPr lvl="1"/>
-            <a:r>
-              <a:rPr lang="en-US" dirty="0"/>
-              <a:t>Spectrum (huge diagonals)</a:t>
-            </a:r>
-          </a:p>
-          <a:p>
-            <a:pPr lvl="1"/>
-            <a:r>
-              <a:rPr lang="en-US" dirty="0"/>
-              <a:t>Rank (by construction)</a:t>
-            </a:r>
-          </a:p>
-          <a:p>
-            <a:r>
-              <a:rPr lang="en-US" dirty="0"/>
-              <a:t>Invariance principles</a:t>
-            </a:r>
-          </a:p>
-          <a:p>
-            <a:pPr lvl="1"/>
-            <a:r>
-              <a:rPr lang="en-US" dirty="0"/>
-              <a:t>Translational, rotational, etc.</a:t>
-            </a:r>
-          </a:p>
-          <a:p>
-            <a:pPr lvl="1"/>
-            <a:r>
-              <a:rPr lang="en-US" dirty="0"/>
-              <a:t>Physical symmetries</a:t>
-            </a:r>
-          </a:p>
-          <a:p>
-            <a:pPr lvl="1"/>
-            <a:r>
-              <a:rPr lang="en-US" dirty="0"/>
-              <a:t>Mathematical symmetries</a:t>
-            </a:r>
-          </a:p>
-          <a:p>
-            <a:r>
-              <a:rPr lang="en-US" dirty="0"/>
-              <a:t>Conservation rules</a:t>
-            </a:r>
-          </a:p>
-          <a:p>
-            <a:pPr lvl="1"/>
-            <a:r>
-              <a:rPr lang="en-US" dirty="0"/>
-              <a:t>Fluxes, energy, mass, etc.</a:t>
-            </a:r>
-          </a:p>
-          <a:p>
-            <a:r>
-              <a:rPr lang="en-US" dirty="0"/>
-              <a:t>…</a:t>
-            </a:r>
-          </a:p>
-        </p:txBody>
-      </p:sp>
-    </p:spTree>
-    <p:extLst>
-      <p:ext uri="{BB962C8B-B14F-4D97-AF65-F5344CB8AC3E}">
-        <p14:creationId xmlns:p14="http://schemas.microsoft.com/office/powerpoint/2010/main" val="2493342548"/>
-      </p:ext>
-    </p:extLst>
-  </p:cSld>
-  <p:clrMapOvr>
-    <a:masterClrMapping/>
-  </p:clrMapOvr>
-</p:sld>
-</file>
-
-<file path=ppt/slides/slide23.xml><?xml version="1.0" encoding="utf-8"?>
-<p:sld xmlns:a="http://schemas.openxmlformats.org/drawingml/2006/main" xmlns:r="http://schemas.openxmlformats.org/officeDocument/2006/relationships" xmlns:p="http://schemas.openxmlformats.org/presentationml/2006/main">
-  <p:cSld>
-    <p:spTree>
-      <p:nvGrpSpPr>
-        <p:cNvPr id="1" name=""/>
-        <p:cNvGrpSpPr/>
-        <p:nvPr/>
-      </p:nvGrpSpPr>
-      <p:grpSpPr>
-        <a:xfrm>
-          <a:off x="0" y="0"/>
-          <a:ext cx="0" cy="0"/>
-          <a:chOff x="0" y="0"/>
-          <a:chExt cx="0" cy="0"/>
-        </a:xfrm>
-      </p:grpSpPr>
-      <p:sp>
-        <p:nvSpPr>
-          <p:cNvPr id="2" name="Title 1">
-            <a:extLst>
-              <a:ext uri="{FF2B5EF4-FFF2-40B4-BE49-F238E27FC236}">
-                <a16:creationId xmlns:a16="http://schemas.microsoft.com/office/drawing/2014/main" id="{5ADB740C-7926-4693-996F-58F53886A80C}"/>
-              </a:ext>
-            </a:extLst>
-          </p:cNvPr>
-          <p:cNvSpPr>
-            <a:spLocks noGrp="1"/>
-          </p:cNvSpPr>
-          <p:nvPr>
-            <p:ph type="title"/>
-          </p:nvPr>
-        </p:nvSpPr>
-        <p:spPr/>
-        <p:txBody>
-          <a:bodyPr/>
-          <a:lstStyle/>
-          <a:p>
-            <a:r>
-              <a:rPr lang="en-US" dirty="0"/>
-              <a:t>Digression – Design by Contract Programming</a:t>
-            </a:r>
-          </a:p>
-        </p:txBody>
-      </p:sp>
-      <p:sp>
-        <p:nvSpPr>
-          <p:cNvPr id="3" name="Content Placeholder 2">
-            <a:extLst>
-              <a:ext uri="{FF2B5EF4-FFF2-40B4-BE49-F238E27FC236}">
-                <a16:creationId xmlns:a16="http://schemas.microsoft.com/office/drawing/2014/main" id="{86DB796C-B083-44C4-8467-DE5160CD2C5D}"/>
-              </a:ext>
-            </a:extLst>
-          </p:cNvPr>
-          <p:cNvSpPr>
-            <a:spLocks noGrp="1"/>
-          </p:cNvSpPr>
-          <p:nvPr>
-            <p:ph idx="1"/>
-          </p:nvPr>
-        </p:nvSpPr>
-        <p:spPr>
-          <a:xfrm>
-            <a:off x="365760" y="1079194"/>
-            <a:ext cx="11369809" cy="4047778"/>
-          </a:xfrm>
-        </p:spPr>
-        <p:txBody>
-          <a:bodyPr/>
-          <a:lstStyle/>
-          <a:p>
-            <a:r>
-              <a:rPr lang="en-US" b="1" dirty="0">
-                <a:solidFill>
-                  <a:schemeClr val="tx2"/>
-                </a:solidFill>
-              </a:rPr>
-              <a:t>Building testing into your routines </a:t>
-            </a:r>
-          </a:p>
-          <a:p>
-            <a:pPr lvl="1">
-              <a:spcBef>
-                <a:spcPts val="200"/>
-              </a:spcBef>
-            </a:pPr>
-            <a:r>
-              <a:rPr lang="en-US" b="1" dirty="0">
-                <a:solidFill>
-                  <a:schemeClr val="tx2"/>
-                </a:solidFill>
-              </a:rPr>
-              <a:t>To complement, </a:t>
-            </a:r>
-            <a:r>
-              <a:rPr lang="en-US" b="1" i="1" dirty="0">
-                <a:solidFill>
-                  <a:schemeClr val="tx2"/>
-                </a:solidFill>
-              </a:rPr>
-              <a:t>not replace</a:t>
-            </a:r>
-            <a:r>
-              <a:rPr lang="en-US" b="1" dirty="0">
-                <a:solidFill>
-                  <a:schemeClr val="tx2"/>
-                </a:solidFill>
-              </a:rPr>
-              <a:t>, other testing</a:t>
-            </a:r>
-          </a:p>
-          <a:p>
-            <a:r>
-              <a:rPr lang="en-US" dirty="0"/>
-              <a:t>The interface to a routine can be thought of as a contract between </a:t>
-            </a:r>
-            <a:r>
-              <a:rPr lang="en-US" i="1" dirty="0"/>
-              <a:t>caller</a:t>
-            </a:r>
-            <a:r>
-              <a:rPr lang="en-US" dirty="0"/>
-              <a:t> and the </a:t>
-            </a:r>
-            <a:r>
-              <a:rPr lang="en-US" i="1" dirty="0" err="1"/>
-              <a:t>callee</a:t>
-            </a:r>
-            <a:r>
-              <a:rPr lang="en-US" i="1" dirty="0"/>
-              <a:t> </a:t>
-            </a:r>
-            <a:r>
-              <a:rPr lang="en-US" dirty="0"/>
-              <a:t>(the routine)</a:t>
-            </a:r>
-          </a:p>
-          <a:p>
-            <a:pPr lvl="1">
-              <a:spcBef>
-                <a:spcPts val="200"/>
-              </a:spcBef>
-            </a:pPr>
-            <a:r>
-              <a:rPr lang="en-US" dirty="0"/>
-              <a:t>What does the routine expect on input?		</a:t>
-            </a:r>
-            <a:r>
-              <a:rPr lang="en-US" b="1" dirty="0"/>
-              <a:t>preconditions</a:t>
-            </a:r>
-          </a:p>
-          <a:p>
-            <a:pPr lvl="1">
-              <a:spcBef>
-                <a:spcPts val="200"/>
-              </a:spcBef>
-            </a:pPr>
-            <a:r>
-              <a:rPr lang="en-US" dirty="0"/>
-              <a:t>What does the routine guarantee at completion?	</a:t>
-            </a:r>
-            <a:r>
-              <a:rPr lang="en-US" b="1" dirty="0"/>
-              <a:t>postconditions</a:t>
-            </a:r>
-          </a:p>
-          <a:p>
-            <a:pPr lvl="1">
-              <a:spcBef>
-                <a:spcPts val="200"/>
-              </a:spcBef>
-            </a:pPr>
-            <a:r>
-              <a:rPr lang="en-US" dirty="0"/>
-              <a:t>What does the routine leave unchanged?		</a:t>
-            </a:r>
-            <a:r>
-              <a:rPr lang="en-US" b="1" dirty="0"/>
-              <a:t>invariants</a:t>
-            </a:r>
-          </a:p>
-          <a:p>
-            <a:r>
-              <a:rPr lang="en-US" dirty="0"/>
-              <a:t>Given valid inputs (preconditions satisfied) a routine should guarantee valid outputs (postconditions satisfied, invariants maintained)</a:t>
-            </a:r>
-          </a:p>
-          <a:p>
-            <a:pPr lvl="1">
-              <a:spcBef>
-                <a:spcPts val="200"/>
-              </a:spcBef>
-            </a:pPr>
-            <a:r>
-              <a:rPr lang="en-US" dirty="0"/>
-              <a:t>If the preconditions are not satisfied, the routine should return an error</a:t>
-            </a:r>
-          </a:p>
-          <a:p>
-            <a:pPr lvl="1">
-              <a:spcBef>
-                <a:spcPts val="200"/>
-              </a:spcBef>
-            </a:pPr>
-            <a:r>
-              <a:rPr lang="en-US" dirty="0"/>
-              <a:t>Emphasize low-costs tests that can be always-on</a:t>
-            </a:r>
-          </a:p>
-          <a:p>
-            <a:pPr lvl="1">
-              <a:spcBef>
-                <a:spcPts val="200"/>
-              </a:spcBef>
-            </a:pPr>
-            <a:r>
-              <a:rPr lang="en-US" dirty="0"/>
-              <a:t>May need to be able to switch enforcement of expensive tests on/off (but try not to!)</a:t>
-            </a:r>
-          </a:p>
-          <a:p>
-            <a:r>
-              <a:rPr lang="en-US" dirty="0"/>
-              <a:t>Making the contract explicit facilitates correct use of routines</a:t>
-            </a:r>
-          </a:p>
-          <a:p>
-            <a:pPr lvl="1">
-              <a:spcBef>
-                <a:spcPts val="200"/>
-              </a:spcBef>
-            </a:pPr>
-            <a:r>
-              <a:rPr lang="en-US" dirty="0"/>
-              <a:t>Especially when routine is reused in another context</a:t>
-            </a:r>
-          </a:p>
-          <a:p>
-            <a:pPr lvl="1">
-              <a:spcBef>
-                <a:spcPts val="200"/>
-              </a:spcBef>
-            </a:pPr>
-            <a:r>
-              <a:rPr lang="en-US" dirty="0"/>
-              <a:t>Especially by those not intimately familiar with them</a:t>
-            </a:r>
-          </a:p>
-        </p:txBody>
-      </p:sp>
-    </p:spTree>
-    <p:extLst>
-      <p:ext uri="{BB962C8B-B14F-4D97-AF65-F5344CB8AC3E}">
-        <p14:creationId xmlns:p14="http://schemas.microsoft.com/office/powerpoint/2010/main" val="3685942110"/>
-      </p:ext>
-    </p:extLst>
-  </p:cSld>
-  <p:clrMapOvr>
-    <a:masterClrMapping/>
-  </p:clrMapOvr>
-</p:sld>
-</file>
-
-<file path=ppt/slides/slide24.xml><?xml version="1.0" encoding="utf-8"?>
 <p:sld xmlns:a="http://schemas.openxmlformats.org/drawingml/2006/main" xmlns:r="http://schemas.openxmlformats.org/officeDocument/2006/relationships" xmlns:p="http://schemas.openxmlformats.org/presentationml/2006/main">
   <p:cSld>
     <p:spTree>
@@ -7558,615 +7685,6 @@
             </a:r>
             <a:r>
               <a:rPr lang="en-US" i="1" u="sng" dirty="0"/>
-              <a:t>During</a:t>
-            </a:r>
-            <a:r>
-              <a:rPr lang="en-US" u="sng" dirty="0"/>
-              <a:t> Experiments</a:t>
-            </a:r>
-            <a:r>
-              <a:rPr lang="en-US" dirty="0"/>
-              <a:t> (1/3)</a:t>
-            </a:r>
-          </a:p>
-        </p:txBody>
-      </p:sp>
-      <p:sp>
-        <p:nvSpPr>
-          <p:cNvPr id="3" name="Content Placeholder 2">
-            <a:extLst>
-              <a:ext uri="{FF2B5EF4-FFF2-40B4-BE49-F238E27FC236}">
-                <a16:creationId xmlns:a16="http://schemas.microsoft.com/office/drawing/2014/main" id="{7E3F8F1F-5081-4F6E-81DA-DC14088609D1}"/>
-              </a:ext>
-            </a:extLst>
-          </p:cNvPr>
-          <p:cNvSpPr>
-            <a:spLocks noGrp="1"/>
-          </p:cNvSpPr>
-          <p:nvPr>
-            <p:ph idx="1"/>
-          </p:nvPr>
-        </p:nvSpPr>
-        <p:spPr>
-          <a:xfrm>
-            <a:off x="365760" y="982589"/>
-            <a:ext cx="11369809" cy="4047778"/>
-          </a:xfrm>
-        </p:spPr>
-        <p:txBody>
-          <a:bodyPr/>
-          <a:lstStyle/>
-          <a:p>
-            <a:r>
-              <a:rPr lang="en-US" b="1" dirty="0">
-                <a:solidFill>
-                  <a:schemeClr val="tx2"/>
-                </a:solidFill>
-              </a:rPr>
-              <a:t>What are you going to do, why, and how?</a:t>
-            </a:r>
-          </a:p>
-          <a:p>
-            <a:r>
-              <a:rPr lang="en-US" dirty="0"/>
-              <a:t>Plan your experiments thoroughly</a:t>
-            </a:r>
-          </a:p>
-          <a:p>
-            <a:pPr lvl="1"/>
-            <a:r>
-              <a:rPr lang="en-US" dirty="0"/>
-              <a:t>If you’re in a team, designate </a:t>
-            </a:r>
-            <a:r>
-              <a:rPr lang="en-US" i="1" dirty="0"/>
-              <a:t>one</a:t>
-            </a:r>
-            <a:r>
-              <a:rPr lang="en-US" dirty="0"/>
-              <a:t> person to coordinate the experimental campaign</a:t>
-            </a:r>
-          </a:p>
-          <a:p>
-            <a:pPr lvl="1"/>
-            <a:r>
-              <a:rPr lang="en-US" dirty="0"/>
-              <a:t>Know what you need (in the code, as inputs, as outputs to capture/analyze, etc.)</a:t>
-            </a:r>
-          </a:p>
-          <a:p>
-            <a:pPr lvl="1"/>
-            <a:r>
-              <a:rPr lang="en-US" dirty="0"/>
-              <a:t>Know how you’re going to process or analyze the results</a:t>
-            </a:r>
-          </a:p>
-          <a:p>
-            <a:pPr lvl="1"/>
-            <a:r>
-              <a:rPr lang="en-US" dirty="0"/>
-              <a:t>Know what to expect (in results, performance/cost, etc.)</a:t>
-            </a:r>
-          </a:p>
-          <a:p>
-            <a:pPr lvl="1"/>
-            <a:r>
-              <a:rPr lang="en-US" dirty="0"/>
-              <a:t>How will you convince yourself that your results are trustworthy?</a:t>
-            </a:r>
-          </a:p>
-          <a:p>
-            <a:r>
-              <a:rPr lang="en-US" dirty="0"/>
-              <a:t>Perform pilot/test runs to build confidence in correctness, performance, scaling</a:t>
-            </a:r>
-          </a:p>
-          <a:p>
-            <a:pPr lvl="1"/>
-            <a:r>
-              <a:rPr lang="en-US" dirty="0"/>
-              <a:t>Often useful to pursue an incremental/layered strategy</a:t>
-            </a:r>
-          </a:p>
-          <a:p>
-            <a:r>
-              <a:rPr lang="en-US" dirty="0"/>
-              <a:t>Ensure that you have the resources to store and/or analyze the outputs</a:t>
-            </a:r>
-          </a:p>
-          <a:p>
-            <a:pPr lvl="1"/>
-            <a:r>
-              <a:rPr lang="en-US" dirty="0"/>
-              <a:t>What can you afford to archive?</a:t>
-            </a:r>
-          </a:p>
-          <a:p>
-            <a:pPr lvl="1"/>
-            <a:r>
-              <a:rPr lang="en-US" dirty="0"/>
-              <a:t>What will you need to process and delete?</a:t>
-            </a:r>
-          </a:p>
-          <a:p>
-            <a:pPr lvl="1"/>
-            <a:r>
-              <a:rPr lang="en-US" dirty="0"/>
-              <a:t>What will you need to process during execution or stream?</a:t>
-            </a:r>
-          </a:p>
-        </p:txBody>
-      </p:sp>
-    </p:spTree>
-    <p:extLst>
-      <p:ext uri="{BB962C8B-B14F-4D97-AF65-F5344CB8AC3E}">
-        <p14:creationId xmlns:p14="http://schemas.microsoft.com/office/powerpoint/2010/main" val="3488834746"/>
-      </p:ext>
-    </p:extLst>
-  </p:cSld>
-  <p:clrMapOvr>
-    <a:masterClrMapping/>
-  </p:clrMapOvr>
-</p:sld>
-</file>
-
-<file path=ppt/slides/slide25.xml><?xml version="1.0" encoding="utf-8"?>
-<p:sld xmlns:a="http://schemas.openxmlformats.org/drawingml/2006/main" xmlns:r="http://schemas.openxmlformats.org/officeDocument/2006/relationships" xmlns:p="http://schemas.openxmlformats.org/presentationml/2006/main">
-  <p:cSld>
-    <p:spTree>
-      <p:nvGrpSpPr>
-        <p:cNvPr id="1" name=""/>
-        <p:cNvGrpSpPr/>
-        <p:nvPr/>
-      </p:nvGrpSpPr>
-      <p:grpSpPr>
-        <a:xfrm>
-          <a:off x="0" y="0"/>
-          <a:ext cx="0" cy="0"/>
-          <a:chOff x="0" y="0"/>
-          <a:chExt cx="0" cy="0"/>
-        </a:xfrm>
-      </p:grpSpPr>
-      <p:sp>
-        <p:nvSpPr>
-          <p:cNvPr id="2" name="Title 1">
-            <a:extLst>
-              <a:ext uri="{FF2B5EF4-FFF2-40B4-BE49-F238E27FC236}">
-                <a16:creationId xmlns:a16="http://schemas.microsoft.com/office/drawing/2014/main" id="{AF0E5AE6-BAC5-4D3D-B274-228B336C1693}"/>
-              </a:ext>
-            </a:extLst>
-          </p:cNvPr>
-          <p:cNvSpPr>
-            <a:spLocks noGrp="1"/>
-          </p:cNvSpPr>
-          <p:nvPr>
-            <p:ph type="title"/>
-          </p:nvPr>
-        </p:nvSpPr>
-        <p:spPr/>
-        <p:txBody>
-          <a:bodyPr/>
-          <a:lstStyle/>
-          <a:p>
-            <a:r>
-              <a:rPr lang="en-US" dirty="0"/>
-              <a:t>Strategies for Improving Reproducibility </a:t>
-            </a:r>
-            <a:r>
-              <a:rPr lang="en-US" i="1" u="sng" dirty="0"/>
-              <a:t>During</a:t>
-            </a:r>
-            <a:r>
-              <a:rPr lang="en-US" u="sng" dirty="0"/>
-              <a:t> Experiments</a:t>
-            </a:r>
-            <a:r>
-              <a:rPr lang="en-US" dirty="0"/>
-              <a:t> (2/3)</a:t>
-            </a:r>
-            <a:endParaRPr lang="en-US" u="sng" dirty="0"/>
-          </a:p>
-        </p:txBody>
-      </p:sp>
-      <p:sp>
-        <p:nvSpPr>
-          <p:cNvPr id="3" name="Content Placeholder 2">
-            <a:extLst>
-              <a:ext uri="{FF2B5EF4-FFF2-40B4-BE49-F238E27FC236}">
-                <a16:creationId xmlns:a16="http://schemas.microsoft.com/office/drawing/2014/main" id="{7E3F8F1F-5081-4F6E-81DA-DC14088609D1}"/>
-              </a:ext>
-            </a:extLst>
-          </p:cNvPr>
-          <p:cNvSpPr>
-            <a:spLocks noGrp="1"/>
-          </p:cNvSpPr>
-          <p:nvPr>
-            <p:ph idx="1"/>
-          </p:nvPr>
-        </p:nvSpPr>
-        <p:spPr>
-          <a:xfrm>
-            <a:off x="365760" y="1280165"/>
-            <a:ext cx="11534052" cy="4047778"/>
-          </a:xfrm>
-        </p:spPr>
-        <p:txBody>
-          <a:bodyPr/>
-          <a:lstStyle/>
-          <a:p>
-            <a:r>
-              <a:rPr lang="en-US" b="1" dirty="0">
-                <a:solidFill>
-                  <a:schemeClr val="tx2"/>
-                </a:solidFill>
-              </a:rPr>
-              <a:t>Can you reproduce the code used for each and every experiment?</a:t>
-            </a:r>
-          </a:p>
-          <a:p>
-            <a:pPr lvl="1">
-              <a:spcBef>
-                <a:spcPts val="200"/>
-              </a:spcBef>
-            </a:pPr>
-            <a:r>
-              <a:rPr lang="en-US" b="1" dirty="0">
-                <a:solidFill>
-                  <a:schemeClr val="tx2"/>
-                </a:solidFill>
-              </a:rPr>
-              <a:t>Three years later?</a:t>
-            </a:r>
-          </a:p>
-          <a:p>
-            <a:r>
-              <a:rPr lang="en-US" dirty="0"/>
-              <a:t>Use only well-defined versions of code (i.e., official “releases”, tags, etc.)</a:t>
-            </a:r>
-          </a:p>
-          <a:p>
-            <a:pPr lvl="1">
-              <a:spcBef>
-                <a:spcPts val="200"/>
-              </a:spcBef>
-            </a:pPr>
-            <a:r>
-              <a:rPr lang="en-US" dirty="0"/>
-              <a:t>Master or development branches are often moving targets</a:t>
-            </a:r>
-          </a:p>
-          <a:p>
-            <a:pPr lvl="1">
-              <a:spcBef>
-                <a:spcPts val="200"/>
-              </a:spcBef>
-            </a:pPr>
-            <a:r>
-              <a:rPr lang="en-US" dirty="0"/>
-              <a:t>Capture the exact version of the code used for each experiment</a:t>
-            </a:r>
-          </a:p>
-          <a:p>
-            <a:pPr lvl="2">
-              <a:spcBef>
-                <a:spcPts val="200"/>
-              </a:spcBef>
-            </a:pPr>
-            <a:r>
-              <a:rPr lang="en-US" dirty="0"/>
-              <a:t>Is the code you’re building exactly what’s in the version control repo?</a:t>
-            </a:r>
-          </a:p>
-          <a:p>
-            <a:pPr lvl="1">
-              <a:spcBef>
-                <a:spcPts val="200"/>
-              </a:spcBef>
-            </a:pPr>
-            <a:r>
-              <a:rPr lang="en-US" dirty="0"/>
-              <a:t>Don’t change versions during a related series of experiments (unless you have to)</a:t>
-            </a:r>
-          </a:p>
-          <a:p>
-            <a:pPr lvl="1">
-              <a:spcBef>
-                <a:spcPts val="200"/>
-              </a:spcBef>
-            </a:pPr>
-            <a:r>
-              <a:rPr lang="en-US" dirty="0"/>
-              <a:t>If you have to change versions, know exactly what changed</a:t>
-            </a:r>
-          </a:p>
-          <a:p>
-            <a:pPr lvl="2">
-              <a:spcBef>
-                <a:spcPts val="200"/>
-              </a:spcBef>
-            </a:pPr>
-            <a:r>
-              <a:rPr lang="en-US" dirty="0"/>
-              <a:t>Capture the exact version of the code used for each experiment</a:t>
-            </a:r>
-          </a:p>
-          <a:p>
-            <a:r>
-              <a:rPr lang="en-US" dirty="0"/>
-              <a:t>Continue to use regular testing to identify changes due to the underlying platform</a:t>
-            </a:r>
-          </a:p>
-          <a:p>
-            <a:pPr lvl="1">
-              <a:spcBef>
-                <a:spcPts val="200"/>
-              </a:spcBef>
-            </a:pPr>
-            <a:r>
-              <a:rPr lang="en-US" dirty="0"/>
-              <a:t>E.g., compiler release introduces a new optimization that changes numerical results</a:t>
-            </a:r>
-          </a:p>
-          <a:p>
-            <a:r>
-              <a:rPr lang="en-US" dirty="0"/>
-              <a:t>Use only versions of code that have been thoroughly verified</a:t>
-            </a:r>
-          </a:p>
-          <a:p>
-            <a:r>
-              <a:rPr lang="en-US" dirty="0"/>
-              <a:t>Consider capturing version information of key libraries, compilers, and other dependencies used to build code</a:t>
-            </a:r>
-          </a:p>
-          <a:p>
-            <a:pPr lvl="1">
-              <a:spcBef>
-                <a:spcPts val="200"/>
-              </a:spcBef>
-            </a:pPr>
-            <a:r>
-              <a:rPr lang="en-US" i="1" dirty="0"/>
-              <a:t>Not often done, in practice</a:t>
-            </a:r>
-          </a:p>
-        </p:txBody>
-      </p:sp>
-    </p:spTree>
-    <p:extLst>
-      <p:ext uri="{BB962C8B-B14F-4D97-AF65-F5344CB8AC3E}">
-        <p14:creationId xmlns:p14="http://schemas.microsoft.com/office/powerpoint/2010/main" val="847899985"/>
-      </p:ext>
-    </p:extLst>
-  </p:cSld>
-  <p:clrMapOvr>
-    <a:masterClrMapping/>
-  </p:clrMapOvr>
-</p:sld>
-</file>
-
-<file path=ppt/slides/slide26.xml><?xml version="1.0" encoding="utf-8"?>
-<p:sld xmlns:a="http://schemas.openxmlformats.org/drawingml/2006/main" xmlns:r="http://schemas.openxmlformats.org/officeDocument/2006/relationships" xmlns:p="http://schemas.openxmlformats.org/presentationml/2006/main">
-  <p:cSld>
-    <p:spTree>
-      <p:nvGrpSpPr>
-        <p:cNvPr id="1" name=""/>
-        <p:cNvGrpSpPr/>
-        <p:nvPr/>
-      </p:nvGrpSpPr>
-      <p:grpSpPr>
-        <a:xfrm>
-          <a:off x="0" y="0"/>
-          <a:ext cx="0" cy="0"/>
-          <a:chOff x="0" y="0"/>
-          <a:chExt cx="0" cy="0"/>
-        </a:xfrm>
-      </p:grpSpPr>
-      <p:sp>
-        <p:nvSpPr>
-          <p:cNvPr id="2" name="Title 1">
-            <a:extLst>
-              <a:ext uri="{FF2B5EF4-FFF2-40B4-BE49-F238E27FC236}">
-                <a16:creationId xmlns:a16="http://schemas.microsoft.com/office/drawing/2014/main" id="{AF0E5AE6-BAC5-4D3D-B274-228B336C1693}"/>
-              </a:ext>
-            </a:extLst>
-          </p:cNvPr>
-          <p:cNvSpPr>
-            <a:spLocks noGrp="1"/>
-          </p:cNvSpPr>
-          <p:nvPr>
-            <p:ph type="title"/>
-          </p:nvPr>
-        </p:nvSpPr>
-        <p:spPr/>
-        <p:txBody>
-          <a:bodyPr/>
-          <a:lstStyle/>
-          <a:p>
-            <a:r>
-              <a:rPr lang="en-US" dirty="0"/>
-              <a:t>Strategies for Improving Reproducibility </a:t>
-            </a:r>
-            <a:r>
-              <a:rPr lang="en-US" i="1" u="sng" dirty="0"/>
-              <a:t>During</a:t>
-            </a:r>
-            <a:r>
-              <a:rPr lang="en-US" u="sng" dirty="0"/>
-              <a:t> Experiments</a:t>
-            </a:r>
-            <a:r>
-              <a:rPr lang="en-US" dirty="0"/>
-              <a:t> (3/3)</a:t>
-            </a:r>
-            <a:endParaRPr lang="en-US" u="sng" dirty="0"/>
-          </a:p>
-        </p:txBody>
-      </p:sp>
-      <p:sp>
-        <p:nvSpPr>
-          <p:cNvPr id="3" name="Content Placeholder 2">
-            <a:extLst>
-              <a:ext uri="{FF2B5EF4-FFF2-40B4-BE49-F238E27FC236}">
-                <a16:creationId xmlns:a16="http://schemas.microsoft.com/office/drawing/2014/main" id="{7E3F8F1F-5081-4F6E-81DA-DC14088609D1}"/>
-              </a:ext>
-            </a:extLst>
-          </p:cNvPr>
-          <p:cNvSpPr>
-            <a:spLocks noGrp="1"/>
-          </p:cNvSpPr>
-          <p:nvPr>
-            <p:ph idx="1"/>
-          </p:nvPr>
-        </p:nvSpPr>
-        <p:spPr>
-          <a:xfrm>
-            <a:off x="365760" y="1310145"/>
-            <a:ext cx="11369809" cy="4047778"/>
-          </a:xfrm>
-        </p:spPr>
-        <p:txBody>
-          <a:bodyPr/>
-          <a:lstStyle/>
-          <a:p>
-            <a:r>
-              <a:rPr lang="en-US" b="1" dirty="0">
-                <a:solidFill>
-                  <a:schemeClr val="tx2"/>
-                </a:solidFill>
-              </a:rPr>
-              <a:t>Be thorough in capturing provenance</a:t>
-            </a:r>
-          </a:p>
-          <a:p>
-            <a:pPr lvl="1"/>
-            <a:r>
-              <a:rPr lang="en-US" b="1" dirty="0">
-                <a:solidFill>
-                  <a:schemeClr val="tx2"/>
-                </a:solidFill>
-              </a:rPr>
-              <a:t> Agents (codes), entities (inputs, outputs, etc.), activities (the transformation)</a:t>
-            </a:r>
-          </a:p>
-          <a:p>
-            <a:r>
-              <a:rPr lang="en-US" dirty="0"/>
-              <a:t>Capture code version</a:t>
-            </a:r>
-          </a:p>
-          <a:p>
-            <a:r>
-              <a:rPr lang="en-US" dirty="0"/>
-              <a:t>Capture all inputs/configuration information for each experiment</a:t>
-            </a:r>
-          </a:p>
-          <a:p>
-            <a:r>
-              <a:rPr lang="en-US" dirty="0"/>
-              <a:t>Use multiple systems to ensure that you can correctly associate inputs, outputs, and code versions</a:t>
-            </a:r>
-          </a:p>
-          <a:p>
-            <a:pPr lvl="1"/>
-            <a:r>
-              <a:rPr lang="en-US" dirty="0"/>
-              <a:t>Systematic directory and file naming conventions</a:t>
-            </a:r>
-          </a:p>
-          <a:p>
-            <a:pPr lvl="1"/>
-            <a:r>
-              <a:rPr lang="en-US" dirty="0"/>
-              <a:t>Separate written notes (paper notebook, electronic notebook)</a:t>
-            </a:r>
-          </a:p>
-          <a:p>
-            <a:pPr lvl="2"/>
-            <a:r>
-              <a:rPr lang="en-US" dirty="0"/>
-              <a:t>Lab notebooks aren’t just for people who literally work in a laboratory!</a:t>
-            </a:r>
-          </a:p>
-          <a:p>
-            <a:pPr lvl="1"/>
-            <a:r>
-              <a:rPr lang="en-US" dirty="0"/>
-              <a:t>Scripts to orchestrate experiments (versioned and captured)</a:t>
-            </a:r>
-          </a:p>
-          <a:p>
-            <a:pPr lvl="1"/>
-            <a:r>
-              <a:rPr lang="en-US" dirty="0"/>
-              <a:t>Version control (if data is not too large)</a:t>
-            </a:r>
-          </a:p>
-          <a:p>
-            <a:r>
-              <a:rPr lang="en-US" dirty="0"/>
-              <a:t>Capture important outputs (as feasible)</a:t>
-            </a:r>
-          </a:p>
-        </p:txBody>
-      </p:sp>
-    </p:spTree>
-    <p:extLst>
-      <p:ext uri="{BB962C8B-B14F-4D97-AF65-F5344CB8AC3E}">
-        <p14:creationId xmlns:p14="http://schemas.microsoft.com/office/powerpoint/2010/main" val="1441357727"/>
-      </p:ext>
-    </p:extLst>
-  </p:cSld>
-  <p:clrMapOvr>
-    <a:masterClrMapping/>
-  </p:clrMapOvr>
-</p:sld>
-</file>
-
-<file path=ppt/slides/slide27.xml><?xml version="1.0" encoding="utf-8"?>
-<p:sld xmlns:a="http://schemas.openxmlformats.org/drawingml/2006/main" xmlns:r="http://schemas.openxmlformats.org/officeDocument/2006/relationships" xmlns:p="http://schemas.openxmlformats.org/presentationml/2006/main">
-  <p:cSld>
-    <p:spTree>
-      <p:nvGrpSpPr>
-        <p:cNvPr id="1" name=""/>
-        <p:cNvGrpSpPr/>
-        <p:nvPr/>
-      </p:nvGrpSpPr>
-      <p:grpSpPr>
-        <a:xfrm>
-          <a:off x="0" y="0"/>
-          <a:ext cx="0" cy="0"/>
-          <a:chOff x="0" y="0"/>
-          <a:chExt cx="0" cy="0"/>
-        </a:xfrm>
-      </p:grpSpPr>
-      <p:sp>
-        <p:nvSpPr>
-          <p:cNvPr id="2" name="Title 1">
-            <a:extLst>
-              <a:ext uri="{FF2B5EF4-FFF2-40B4-BE49-F238E27FC236}">
-                <a16:creationId xmlns:a16="http://schemas.microsoft.com/office/drawing/2014/main" id="{AF0E5AE6-BAC5-4D3D-B274-228B336C1693}"/>
-              </a:ext>
-            </a:extLst>
-          </p:cNvPr>
-          <p:cNvSpPr>
-            <a:spLocks noGrp="1"/>
-          </p:cNvSpPr>
-          <p:nvPr>
-            <p:ph type="title"/>
-          </p:nvPr>
-        </p:nvSpPr>
-        <p:spPr/>
-        <p:txBody>
-          <a:bodyPr/>
-          <a:lstStyle/>
-          <a:p>
-            <a:r>
-              <a:rPr lang="en-US" dirty="0"/>
-              <a:t>Strategies for Improving Reproducibility </a:t>
-            </a:r>
-            <a:r>
-              <a:rPr lang="en-US" i="1" u="sng" dirty="0"/>
               <a:t>After</a:t>
             </a:r>
             <a:r>
@@ -8353,7 +7871,7 @@
 </p:sld>
 </file>
 
-<file path=ppt/slides/slide28.xml><?xml version="1.0" encoding="utf-8"?>
+<file path=ppt/slides/slide23.xml><?xml version="1.0" encoding="utf-8"?>
 <p:sld xmlns:a="http://schemas.openxmlformats.org/drawingml/2006/main" xmlns:r="http://schemas.openxmlformats.org/officeDocument/2006/relationships" xmlns:p="http://schemas.openxmlformats.org/presentationml/2006/main">
   <p:cSld>
     <p:spTree>
@@ -8551,7 +8069,7 @@
 </p:sld>
 </file>
 
-<file path=ppt/slides/slide29.xml><?xml version="1.0" encoding="utf-8"?>
+<file path=ppt/slides/slide24.xml><?xml version="1.0" encoding="utf-8"?>
 <p:sld xmlns:a="http://schemas.openxmlformats.org/drawingml/2006/main" xmlns:r="http://schemas.openxmlformats.org/officeDocument/2006/relationships" xmlns:p="http://schemas.openxmlformats.org/presentationml/2006/main">
   <p:cSld>
     <p:spTree>
@@ -8706,6 +8224,1137 @@
     <p:extLst>
       <p:ext uri="{BB962C8B-B14F-4D97-AF65-F5344CB8AC3E}">
         <p14:creationId xmlns:p14="http://schemas.microsoft.com/office/powerpoint/2010/main" val="4072028838"/>
+      </p:ext>
+    </p:extLst>
+  </p:cSld>
+  <p:clrMapOvr>
+    <a:masterClrMapping/>
+  </p:clrMapOvr>
+</p:sld>
+</file>
+
+<file path=ppt/slides/slide25.xml><?xml version="1.0" encoding="utf-8"?>
+<p:sld xmlns:a="http://schemas.openxmlformats.org/drawingml/2006/main" xmlns:r="http://schemas.openxmlformats.org/officeDocument/2006/relationships" xmlns:p="http://schemas.openxmlformats.org/presentationml/2006/main">
+  <p:cSld>
+    <p:spTree>
+      <p:nvGrpSpPr>
+        <p:cNvPr id="1" name=""/>
+        <p:cNvGrpSpPr/>
+        <p:nvPr/>
+      </p:nvGrpSpPr>
+      <p:grpSpPr>
+        <a:xfrm>
+          <a:off x="0" y="0"/>
+          <a:ext cx="0" cy="0"/>
+          <a:chOff x="0" y="0"/>
+          <a:chExt cx="0" cy="0"/>
+        </a:xfrm>
+      </p:grpSpPr>
+      <p:sp>
+        <p:nvSpPr>
+          <p:cNvPr id="2" name="Title 1">
+            <a:extLst>
+              <a:ext uri="{FF2B5EF4-FFF2-40B4-BE49-F238E27FC236}">
+                <a16:creationId xmlns:a16="http://schemas.microsoft.com/office/drawing/2014/main" id="{741C6884-C6AA-FE48-AE95-62434E5C1F6B}"/>
+              </a:ext>
+            </a:extLst>
+          </p:cNvPr>
+          <p:cNvSpPr>
+            <a:spLocks noGrp="1"/>
+          </p:cNvSpPr>
+          <p:nvPr>
+            <p:ph type="title"/>
+          </p:nvPr>
+        </p:nvSpPr>
+        <p:spPr/>
+        <p:txBody>
+          <a:bodyPr/>
+          <a:lstStyle/>
+          <a:p>
+            <a:r>
+              <a:rPr lang="en-US" dirty="0"/>
+              <a:t>Initiatives for Data Management and Publication</a:t>
+            </a:r>
+          </a:p>
+        </p:txBody>
+      </p:sp>
+      <p:sp>
+        <p:nvSpPr>
+          <p:cNvPr id="3" name="Content Placeholder 2">
+            <a:extLst>
+              <a:ext uri="{FF2B5EF4-FFF2-40B4-BE49-F238E27FC236}">
+                <a16:creationId xmlns:a16="http://schemas.microsoft.com/office/drawing/2014/main" id="{E7FD0E5D-67BF-1245-932A-5CBC55AF586C}"/>
+              </a:ext>
+            </a:extLst>
+          </p:cNvPr>
+          <p:cNvSpPr>
+            <a:spLocks noGrp="1"/>
+          </p:cNvSpPr>
+          <p:nvPr>
+            <p:ph idx="1"/>
+          </p:nvPr>
+        </p:nvSpPr>
+        <p:spPr/>
+        <p:txBody>
+          <a:bodyPr/>
+          <a:lstStyle/>
+          <a:p>
+            <a:endParaRPr lang="en-US" dirty="0"/>
+          </a:p>
+        </p:txBody>
+      </p:sp>
+    </p:spTree>
+    <p:extLst>
+      <p:ext uri="{BB962C8B-B14F-4D97-AF65-F5344CB8AC3E}">
+        <p14:creationId xmlns:p14="http://schemas.microsoft.com/office/powerpoint/2010/main" val="3281235976"/>
+      </p:ext>
+    </p:extLst>
+  </p:cSld>
+  <p:clrMapOvr>
+    <a:masterClrMapping/>
+  </p:clrMapOvr>
+</p:sld>
+</file>
+
+<file path=ppt/slides/slide26.xml><?xml version="1.0" encoding="utf-8"?>
+<p:sld xmlns:a="http://schemas.openxmlformats.org/drawingml/2006/main" xmlns:r="http://schemas.openxmlformats.org/officeDocument/2006/relationships" xmlns:p="http://schemas.openxmlformats.org/presentationml/2006/main">
+  <p:cSld>
+    <p:spTree>
+      <p:nvGrpSpPr>
+        <p:cNvPr id="1" name=""/>
+        <p:cNvGrpSpPr/>
+        <p:nvPr/>
+      </p:nvGrpSpPr>
+      <p:grpSpPr>
+        <a:xfrm>
+          <a:off x="0" y="0"/>
+          <a:ext cx="0" cy="0"/>
+          <a:chOff x="0" y="0"/>
+          <a:chExt cx="0" cy="0"/>
+        </a:xfrm>
+      </p:grpSpPr>
+      <p:sp>
+        <p:nvSpPr>
+          <p:cNvPr id="4" name="Title 3">
+            <a:extLst>
+              <a:ext uri="{FF2B5EF4-FFF2-40B4-BE49-F238E27FC236}">
+                <a16:creationId xmlns:a16="http://schemas.microsoft.com/office/drawing/2014/main" id="{672F71E0-47A2-4020-9B2A-62C994864519}"/>
+              </a:ext>
+            </a:extLst>
+          </p:cNvPr>
+          <p:cNvSpPr>
+            <a:spLocks noGrp="1"/>
+          </p:cNvSpPr>
+          <p:nvPr>
+            <p:ph type="title"/>
+          </p:nvPr>
+        </p:nvSpPr>
+        <p:spPr/>
+        <p:txBody>
+          <a:bodyPr/>
+          <a:lstStyle/>
+          <a:p>
+            <a:r>
+              <a:rPr lang="en-US" dirty="0"/>
+              <a:t>Setting Expectations for Your Data</a:t>
+            </a:r>
+          </a:p>
+        </p:txBody>
+      </p:sp>
+      <p:sp>
+        <p:nvSpPr>
+          <p:cNvPr id="5" name="Text Placeholder 4">
+            <a:extLst>
+              <a:ext uri="{FF2B5EF4-FFF2-40B4-BE49-F238E27FC236}">
+                <a16:creationId xmlns:a16="http://schemas.microsoft.com/office/drawing/2014/main" id="{5C43CE43-3F69-454F-91AA-79F31589C030}"/>
+              </a:ext>
+            </a:extLst>
+          </p:cNvPr>
+          <p:cNvSpPr>
+            <a:spLocks noGrp="1"/>
+          </p:cNvSpPr>
+          <p:nvPr>
+            <p:ph type="body" idx="1"/>
+          </p:nvPr>
+        </p:nvSpPr>
+        <p:spPr>
+          <a:xfrm>
+            <a:off x="457200" y="873418"/>
+            <a:ext cx="5588582" cy="821190"/>
+          </a:xfrm>
+        </p:spPr>
+        <p:txBody>
+          <a:bodyPr/>
+          <a:lstStyle/>
+          <a:p>
+            <a:r>
+              <a:rPr lang="en-US" dirty="0"/>
+              <a:t>Data Management Plans</a:t>
+            </a:r>
+          </a:p>
+        </p:txBody>
+      </p:sp>
+      <p:sp>
+        <p:nvSpPr>
+          <p:cNvPr id="6" name="Content Placeholder 5">
+            <a:extLst>
+              <a:ext uri="{FF2B5EF4-FFF2-40B4-BE49-F238E27FC236}">
+                <a16:creationId xmlns:a16="http://schemas.microsoft.com/office/drawing/2014/main" id="{D66E6D61-44C6-4432-83DF-8B05B0B813B2}"/>
+              </a:ext>
+            </a:extLst>
+          </p:cNvPr>
+          <p:cNvSpPr>
+            <a:spLocks noGrp="1"/>
+          </p:cNvSpPr>
+          <p:nvPr>
+            <p:ph sz="half" idx="2"/>
+          </p:nvPr>
+        </p:nvSpPr>
+        <p:spPr>
+          <a:xfrm>
+            <a:off x="457200" y="1694608"/>
+            <a:ext cx="5588582" cy="3373229"/>
+          </a:xfrm>
+        </p:spPr>
+        <p:txBody>
+          <a:bodyPr/>
+          <a:lstStyle/>
+          <a:p>
+            <a:r>
+              <a:rPr lang="en-US" dirty="0"/>
+              <a:t>Most research sponsors require data management plans as part of proposals</a:t>
+            </a:r>
+          </a:p>
+          <a:p>
+            <a:r>
+              <a:rPr lang="en-US" dirty="0"/>
+              <a:t>Example: NSF policy on </a:t>
+            </a:r>
+            <a:r>
+              <a:rPr lang="en-US" dirty="0">
+                <a:hlinkClick r:id="rId2"/>
+              </a:rPr>
+              <a:t>Dissemination and Sharing of Research Results</a:t>
+            </a:r>
+            <a:endParaRPr lang="en-US" dirty="0"/>
+          </a:p>
+          <a:p>
+            <a:pPr lvl="1">
+              <a:spcBef>
+                <a:spcPts val="200"/>
+              </a:spcBef>
+            </a:pPr>
+            <a:r>
+              <a:rPr lang="en-US" dirty="0"/>
+              <a:t>Promptly publish with appropriate authorship</a:t>
+            </a:r>
+          </a:p>
+          <a:p>
+            <a:pPr lvl="1">
+              <a:spcBef>
+                <a:spcPts val="200"/>
+              </a:spcBef>
+            </a:pPr>
+            <a:r>
+              <a:rPr lang="en-US" dirty="0"/>
+              <a:t>Share data, samples, physical collections, and supporting materials with others, within a reasonable time frame</a:t>
+            </a:r>
+          </a:p>
+          <a:p>
+            <a:pPr lvl="1">
+              <a:spcBef>
+                <a:spcPts val="200"/>
+              </a:spcBef>
+            </a:pPr>
+            <a:r>
+              <a:rPr lang="en-US" dirty="0"/>
+              <a:t>Share software and inventions</a:t>
+            </a:r>
+          </a:p>
+          <a:p>
+            <a:pPr lvl="1">
+              <a:spcBef>
+                <a:spcPts val="200"/>
+              </a:spcBef>
+            </a:pPr>
+            <a:r>
+              <a:rPr lang="en-US" dirty="0"/>
+              <a:t>Investigators can keep their legal rights over their intellectual property, but they still have to make their results, data, and collections available to others</a:t>
+            </a:r>
+          </a:p>
+          <a:p>
+            <a:pPr lvl="1">
+              <a:spcBef>
+                <a:spcPts val="200"/>
+              </a:spcBef>
+            </a:pPr>
+            <a:r>
+              <a:rPr lang="en-US" dirty="0"/>
+              <a:t>Policies will be implemented via</a:t>
+            </a:r>
+          </a:p>
+          <a:p>
+            <a:pPr lvl="2">
+              <a:spcBef>
+                <a:spcPts val="200"/>
+              </a:spcBef>
+            </a:pPr>
+            <a:r>
+              <a:rPr lang="en-US" dirty="0"/>
+              <a:t>Proposal review</a:t>
+            </a:r>
+          </a:p>
+          <a:p>
+            <a:pPr lvl="2">
+              <a:spcBef>
+                <a:spcPts val="200"/>
+              </a:spcBef>
+            </a:pPr>
+            <a:r>
+              <a:rPr lang="en-US" dirty="0"/>
+              <a:t>Award negotiations and conditions</a:t>
+            </a:r>
+          </a:p>
+          <a:p>
+            <a:pPr lvl="2">
+              <a:spcBef>
+                <a:spcPts val="200"/>
+              </a:spcBef>
+            </a:pPr>
+            <a:r>
+              <a:rPr lang="en-US" dirty="0"/>
+              <a:t>Support/incentives</a:t>
+            </a:r>
+          </a:p>
+        </p:txBody>
+      </p:sp>
+      <p:sp>
+        <p:nvSpPr>
+          <p:cNvPr id="7" name="Text Placeholder 6">
+            <a:extLst>
+              <a:ext uri="{FF2B5EF4-FFF2-40B4-BE49-F238E27FC236}">
+                <a16:creationId xmlns:a16="http://schemas.microsoft.com/office/drawing/2014/main" id="{7FA9370A-7387-4D95-8D73-35942A83C120}"/>
+              </a:ext>
+            </a:extLst>
+          </p:cNvPr>
+          <p:cNvSpPr>
+            <a:spLocks noGrp="1"/>
+          </p:cNvSpPr>
+          <p:nvPr>
+            <p:ph type="body" sz="quarter" idx="3"/>
+          </p:nvPr>
+        </p:nvSpPr>
+        <p:spPr>
+          <a:xfrm>
+            <a:off x="6218914" y="873418"/>
+            <a:ext cx="5531934" cy="821190"/>
+          </a:xfrm>
+        </p:spPr>
+        <p:txBody>
+          <a:bodyPr/>
+          <a:lstStyle/>
+          <a:p>
+            <a:r>
+              <a:rPr lang="en-US" dirty="0"/>
+              <a:t>FAIR Data Principles</a:t>
+            </a:r>
+          </a:p>
+        </p:txBody>
+      </p:sp>
+      <p:sp>
+        <p:nvSpPr>
+          <p:cNvPr id="8" name="Content Placeholder 7">
+            <a:extLst>
+              <a:ext uri="{FF2B5EF4-FFF2-40B4-BE49-F238E27FC236}">
+                <a16:creationId xmlns:a16="http://schemas.microsoft.com/office/drawing/2014/main" id="{78928391-B382-4CEF-AAAA-6902053F38C2}"/>
+              </a:ext>
+            </a:extLst>
+          </p:cNvPr>
+          <p:cNvSpPr>
+            <a:spLocks noGrp="1"/>
+          </p:cNvSpPr>
+          <p:nvPr>
+            <p:ph sz="quarter" idx="4"/>
+          </p:nvPr>
+        </p:nvSpPr>
+        <p:spPr>
+          <a:xfrm>
+            <a:off x="6218914" y="1694608"/>
+            <a:ext cx="5531934" cy="3373229"/>
+          </a:xfrm>
+        </p:spPr>
+        <p:txBody>
+          <a:bodyPr/>
+          <a:lstStyle/>
+          <a:p>
+            <a:r>
+              <a:rPr lang="en-US" dirty="0"/>
+              <a:t>Address data producers and publishers to promote maximum use of research data</a:t>
+            </a:r>
+          </a:p>
+          <a:p>
+            <a:r>
+              <a:rPr lang="en-US" dirty="0"/>
+              <a:t>Findability</a:t>
+            </a:r>
+          </a:p>
+          <a:p>
+            <a:pPr lvl="1">
+              <a:spcBef>
+                <a:spcPts val="200"/>
+              </a:spcBef>
+            </a:pPr>
+            <a:r>
+              <a:rPr lang="en-US" sz="1600" dirty="0"/>
+              <a:t>Data and supplementary materials have sufficiently rich metadata and a unique and persistent identifier.</a:t>
+            </a:r>
+          </a:p>
+          <a:p>
+            <a:pPr>
+              <a:spcBef>
+                <a:spcPts val="800"/>
+              </a:spcBef>
+            </a:pPr>
+            <a:r>
+              <a:rPr lang="en-US" dirty="0"/>
+              <a:t>Accessibility</a:t>
+            </a:r>
+          </a:p>
+          <a:p>
+            <a:pPr lvl="1">
+              <a:spcBef>
+                <a:spcPts val="200"/>
+              </a:spcBef>
+            </a:pPr>
+            <a:r>
+              <a:rPr lang="en-US" sz="1600" dirty="0"/>
+              <a:t>Metadata and data are understandable to humans and machines. Data is deposited in a trusted repository.</a:t>
+            </a:r>
+            <a:endParaRPr lang="en-US" dirty="0"/>
+          </a:p>
+          <a:p>
+            <a:pPr>
+              <a:spcBef>
+                <a:spcPts val="800"/>
+              </a:spcBef>
+            </a:pPr>
+            <a:r>
+              <a:rPr lang="en-US" dirty="0"/>
+              <a:t>Interoperability</a:t>
+            </a:r>
+          </a:p>
+          <a:p>
+            <a:pPr lvl="1">
+              <a:spcBef>
+                <a:spcPts val="200"/>
+              </a:spcBef>
+            </a:pPr>
+            <a:r>
+              <a:rPr lang="en-US" sz="1600" dirty="0"/>
+              <a:t>Metadata use a formal, accessible, shared, and broadly applicable language for knowledge representation.</a:t>
+            </a:r>
+          </a:p>
+          <a:p>
+            <a:pPr>
+              <a:spcBef>
+                <a:spcPts val="800"/>
+              </a:spcBef>
+            </a:pPr>
+            <a:r>
+              <a:rPr lang="en-US" dirty="0"/>
+              <a:t>Reusability</a:t>
+            </a:r>
+          </a:p>
+          <a:p>
+            <a:pPr lvl="1">
+              <a:spcBef>
+                <a:spcPts val="200"/>
+              </a:spcBef>
+            </a:pPr>
+            <a:r>
+              <a:rPr lang="en-US" sz="1600" dirty="0"/>
+              <a:t>Data and collections have a clear usage licenses and provide accurate information on provenance.</a:t>
+            </a:r>
+          </a:p>
+        </p:txBody>
+      </p:sp>
+    </p:spTree>
+    <p:extLst>
+      <p:ext uri="{BB962C8B-B14F-4D97-AF65-F5344CB8AC3E}">
+        <p14:creationId xmlns:p14="http://schemas.microsoft.com/office/powerpoint/2010/main" val="3993795658"/>
+      </p:ext>
+    </p:extLst>
+  </p:cSld>
+  <p:clrMapOvr>
+    <a:masterClrMapping/>
+  </p:clrMapOvr>
+</p:sld>
+</file>
+
+<file path=ppt/slides/slide27.xml><?xml version="1.0" encoding="utf-8"?>
+<p:sld xmlns:a="http://schemas.openxmlformats.org/drawingml/2006/main" xmlns:r="http://schemas.openxmlformats.org/officeDocument/2006/relationships" xmlns:p="http://schemas.openxmlformats.org/presentationml/2006/main">
+  <p:cSld>
+    <p:spTree>
+      <p:nvGrpSpPr>
+        <p:cNvPr id="1" name=""/>
+        <p:cNvGrpSpPr/>
+        <p:nvPr/>
+      </p:nvGrpSpPr>
+      <p:grpSpPr>
+        <a:xfrm>
+          <a:off x="0" y="0"/>
+          <a:ext cx="0" cy="0"/>
+          <a:chOff x="0" y="0"/>
+          <a:chExt cx="0" cy="0"/>
+        </a:xfrm>
+      </p:grpSpPr>
+      <p:sp>
+        <p:nvSpPr>
+          <p:cNvPr id="2" name="Title 1"/>
+          <p:cNvSpPr>
+            <a:spLocks noGrp="1"/>
+          </p:cNvSpPr>
+          <p:nvPr>
+            <p:ph type="title"/>
+          </p:nvPr>
+        </p:nvSpPr>
+        <p:spPr/>
+        <p:txBody>
+          <a:bodyPr/>
+          <a:lstStyle/>
+          <a:p>
+            <a:r>
+              <a:rPr lang="en-US" dirty="0"/>
+              <a:t> ACM TOMS Reproducible Computational Results (RCR)</a:t>
+            </a:r>
+          </a:p>
+        </p:txBody>
+      </p:sp>
+      <p:sp>
+        <p:nvSpPr>
+          <p:cNvPr id="3" name="Content Placeholder 2"/>
+          <p:cNvSpPr>
+            <a:spLocks noGrp="1"/>
+          </p:cNvSpPr>
+          <p:nvPr>
+            <p:ph sz="quarter" idx="1"/>
+          </p:nvPr>
+        </p:nvSpPr>
+        <p:spPr>
+          <a:xfrm>
+            <a:off x="365760" y="930168"/>
+            <a:ext cx="11369809" cy="4047778"/>
+          </a:xfrm>
+        </p:spPr>
+        <p:txBody>
+          <a:bodyPr/>
+          <a:lstStyle/>
+          <a:p>
+            <a:pPr>
+              <a:spcBef>
+                <a:spcPts val="800"/>
+              </a:spcBef>
+            </a:pPr>
+            <a:r>
+              <a:rPr lang="en-US" dirty="0"/>
+              <a:t>Submission: Optional RCR option</a:t>
+            </a:r>
+          </a:p>
+          <a:p>
+            <a:pPr>
+              <a:spcBef>
+                <a:spcPts val="800"/>
+              </a:spcBef>
+            </a:pPr>
+            <a:r>
+              <a:rPr lang="en-US" dirty="0"/>
+              <a:t>Standard reviewer assignment: Nothing changes</a:t>
+            </a:r>
+          </a:p>
+          <a:p>
+            <a:pPr>
+              <a:spcBef>
+                <a:spcPts val="800"/>
+              </a:spcBef>
+            </a:pPr>
+            <a:r>
+              <a:rPr lang="en-US" dirty="0"/>
+              <a:t>RCR reviewer assignment:</a:t>
+            </a:r>
+          </a:p>
+          <a:p>
+            <a:pPr lvl="1">
+              <a:spcBef>
+                <a:spcPts val="200"/>
+              </a:spcBef>
+            </a:pPr>
+            <a:r>
+              <a:rPr lang="en-US" dirty="0"/>
+              <a:t>Concurrent with standard reviews</a:t>
+            </a:r>
+          </a:p>
+          <a:p>
+            <a:pPr lvl="1">
+              <a:spcBef>
+                <a:spcPts val="200"/>
+              </a:spcBef>
+            </a:pPr>
+            <a:r>
+              <a:rPr lang="en-US" dirty="0"/>
+              <a:t>As early as possible in review process</a:t>
+            </a:r>
+          </a:p>
+          <a:p>
+            <a:pPr lvl="1">
+              <a:spcBef>
+                <a:spcPts val="200"/>
+              </a:spcBef>
+            </a:pPr>
+            <a:r>
+              <a:rPr lang="en-US" dirty="0"/>
+              <a:t>Known to and works with authors during the RCR process</a:t>
+            </a:r>
+          </a:p>
+          <a:p>
+            <a:pPr>
+              <a:spcBef>
+                <a:spcPts val="800"/>
+              </a:spcBef>
+            </a:pPr>
+            <a:r>
+              <a:rPr lang="en-US" dirty="0"/>
+              <a:t>RCR process: </a:t>
+            </a:r>
+          </a:p>
+          <a:p>
+            <a:pPr lvl="1">
+              <a:spcBef>
+                <a:spcPts val="200"/>
+              </a:spcBef>
+            </a:pPr>
+            <a:r>
+              <a:rPr lang="en-US" dirty="0"/>
+              <a:t>Multi-faceted approach, Bottom line: Trust the reviewer</a:t>
+            </a:r>
+          </a:p>
+          <a:p>
+            <a:pPr>
+              <a:spcBef>
+                <a:spcPts val="800"/>
+              </a:spcBef>
+            </a:pPr>
+            <a:r>
+              <a:rPr lang="en-US" dirty="0"/>
+              <a:t>Publication: </a:t>
+            </a:r>
+          </a:p>
+          <a:p>
+            <a:pPr lvl="1">
+              <a:spcBef>
+                <a:spcPts val="200"/>
+              </a:spcBef>
+            </a:pPr>
+            <a:r>
+              <a:rPr lang="en-US" dirty="0"/>
+              <a:t>Reproducible Computational Results Designation</a:t>
+            </a:r>
+          </a:p>
+          <a:p>
+            <a:pPr lvl="1">
+              <a:spcBef>
+                <a:spcPts val="200"/>
+              </a:spcBef>
+            </a:pPr>
+            <a:r>
+              <a:rPr lang="en-US" dirty="0"/>
+              <a:t>The RCR referee acknowledged</a:t>
+            </a:r>
+          </a:p>
+          <a:p>
+            <a:pPr lvl="1">
+              <a:spcBef>
+                <a:spcPts val="200"/>
+              </a:spcBef>
+            </a:pPr>
+            <a:r>
+              <a:rPr lang="en-US" dirty="0"/>
+              <a:t>Review report appears with published manuscript</a:t>
+            </a:r>
+          </a:p>
+          <a:p>
+            <a:pPr>
+              <a:spcBef>
+                <a:spcPts val="800"/>
+              </a:spcBef>
+            </a:pPr>
+            <a:r>
+              <a:rPr lang="en-US" dirty="0"/>
+              <a:t>Incentives:</a:t>
+            </a:r>
+          </a:p>
+          <a:p>
+            <a:pPr lvl="1">
+              <a:spcBef>
+                <a:spcPts val="200"/>
+              </a:spcBef>
+            </a:pPr>
+            <a:r>
+              <a:rPr lang="en-US" dirty="0"/>
+              <a:t>Journal: raises the credibility/quality/rigor of papers it publishes</a:t>
+            </a:r>
+          </a:p>
+          <a:p>
+            <a:pPr lvl="1">
+              <a:spcBef>
+                <a:spcPts val="200"/>
+              </a:spcBef>
+            </a:pPr>
+            <a:r>
+              <a:rPr lang="en-US" dirty="0"/>
+              <a:t>Authors: badging indicates additional credibility/quality/rigor of paper</a:t>
+            </a:r>
+          </a:p>
+          <a:p>
+            <a:pPr lvl="1">
+              <a:spcBef>
+                <a:spcPts val="200"/>
+              </a:spcBef>
+            </a:pPr>
+            <a:r>
+              <a:rPr lang="en-US" dirty="0"/>
+              <a:t>Reviewer: companion publication</a:t>
+            </a:r>
+          </a:p>
+        </p:txBody>
+      </p:sp>
+      <p:pic>
+        <p:nvPicPr>
+          <p:cNvPr id="4" name="Picture 3" descr="TOMS_RCR_Badge.png"/>
+          <p:cNvPicPr>
+            <a:picLocks noChangeAspect="1"/>
+          </p:cNvPicPr>
+          <p:nvPr/>
+        </p:nvPicPr>
+        <p:blipFill>
+          <a:blip r:embed="rId2" cstate="print">
+            <a:extLst>
+              <a:ext uri="{28A0092B-C50C-407E-A947-70E740481C1C}">
+                <a14:useLocalDpi xmlns:a14="http://schemas.microsoft.com/office/drawing/2010/main" val="0"/>
+              </a:ext>
+            </a:extLst>
+          </a:blip>
+          <a:stretch>
+            <a:fillRect/>
+          </a:stretch>
+        </p:blipFill>
+        <p:spPr>
+          <a:xfrm>
+            <a:off x="8884039" y="1182644"/>
+            <a:ext cx="1735947" cy="1753752"/>
+          </a:xfrm>
+          <a:prstGeom prst="rect">
+            <a:avLst/>
+          </a:prstGeom>
+        </p:spPr>
+      </p:pic>
+    </p:spTree>
+    <p:extLst>
+      <p:ext uri="{BB962C8B-B14F-4D97-AF65-F5344CB8AC3E}">
+        <p14:creationId xmlns:p14="http://schemas.microsoft.com/office/powerpoint/2010/main" val="2703496536"/>
+      </p:ext>
+    </p:extLst>
+  </p:cSld>
+  <p:clrMapOvr>
+    <a:masterClrMapping/>
+  </p:clrMapOvr>
+</p:sld>
+</file>
+
+<file path=ppt/slides/slide28.xml><?xml version="1.0" encoding="utf-8"?>
+<p:sld xmlns:a="http://schemas.openxmlformats.org/drawingml/2006/main" xmlns:r="http://schemas.openxmlformats.org/officeDocument/2006/relationships" xmlns:p="http://schemas.openxmlformats.org/presentationml/2006/main">
+  <p:cSld>
+    <p:spTree>
+      <p:nvGrpSpPr>
+        <p:cNvPr id="1" name=""/>
+        <p:cNvGrpSpPr/>
+        <p:nvPr/>
+      </p:nvGrpSpPr>
+      <p:grpSpPr>
+        <a:xfrm>
+          <a:off x="0" y="0"/>
+          <a:ext cx="0" cy="0"/>
+          <a:chOff x="0" y="0"/>
+          <a:chExt cx="0" cy="0"/>
+        </a:xfrm>
+      </p:grpSpPr>
+      <p:sp>
+        <p:nvSpPr>
+          <p:cNvPr id="4" name="Title 3"/>
+          <p:cNvSpPr>
+            <a:spLocks noGrp="1"/>
+          </p:cNvSpPr>
+          <p:nvPr>
+            <p:ph type="title"/>
+          </p:nvPr>
+        </p:nvSpPr>
+        <p:spPr/>
+        <p:txBody>
+          <a:bodyPr/>
+          <a:lstStyle/>
+          <a:p>
+            <a:r>
+              <a:rPr lang="en-US" dirty="0"/>
+              <a:t>SC20 Transparency and  Reproducibility Initiative</a:t>
+            </a:r>
+          </a:p>
+        </p:txBody>
+      </p:sp>
+      <p:sp>
+        <p:nvSpPr>
+          <p:cNvPr id="5" name="Content Placeholder 4"/>
+          <p:cNvSpPr>
+            <a:spLocks noGrp="1"/>
+          </p:cNvSpPr>
+          <p:nvPr>
+            <p:ph sz="quarter" idx="1"/>
+          </p:nvPr>
+        </p:nvSpPr>
+        <p:spPr>
+          <a:xfrm>
+            <a:off x="365760" y="1141612"/>
+            <a:ext cx="11369809" cy="4047778"/>
+          </a:xfrm>
+        </p:spPr>
+        <p:txBody>
+          <a:bodyPr/>
+          <a:lstStyle/>
+          <a:p>
+            <a:r>
+              <a:rPr lang="en-US" sz="2800" dirty="0"/>
+              <a:t>Two appendices: </a:t>
+            </a:r>
+          </a:p>
+          <a:p>
+            <a:pPr lvl="1"/>
+            <a:r>
+              <a:rPr lang="en-US" sz="2400" dirty="0"/>
+              <a:t>Artifact description (AD).</a:t>
+            </a:r>
+          </a:p>
+          <a:p>
+            <a:pPr lvl="2"/>
+            <a:r>
+              <a:rPr lang="en-US" sz="2000" dirty="0"/>
+              <a:t>Blue print for setting up your computational experiment.</a:t>
+            </a:r>
+          </a:p>
+          <a:p>
+            <a:pPr lvl="2"/>
+            <a:r>
+              <a:rPr lang="en-US" sz="2000" dirty="0"/>
+              <a:t>Makes it easier to rerun computations in future.</a:t>
+            </a:r>
+          </a:p>
+          <a:p>
+            <a:pPr lvl="2"/>
+            <a:r>
+              <a:rPr lang="en-US" sz="2000" dirty="0"/>
+              <a:t>AD appendix is </a:t>
+            </a:r>
+            <a:r>
+              <a:rPr lang="en-US" sz="2000" b="1" dirty="0"/>
+              <a:t>mandatory</a:t>
+            </a:r>
+            <a:r>
+              <a:rPr lang="en-US" sz="2000" dirty="0"/>
+              <a:t> for paper submissions (since SC19).</a:t>
+            </a:r>
+          </a:p>
+          <a:p>
+            <a:pPr lvl="2"/>
+            <a:r>
+              <a:rPr lang="en-US" sz="2000" dirty="0"/>
+              <a:t>Largely auto-generated from submission information.</a:t>
+            </a:r>
+          </a:p>
+          <a:p>
+            <a:pPr lvl="1"/>
+            <a:r>
+              <a:rPr lang="en-US" sz="2400" dirty="0"/>
+              <a:t>Artifact Evaluation (AE).</a:t>
+            </a:r>
+          </a:p>
+          <a:p>
+            <a:pPr lvl="2"/>
+            <a:r>
+              <a:rPr lang="en-US" sz="2000" dirty="0"/>
+              <a:t>Targets “boutique” environments.</a:t>
+            </a:r>
+          </a:p>
+          <a:p>
+            <a:pPr lvl="2"/>
+            <a:r>
+              <a:rPr lang="en-US" sz="2000" dirty="0"/>
+              <a:t>Improves trustworthiness when re-running hard, impossible.</a:t>
+            </a:r>
+          </a:p>
+          <a:p>
+            <a:pPr lvl="2"/>
+            <a:r>
+              <a:rPr lang="en-US" sz="2000" b="1" dirty="0"/>
+              <a:t>Remains optional</a:t>
+            </a:r>
+          </a:p>
+          <a:p>
+            <a:r>
+              <a:rPr lang="en-US" sz="2800" dirty="0"/>
+              <a:t>Details:</a:t>
+            </a:r>
+          </a:p>
+          <a:p>
+            <a:pPr lvl="1"/>
+            <a:r>
+              <a:rPr lang="en-US" sz="2400" dirty="0">
+                <a:hlinkClick r:id="rId2"/>
+              </a:rPr>
+              <a:t>https://sc20.supercomputing.org/submit/transparency-reproducibility-initiative/</a:t>
+            </a:r>
+            <a:endParaRPr lang="en-US" sz="2400" dirty="0">
+              <a:hlinkClick r:id="rId3"/>
+            </a:endParaRPr>
+          </a:p>
+        </p:txBody>
+      </p:sp>
+    </p:spTree>
+    <p:extLst>
+      <p:ext uri="{BB962C8B-B14F-4D97-AF65-F5344CB8AC3E}">
+        <p14:creationId xmlns:p14="http://schemas.microsoft.com/office/powerpoint/2010/main" val="2302033408"/>
+      </p:ext>
+    </p:extLst>
+  </p:cSld>
+  <p:clrMapOvr>
+    <a:masterClrMapping/>
+  </p:clrMapOvr>
+</p:sld>
+</file>
+
+<file path=ppt/slides/slide29.xml><?xml version="1.0" encoding="utf-8"?>
+<p:sld xmlns:a="http://schemas.openxmlformats.org/drawingml/2006/main" xmlns:r="http://schemas.openxmlformats.org/officeDocument/2006/relationships" xmlns:p="http://schemas.openxmlformats.org/presentationml/2006/main">
+  <p:cSld>
+    <p:spTree>
+      <p:nvGrpSpPr>
+        <p:cNvPr id="1" name=""/>
+        <p:cNvGrpSpPr/>
+        <p:nvPr/>
+      </p:nvGrpSpPr>
+      <p:grpSpPr>
+        <a:xfrm>
+          <a:off x="0" y="0"/>
+          <a:ext cx="0" cy="0"/>
+          <a:chOff x="0" y="0"/>
+          <a:chExt cx="0" cy="0"/>
+        </a:xfrm>
+      </p:grpSpPr>
+      <p:sp>
+        <p:nvSpPr>
+          <p:cNvPr id="2" name="Title 1"/>
+          <p:cNvSpPr>
+            <a:spLocks noGrp="1"/>
+          </p:cNvSpPr>
+          <p:nvPr>
+            <p:ph type="title"/>
+          </p:nvPr>
+        </p:nvSpPr>
+        <p:spPr>
+          <a:xfrm>
+            <a:off x="368135" y="192378"/>
+            <a:ext cx="11269682" cy="532017"/>
+          </a:xfrm>
+        </p:spPr>
+        <p:txBody>
+          <a:bodyPr>
+            <a:normAutofit/>
+          </a:bodyPr>
+          <a:lstStyle/>
+          <a:p>
+            <a:r>
+              <a:rPr lang="en-US" sz="2800" dirty="0"/>
+              <a:t>Increasing Attention on Reproducibility</a:t>
+            </a:r>
+          </a:p>
+        </p:txBody>
+      </p:sp>
+      <p:sp>
+        <p:nvSpPr>
+          <p:cNvPr id="4" name="Content Placeholder 3"/>
+          <p:cNvSpPr>
+            <a:spLocks noGrp="1"/>
+          </p:cNvSpPr>
+          <p:nvPr>
+            <p:ph sz="quarter" idx="1"/>
+          </p:nvPr>
+        </p:nvSpPr>
+        <p:spPr>
+          <a:xfrm>
+            <a:off x="245815" y="868048"/>
+            <a:ext cx="11697194" cy="5449160"/>
+          </a:xfrm>
+        </p:spPr>
+        <p:txBody>
+          <a:bodyPr>
+            <a:normAutofit lnSpcReduction="10000"/>
+          </a:bodyPr>
+          <a:lstStyle/>
+          <a:p>
+            <a:r>
+              <a:rPr lang="en-US" dirty="0"/>
+              <a:t>More publication venues are adding reproducibility </a:t>
+            </a:r>
+            <a:r>
+              <a:rPr lang="en-US" b="1" dirty="0"/>
+              <a:t>recognition</a:t>
+            </a:r>
+            <a:r>
+              <a:rPr lang="en-US" dirty="0"/>
+              <a:t> or </a:t>
+            </a:r>
+            <a:r>
+              <a:rPr lang="en-US" b="1" dirty="0"/>
+              <a:t>requirements</a:t>
+            </a:r>
+            <a:endParaRPr lang="en-US" sz="2400" dirty="0"/>
+          </a:p>
+          <a:p>
+            <a:r>
+              <a:rPr lang="en-US" sz="2400" dirty="0"/>
+              <a:t>ACM </a:t>
+            </a:r>
+            <a:r>
+              <a:rPr lang="en-US" sz="2400" strike="sngStrike" dirty="0"/>
+              <a:t>Replicated</a:t>
+            </a:r>
+            <a:r>
+              <a:rPr lang="en-US" sz="2400" dirty="0"/>
+              <a:t> Reproducible Computational Results (RCR)</a:t>
+            </a:r>
+          </a:p>
+          <a:p>
+            <a:pPr lvl="1"/>
+            <a:r>
+              <a:rPr lang="en-US" sz="2000" dirty="0"/>
+              <a:t>ACM TOMS, TOMACS</a:t>
+            </a:r>
+          </a:p>
+          <a:p>
+            <a:pPr lvl="1"/>
+            <a:r>
+              <a:rPr lang="en-US" sz="2000" dirty="0">
+                <a:hlinkClick r:id="rId2"/>
+              </a:rPr>
+              <a:t>http://toms.acm.org/replicated-computational-results.cfm</a:t>
+            </a:r>
+            <a:r>
+              <a:rPr lang="en-US" sz="2000" dirty="0"/>
+              <a:t> </a:t>
+            </a:r>
+          </a:p>
+          <a:p>
+            <a:r>
+              <a:rPr lang="en-US" sz="2400" dirty="0"/>
+              <a:t>ACM Badging</a:t>
+            </a:r>
+          </a:p>
+          <a:p>
+            <a:pPr lvl="1"/>
+            <a:r>
+              <a:rPr lang="en-US" dirty="0"/>
+              <a:t>Functional, reusable, available, replicated, reproduced</a:t>
+            </a:r>
+          </a:p>
+          <a:p>
+            <a:pPr lvl="1"/>
+            <a:r>
+              <a:rPr lang="en-US" sz="2000" dirty="0">
+                <a:hlinkClick r:id="rId3"/>
+              </a:rPr>
+              <a:t>https://www.acm.org/publications/policies/artifact-review-badging</a:t>
+            </a:r>
+            <a:r>
+              <a:rPr lang="en-US" sz="2000" dirty="0"/>
+              <a:t> </a:t>
+            </a:r>
+          </a:p>
+          <a:p>
+            <a:r>
+              <a:rPr lang="en-US" sz="2400" dirty="0"/>
+              <a:t>These conferences have artifact evaluation appendices:</a:t>
+            </a:r>
+          </a:p>
+          <a:p>
+            <a:pPr lvl="1"/>
+            <a:r>
+              <a:rPr lang="en-US" sz="2000" dirty="0"/>
+              <a:t>CGO, </a:t>
+            </a:r>
+            <a:r>
+              <a:rPr lang="en-US" sz="2000" dirty="0" err="1"/>
+              <a:t>PPoPP</a:t>
+            </a:r>
+            <a:r>
+              <a:rPr lang="en-US" sz="2000" dirty="0"/>
+              <a:t>, PACT, RTSS and SC</a:t>
+            </a:r>
+          </a:p>
+          <a:p>
+            <a:pPr lvl="1"/>
+            <a:r>
+              <a:rPr lang="en-US" sz="2000" dirty="0">
+                <a:hlinkClick r:id="rId4"/>
+              </a:rPr>
+              <a:t>http://fursin.net/reproducibility.html</a:t>
+            </a:r>
+            <a:endParaRPr lang="en-US" sz="2000" dirty="0"/>
+          </a:p>
+          <a:p>
+            <a:r>
+              <a:rPr lang="en-US" sz="2400" dirty="0"/>
+              <a:t>NISO Committee on Reproducibility and Badging</a:t>
+            </a:r>
+          </a:p>
+          <a:p>
+            <a:pPr lvl="1"/>
+            <a:r>
+              <a:rPr lang="en-US" sz="2000" dirty="0">
+                <a:hlinkClick r:id="rId5"/>
+              </a:rPr>
+              <a:t>https://www.niso.org/niso-io/2019/01/new-niso-project-badging-scheme-reproducibility-computational-and-computing</a:t>
+            </a:r>
+            <a:r>
+              <a:rPr lang="en-US" sz="2000" dirty="0"/>
+              <a:t> </a:t>
+            </a:r>
+          </a:p>
+          <a:p>
+            <a:pPr lvl="1"/>
+            <a:r>
+              <a:rPr lang="en-US" sz="2000" dirty="0"/>
+              <a:t>Publishers: ACM, IEEE, </a:t>
+            </a:r>
+            <a:r>
+              <a:rPr lang="en-US" sz="2000" dirty="0" err="1"/>
+              <a:t>figshare</a:t>
+            </a:r>
+            <a:r>
+              <a:rPr lang="en-US" sz="2000" dirty="0"/>
+              <a:t>, STM, Reed Elsevier, Springer Nature</a:t>
+            </a:r>
+          </a:p>
+        </p:txBody>
+      </p:sp>
+    </p:spTree>
+    <p:extLst>
+      <p:ext uri="{BB962C8B-B14F-4D97-AF65-F5344CB8AC3E}">
+        <p14:creationId xmlns:p14="http://schemas.microsoft.com/office/powerpoint/2010/main" val="2234428243"/>
       </p:ext>
     </p:extLst>
   </p:cSld>
@@ -9118,6 +9767,431 @@
     <p:extLst>
       <p:ext uri="{BB962C8B-B14F-4D97-AF65-F5344CB8AC3E}">
         <p14:creationId xmlns:p14="http://schemas.microsoft.com/office/powerpoint/2010/main" val="1932176814"/>
+      </p:ext>
+    </p:extLst>
+  </p:cSld>
+  <p:clrMapOvr>
+    <a:masterClrMapping/>
+  </p:clrMapOvr>
+</p:sld>
+</file>
+
+<file path=ppt/slides/slide31.xml><?xml version="1.0" encoding="utf-8"?>
+<p:sld xmlns:a="http://schemas.openxmlformats.org/drawingml/2006/main" xmlns:r="http://schemas.openxmlformats.org/officeDocument/2006/relationships" xmlns:p="http://schemas.openxmlformats.org/presentationml/2006/main">
+  <p:cSld>
+    <p:spTree>
+      <p:nvGrpSpPr>
+        <p:cNvPr id="1" name=""/>
+        <p:cNvGrpSpPr/>
+        <p:nvPr/>
+      </p:nvGrpSpPr>
+      <p:grpSpPr>
+        <a:xfrm>
+          <a:off x="0" y="0"/>
+          <a:ext cx="0" cy="0"/>
+          <a:chOff x="0" y="0"/>
+          <a:chExt cx="0" cy="0"/>
+        </a:xfrm>
+      </p:grpSpPr>
+      <p:sp>
+        <p:nvSpPr>
+          <p:cNvPr id="2" name="Title 1">
+            <a:extLst>
+              <a:ext uri="{FF2B5EF4-FFF2-40B4-BE49-F238E27FC236}">
+                <a16:creationId xmlns:a16="http://schemas.microsoft.com/office/drawing/2014/main" id="{A8FB7E71-12B3-4F18-9845-F2C5400A7D80}"/>
+              </a:ext>
+            </a:extLst>
+          </p:cNvPr>
+          <p:cNvSpPr>
+            <a:spLocks noGrp="1"/>
+          </p:cNvSpPr>
+          <p:nvPr>
+            <p:ph type="title"/>
+          </p:nvPr>
+        </p:nvSpPr>
+        <p:spPr/>
+        <p:txBody>
+          <a:bodyPr/>
+          <a:lstStyle/>
+          <a:p>
+            <a:r>
+              <a:rPr lang="en-US" dirty="0"/>
+              <a:t>Digression – “Physics” (or Math)-Based Testing Strategies</a:t>
+            </a:r>
+          </a:p>
+        </p:txBody>
+      </p:sp>
+      <p:sp>
+        <p:nvSpPr>
+          <p:cNvPr id="3" name="Content Placeholder 2">
+            <a:extLst>
+              <a:ext uri="{FF2B5EF4-FFF2-40B4-BE49-F238E27FC236}">
+                <a16:creationId xmlns:a16="http://schemas.microsoft.com/office/drawing/2014/main" id="{A5DD7266-4F2C-433C-9206-C4C7FDCEE701}"/>
+              </a:ext>
+            </a:extLst>
+          </p:cNvPr>
+          <p:cNvSpPr>
+            <a:spLocks noGrp="1"/>
+          </p:cNvSpPr>
+          <p:nvPr>
+            <p:ph idx="1"/>
+          </p:nvPr>
+        </p:nvSpPr>
+        <p:spPr>
+          <a:xfrm>
+            <a:off x="365760" y="1340125"/>
+            <a:ext cx="11369809" cy="4047778"/>
+          </a:xfrm>
+        </p:spPr>
+        <p:txBody>
+          <a:bodyPr/>
+          <a:lstStyle/>
+          <a:p>
+            <a:r>
+              <a:rPr lang="en-US" b="1" dirty="0">
+                <a:solidFill>
+                  <a:schemeClr val="tx2"/>
+                </a:solidFill>
+              </a:rPr>
+              <a:t>Use what you know (or can construct) about the model you’re studying to test its implementation</a:t>
+            </a:r>
+          </a:p>
+          <a:p>
+            <a:r>
+              <a:rPr lang="en-US" dirty="0"/>
+              <a:t>Synthetic operators with known properties</a:t>
+            </a:r>
+          </a:p>
+          <a:p>
+            <a:pPr lvl="1"/>
+            <a:r>
+              <a:rPr lang="en-US" dirty="0"/>
+              <a:t>Spectrum (huge diagonals)</a:t>
+            </a:r>
+          </a:p>
+          <a:p>
+            <a:pPr lvl="1"/>
+            <a:r>
+              <a:rPr lang="en-US" dirty="0"/>
+              <a:t>Rank (by construction)</a:t>
+            </a:r>
+          </a:p>
+          <a:p>
+            <a:r>
+              <a:rPr lang="en-US" dirty="0"/>
+              <a:t>Invariance principles</a:t>
+            </a:r>
+          </a:p>
+          <a:p>
+            <a:pPr lvl="1"/>
+            <a:r>
+              <a:rPr lang="en-US" dirty="0"/>
+              <a:t>Translational, rotational, etc.</a:t>
+            </a:r>
+          </a:p>
+          <a:p>
+            <a:pPr lvl="1"/>
+            <a:r>
+              <a:rPr lang="en-US" dirty="0"/>
+              <a:t>Physical symmetries</a:t>
+            </a:r>
+          </a:p>
+          <a:p>
+            <a:pPr lvl="1"/>
+            <a:r>
+              <a:rPr lang="en-US" dirty="0"/>
+              <a:t>Mathematical symmetries</a:t>
+            </a:r>
+          </a:p>
+          <a:p>
+            <a:r>
+              <a:rPr lang="en-US" dirty="0"/>
+              <a:t>Conservation rules</a:t>
+            </a:r>
+          </a:p>
+          <a:p>
+            <a:pPr lvl="1"/>
+            <a:r>
+              <a:rPr lang="en-US" dirty="0"/>
+              <a:t>Fluxes, energy, mass, etc.</a:t>
+            </a:r>
+          </a:p>
+          <a:p>
+            <a:r>
+              <a:rPr lang="en-US" dirty="0"/>
+              <a:t>…</a:t>
+            </a:r>
+          </a:p>
+        </p:txBody>
+      </p:sp>
+    </p:spTree>
+    <p:extLst>
+      <p:ext uri="{BB962C8B-B14F-4D97-AF65-F5344CB8AC3E}">
+        <p14:creationId xmlns:p14="http://schemas.microsoft.com/office/powerpoint/2010/main" val="4136283604"/>
+      </p:ext>
+    </p:extLst>
+  </p:cSld>
+  <p:clrMapOvr>
+    <a:masterClrMapping/>
+  </p:clrMapOvr>
+</p:sld>
+</file>
+
+<file path=ppt/slides/slide32.xml><?xml version="1.0" encoding="utf-8"?>
+<p:sld xmlns:a="http://schemas.openxmlformats.org/drawingml/2006/main" xmlns:r="http://schemas.openxmlformats.org/officeDocument/2006/relationships" xmlns:p="http://schemas.openxmlformats.org/presentationml/2006/main">
+  <p:cSld>
+    <p:spTree>
+      <p:nvGrpSpPr>
+        <p:cNvPr id="1" name=""/>
+        <p:cNvGrpSpPr/>
+        <p:nvPr/>
+      </p:nvGrpSpPr>
+      <p:grpSpPr>
+        <a:xfrm>
+          <a:off x="0" y="0"/>
+          <a:ext cx="0" cy="0"/>
+          <a:chOff x="0" y="0"/>
+          <a:chExt cx="0" cy="0"/>
+        </a:xfrm>
+      </p:grpSpPr>
+      <p:sp>
+        <p:nvSpPr>
+          <p:cNvPr id="2" name="Title 1">
+            <a:extLst>
+              <a:ext uri="{FF2B5EF4-FFF2-40B4-BE49-F238E27FC236}">
+                <a16:creationId xmlns:a16="http://schemas.microsoft.com/office/drawing/2014/main" id="{5ADB740C-7926-4693-996F-58F53886A80C}"/>
+              </a:ext>
+            </a:extLst>
+          </p:cNvPr>
+          <p:cNvSpPr>
+            <a:spLocks noGrp="1"/>
+          </p:cNvSpPr>
+          <p:nvPr>
+            <p:ph type="title"/>
+          </p:nvPr>
+        </p:nvSpPr>
+        <p:spPr/>
+        <p:txBody>
+          <a:bodyPr/>
+          <a:lstStyle/>
+          <a:p>
+            <a:r>
+              <a:rPr lang="en-US" dirty="0"/>
+              <a:t>Digression – Design by Contract Programming</a:t>
+            </a:r>
+          </a:p>
+        </p:txBody>
+      </p:sp>
+      <p:sp>
+        <p:nvSpPr>
+          <p:cNvPr id="3" name="Content Placeholder 2">
+            <a:extLst>
+              <a:ext uri="{FF2B5EF4-FFF2-40B4-BE49-F238E27FC236}">
+                <a16:creationId xmlns:a16="http://schemas.microsoft.com/office/drawing/2014/main" id="{86DB796C-B083-44C4-8467-DE5160CD2C5D}"/>
+              </a:ext>
+            </a:extLst>
+          </p:cNvPr>
+          <p:cNvSpPr>
+            <a:spLocks noGrp="1"/>
+          </p:cNvSpPr>
+          <p:nvPr>
+            <p:ph idx="1"/>
+          </p:nvPr>
+        </p:nvSpPr>
+        <p:spPr>
+          <a:xfrm>
+            <a:off x="365760" y="1079194"/>
+            <a:ext cx="11369809" cy="4047778"/>
+          </a:xfrm>
+        </p:spPr>
+        <p:txBody>
+          <a:bodyPr/>
+          <a:lstStyle/>
+          <a:p>
+            <a:r>
+              <a:rPr lang="en-US" b="1" dirty="0">
+                <a:solidFill>
+                  <a:schemeClr val="tx2"/>
+                </a:solidFill>
+              </a:rPr>
+              <a:t>Building testing into your routines </a:t>
+            </a:r>
+          </a:p>
+          <a:p>
+            <a:pPr lvl="1">
+              <a:spcBef>
+                <a:spcPts val="200"/>
+              </a:spcBef>
+            </a:pPr>
+            <a:r>
+              <a:rPr lang="en-US" b="1" dirty="0">
+                <a:solidFill>
+                  <a:schemeClr val="tx2"/>
+                </a:solidFill>
+              </a:rPr>
+              <a:t>To complement, </a:t>
+            </a:r>
+            <a:r>
+              <a:rPr lang="en-US" b="1" i="1" dirty="0">
+                <a:solidFill>
+                  <a:schemeClr val="tx2"/>
+                </a:solidFill>
+              </a:rPr>
+              <a:t>not replace</a:t>
+            </a:r>
+            <a:r>
+              <a:rPr lang="en-US" b="1" dirty="0">
+                <a:solidFill>
+                  <a:schemeClr val="tx2"/>
+                </a:solidFill>
+              </a:rPr>
+              <a:t>, other testing</a:t>
+            </a:r>
+          </a:p>
+          <a:p>
+            <a:r>
+              <a:rPr lang="en-US" dirty="0"/>
+              <a:t>The interface to a routine can be thought of as a contract between </a:t>
+            </a:r>
+            <a:r>
+              <a:rPr lang="en-US" i="1" dirty="0"/>
+              <a:t>caller</a:t>
+            </a:r>
+            <a:r>
+              <a:rPr lang="en-US" dirty="0"/>
+              <a:t> and the </a:t>
+            </a:r>
+            <a:r>
+              <a:rPr lang="en-US" i="1" dirty="0" err="1"/>
+              <a:t>callee</a:t>
+            </a:r>
+            <a:r>
+              <a:rPr lang="en-US" i="1" dirty="0"/>
+              <a:t> </a:t>
+            </a:r>
+            <a:r>
+              <a:rPr lang="en-US" dirty="0"/>
+              <a:t>(the routine)</a:t>
+            </a:r>
+          </a:p>
+          <a:p>
+            <a:pPr lvl="1">
+              <a:spcBef>
+                <a:spcPts val="200"/>
+              </a:spcBef>
+            </a:pPr>
+            <a:r>
+              <a:rPr lang="en-US" dirty="0"/>
+              <a:t>What does the routine expect on input?		</a:t>
+            </a:r>
+            <a:r>
+              <a:rPr lang="en-US" b="1" dirty="0"/>
+              <a:t>preconditions</a:t>
+            </a:r>
+          </a:p>
+          <a:p>
+            <a:pPr lvl="1">
+              <a:spcBef>
+                <a:spcPts val="200"/>
+              </a:spcBef>
+            </a:pPr>
+            <a:r>
+              <a:rPr lang="en-US" dirty="0"/>
+              <a:t>What does the routine guarantee at completion?	</a:t>
+            </a:r>
+            <a:r>
+              <a:rPr lang="en-US" b="1" dirty="0"/>
+              <a:t>postconditions</a:t>
+            </a:r>
+          </a:p>
+          <a:p>
+            <a:pPr lvl="1">
+              <a:spcBef>
+                <a:spcPts val="200"/>
+              </a:spcBef>
+            </a:pPr>
+            <a:r>
+              <a:rPr lang="en-US" dirty="0"/>
+              <a:t>What does the routine leave unchanged?		</a:t>
+            </a:r>
+            <a:r>
+              <a:rPr lang="en-US" b="1" dirty="0"/>
+              <a:t>invariants</a:t>
+            </a:r>
+          </a:p>
+          <a:p>
+            <a:r>
+              <a:rPr lang="en-US" dirty="0"/>
+              <a:t>Given valid inputs (preconditions satisfied) a routine should guarantee valid outputs (postconditions satisfied, invariants maintained)</a:t>
+            </a:r>
+          </a:p>
+          <a:p>
+            <a:pPr lvl="1">
+              <a:spcBef>
+                <a:spcPts val="200"/>
+              </a:spcBef>
+            </a:pPr>
+            <a:r>
+              <a:rPr lang="en-US" dirty="0"/>
+              <a:t>If the preconditions are not satisfied, the routine should return an error</a:t>
+            </a:r>
+          </a:p>
+          <a:p>
+            <a:pPr lvl="1">
+              <a:spcBef>
+                <a:spcPts val="200"/>
+              </a:spcBef>
+            </a:pPr>
+            <a:r>
+              <a:rPr lang="en-US" dirty="0"/>
+              <a:t>Emphasize low-costs tests that can be always-on</a:t>
+            </a:r>
+          </a:p>
+          <a:p>
+            <a:pPr lvl="1">
+              <a:spcBef>
+                <a:spcPts val="200"/>
+              </a:spcBef>
+            </a:pPr>
+            <a:r>
+              <a:rPr lang="en-US" dirty="0"/>
+              <a:t>May need to be able to switch enforcement of expensive tests on/off (but try not to!)</a:t>
+            </a:r>
+          </a:p>
+          <a:p>
+            <a:r>
+              <a:rPr lang="en-US" dirty="0"/>
+              <a:t>Making the contract explicit facilitates correct use of routines</a:t>
+            </a:r>
+          </a:p>
+          <a:p>
+            <a:pPr lvl="1">
+              <a:spcBef>
+                <a:spcPts val="200"/>
+              </a:spcBef>
+            </a:pPr>
+            <a:r>
+              <a:rPr lang="en-US" dirty="0"/>
+              <a:t>Especially when routine is reused in another context</a:t>
+            </a:r>
+          </a:p>
+          <a:p>
+            <a:pPr lvl="1">
+              <a:spcBef>
+                <a:spcPts val="200"/>
+              </a:spcBef>
+            </a:pPr>
+            <a:r>
+              <a:rPr lang="en-US" dirty="0"/>
+              <a:t>Especially by those not intimately familiar with them</a:t>
+            </a:r>
+          </a:p>
+        </p:txBody>
+      </p:sp>
+    </p:spTree>
+    <p:extLst>
+      <p:ext uri="{BB962C8B-B14F-4D97-AF65-F5344CB8AC3E}">
+        <p14:creationId xmlns:p14="http://schemas.microsoft.com/office/powerpoint/2010/main" val="2645307942"/>
       </p:ext>
     </p:extLst>
   </p:cSld>
@@ -9511,7 +10585,7 @@
 </file>
 
 <file path=ppt/slides/slide6.xml><?xml version="1.0" encoding="utf-8"?>
-<p:sld xmlns:a="http://schemas.openxmlformats.org/drawingml/2006/main" xmlns:r="http://schemas.openxmlformats.org/officeDocument/2006/relationships" xmlns:p="http://schemas.openxmlformats.org/presentationml/2006/main">
+<p:sld xmlns:a="http://schemas.openxmlformats.org/drawingml/2006/main" xmlns:r="http://schemas.openxmlformats.org/officeDocument/2006/relationships" xmlns:p="http://schemas.openxmlformats.org/presentationml/2006/main" show="0">
   <p:cSld>
     <p:spTree>
       <p:nvGrpSpPr>
@@ -11558,12 +12632,6 @@
 </file>
 
 <file path=customXml/item1.xml><?xml version="1.0" encoding="utf-8"?>
-<p:properties xmlns:p="http://schemas.microsoft.com/office/2006/metadata/properties" xmlns:xsi="http://www.w3.org/2001/XMLSchema-instance" xmlns:pc="http://schemas.microsoft.com/office/infopath/2007/PartnerControls">
-  <documentManagement/>
-</p:properties>
-</file>
-
-<file path=customXml/item2.xml><?xml version="1.0" encoding="utf-8"?>
 <ct:contentTypeSchema xmlns:ct="http://schemas.microsoft.com/office/2006/metadata/contentType" xmlns:ma="http://schemas.microsoft.com/office/2006/metadata/properties/metaAttributes" ct:_="" ma:_="" ma:contentTypeName="Document" ma:contentTypeID="0x010100565464437F680748A68B85EB6594EA7D" ma:contentTypeVersion="0" ma:contentTypeDescription="Create a new document." ma:contentTypeScope="" ma:versionID="fe3f4dd58d5914c51cfc6deaa8ad845c">
   <xsd:schema xmlns:xsd="http://www.w3.org/2001/XMLSchema" xmlns:p="http://schemas.microsoft.com/office/2006/metadata/properties" targetNamespace="http://schemas.microsoft.com/office/2006/metadata/properties" ma:root="true" ma:fieldsID="4aeb20c0e3442673af7ee10786458764">
     <xsd:element name="properties">
@@ -11612,6 +12680,12 @@
 </ct:contentTypeSchema>
 </file>
 
+<file path=customXml/item2.xml><?xml version="1.0" encoding="utf-8"?>
+<p:properties xmlns:p="http://schemas.microsoft.com/office/2006/metadata/properties" xmlns:xsi="http://www.w3.org/2001/XMLSchema-instance" xmlns:pc="http://schemas.microsoft.com/office/infopath/2007/PartnerControls">
+  <documentManagement/>
+</p:properties>
+</file>
+
 <file path=customXml/item3.xml><?xml version="1.0" encoding="utf-8"?>
 <?mso-contentType ?>
 <FormTemplates xmlns="http://schemas.microsoft.com/sharepoint/v3/contenttype/forms">
@@ -11622,6 +12696,21 @@
 </file>
 
 <file path=customXml/itemProps1.xml><?xml version="1.0" encoding="utf-8"?>
+<ds:datastoreItem xmlns:ds="http://schemas.openxmlformats.org/officeDocument/2006/customXml" ds:itemID="{E8DB7DEB-074E-4EE8-9B6E-FD277323109C}">
+  <ds:schemaRefs>
+    <ds:schemaRef ds:uri="http://schemas.microsoft.com/office/2006/metadata/contentType"/>
+    <ds:schemaRef ds:uri="http://schemas.microsoft.com/office/2006/metadata/properties/metaAttributes"/>
+    <ds:schemaRef ds:uri="http://www.w3.org/2001/XMLSchema"/>
+    <ds:schemaRef ds:uri="http://schemas.microsoft.com/office/2006/metadata/properties"/>
+    <ds:schemaRef ds:uri="http://schemas.openxmlformats.org/package/2006/metadata/core-properties"/>
+    <ds:schemaRef ds:uri="http://purl.org/dc/elements/1.1/"/>
+    <ds:schemaRef ds:uri="http://purl.org/dc/terms/"/>
+    <ds:schemaRef ds:uri="http://schemas.microsoft.com/office/internal/2005/internalDocumentation"/>
+  </ds:schemaRefs>
+</ds:datastoreItem>
+</file>
+
+<file path=customXml/itemProps2.xml><?xml version="1.0" encoding="utf-8"?>
 <ds:datastoreItem xmlns:ds="http://schemas.openxmlformats.org/officeDocument/2006/customXml" ds:itemID="{A50EC660-24D0-43A0-AE5E-E274115E726B}">
   <ds:schemaRefs>
     <ds:schemaRef ds:uri="http://purl.org/dc/terms/"/>
@@ -11636,21 +12725,6 @@
 </ds:datastoreItem>
 </file>
 
-<file path=customXml/itemProps2.xml><?xml version="1.0" encoding="utf-8"?>
-<ds:datastoreItem xmlns:ds="http://schemas.openxmlformats.org/officeDocument/2006/customXml" ds:itemID="{E8DB7DEB-074E-4EE8-9B6E-FD277323109C}">
-  <ds:schemaRefs>
-    <ds:schemaRef ds:uri="http://schemas.microsoft.com/office/2006/metadata/contentType"/>
-    <ds:schemaRef ds:uri="http://schemas.microsoft.com/office/2006/metadata/properties/metaAttributes"/>
-    <ds:schemaRef ds:uri="http://www.w3.org/2001/XMLSchema"/>
-    <ds:schemaRef ds:uri="http://schemas.microsoft.com/office/2006/metadata/properties"/>
-    <ds:schemaRef ds:uri="http://schemas.openxmlformats.org/package/2006/metadata/core-properties"/>
-    <ds:schemaRef ds:uri="http://purl.org/dc/elements/1.1/"/>
-    <ds:schemaRef ds:uri="http://purl.org/dc/terms/"/>
-    <ds:schemaRef ds:uri="http://schemas.microsoft.com/office/internal/2005/internalDocumentation"/>
-  </ds:schemaRefs>
-</ds:datastoreItem>
-</file>
-
 <file path=customXml/itemProps3.xml><?xml version="1.0" encoding="utf-8"?>
 <ds:datastoreItem xmlns:ds="http://schemas.openxmlformats.org/officeDocument/2006/customXml" ds:itemID="{19E20559-B232-4371-8690-E3D8007EDB82}">
   <ds:schemaRefs>

--- a/SC20-reproducibility.pptx
+++ b/SC20-reproducibility.pptx
@@ -5,10 +5,10 @@
     <p:sldMasterId id="2147483935" r:id="rId4"/>
   </p:sldMasterIdLst>
   <p:notesMasterIdLst>
-    <p:notesMasterId r:id="rId37"/>
+    <p:notesMasterId r:id="rId38"/>
   </p:notesMasterIdLst>
   <p:handoutMasterIdLst>
-    <p:handoutMasterId r:id="rId38"/>
+    <p:handoutMasterId r:id="rId39"/>
   </p:handoutMasterIdLst>
   <p:sldIdLst>
     <p:sldId id="318" r:id="rId5"/>
@@ -36,13 +36,14 @@
     <p:sldId id="1842" r:id="rId27"/>
     <p:sldId id="1830" r:id="rId28"/>
     <p:sldId id="1844" r:id="rId29"/>
-    <p:sldId id="1841" r:id="rId30"/>
-    <p:sldId id="1806" r:id="rId31"/>
-    <p:sldId id="1807" r:id="rId32"/>
-    <p:sldId id="1811" r:id="rId33"/>
-    <p:sldId id="313" r:id="rId34"/>
-    <p:sldId id="1836" r:id="rId35"/>
-    <p:sldId id="1837" r:id="rId36"/>
+    <p:sldId id="1845" r:id="rId30"/>
+    <p:sldId id="1841" r:id="rId31"/>
+    <p:sldId id="1806" r:id="rId32"/>
+    <p:sldId id="1807" r:id="rId33"/>
+    <p:sldId id="1811" r:id="rId34"/>
+    <p:sldId id="313" r:id="rId35"/>
+    <p:sldId id="1836" r:id="rId36"/>
+    <p:sldId id="1837" r:id="rId37"/>
   </p:sldIdLst>
   <p:sldSz cx="12188825" cy="6858000"/>
   <p:notesSz cx="7010400" cy="9296400"/>
@@ -286,7 +287,7 @@
           <a:p>
             <a:fld id="{0B842F42-2CE9-4E35-95C1-410DC08A50B1}" type="datetimeFigureOut">
               <a:rPr lang="en-US" smtClean="0"/>
-              <a:t>9/29/20</a:t>
+              <a:t>10/1/20</a:t>
             </a:fld>
             <a:endParaRPr lang="en-US"/>
           </a:p>
@@ -451,7 +452,7 @@
           <a:p>
             <a:fld id="{6F282904-F315-4730-8D91-37D99E141A6F}" type="datetimeFigureOut">
               <a:rPr lang="en-US" smtClean="0"/>
-              <a:t>9/29/20</a:t>
+              <a:t>10/1/20</a:t>
             </a:fld>
             <a:endParaRPr lang="en-US"/>
           </a:p>
@@ -1370,6 +1371,90 @@
     <p:extLst>
       <p:ext uri="{BB962C8B-B14F-4D97-AF65-F5344CB8AC3E}">
         <p14:creationId xmlns:p14="http://schemas.microsoft.com/office/powerpoint/2010/main" val="2638610629"/>
+      </p:ext>
+    </p:extLst>
+  </p:cSld>
+  <p:clrMapOvr>
+    <a:masterClrMapping/>
+  </p:clrMapOvr>
+</p:notes>
+</file>
+
+<file path=ppt/notesSlides/notesSlide6.xml><?xml version="1.0" encoding="utf-8"?>
+<p:notes xmlns:a="http://schemas.openxmlformats.org/drawingml/2006/main" xmlns:r="http://schemas.openxmlformats.org/officeDocument/2006/relationships" xmlns:p="http://schemas.openxmlformats.org/presentationml/2006/main">
+  <p:cSld>
+    <p:spTree>
+      <p:nvGrpSpPr>
+        <p:cNvPr id="1" name=""/>
+        <p:cNvGrpSpPr/>
+        <p:nvPr/>
+      </p:nvGrpSpPr>
+      <p:grpSpPr>
+        <a:xfrm>
+          <a:off x="0" y="0"/>
+          <a:ext cx="0" cy="0"/>
+          <a:chOff x="0" y="0"/>
+          <a:chExt cx="0" cy="0"/>
+        </a:xfrm>
+      </p:grpSpPr>
+      <p:sp>
+        <p:nvSpPr>
+          <p:cNvPr id="2" name="Slide Image Placeholder 1"/>
+          <p:cNvSpPr>
+            <a:spLocks noGrp="1" noRot="1" noChangeAspect="1"/>
+          </p:cNvSpPr>
+          <p:nvPr>
+            <p:ph type="sldImg"/>
+          </p:nvPr>
+        </p:nvSpPr>
+        <p:spPr/>
+      </p:sp>
+      <p:sp>
+        <p:nvSpPr>
+          <p:cNvPr id="3" name="Notes Placeholder 2"/>
+          <p:cNvSpPr>
+            <a:spLocks noGrp="1"/>
+          </p:cNvSpPr>
+          <p:nvPr>
+            <p:ph type="body" idx="1"/>
+          </p:nvPr>
+        </p:nvSpPr>
+        <p:spPr/>
+        <p:txBody>
+          <a:bodyPr/>
+          <a:lstStyle/>
+          <a:p>
+            <a:endParaRPr lang="en-US" dirty="0"/>
+          </a:p>
+        </p:txBody>
+      </p:sp>
+      <p:sp>
+        <p:nvSpPr>
+          <p:cNvPr id="4" name="Slide Number Placeholder 3"/>
+          <p:cNvSpPr>
+            <a:spLocks noGrp="1"/>
+          </p:cNvSpPr>
+          <p:nvPr>
+            <p:ph type="sldNum" sz="quarter" idx="5"/>
+          </p:nvPr>
+        </p:nvSpPr>
+        <p:spPr/>
+        <p:txBody>
+          <a:bodyPr/>
+          <a:lstStyle/>
+          <a:p>
+            <a:fld id="{54E672D7-8E2D-4611-973D-F4591A707C34}" type="slidenum">
+              <a:rPr lang="en-US" smtClean="0"/>
+              <a:t>22</a:t>
+            </a:fld>
+            <a:endParaRPr lang="en-US"/>
+          </a:p>
+        </p:txBody>
+      </p:sp>
+    </p:spTree>
+    <p:extLst>
+      <p:ext uri="{BB962C8B-B14F-4D97-AF65-F5344CB8AC3E}">
+        <p14:creationId xmlns:p14="http://schemas.microsoft.com/office/powerpoint/2010/main" val="4056182715"/>
       </p:ext>
     </p:extLst>
   </p:cSld>
@@ -4301,11 +4386,7 @@
           <a:p>
             <a:r>
               <a:rPr lang="en-US" dirty="0"/>
-              <a:t>Michael A. </a:t>
-            </a:r>
-            <a:r>
-              <a:rPr lang="en-US" dirty="0" err="1"/>
-              <a:t>Heroux</a:t>
+              <a:t>Michael A. Heroux</a:t>
             </a:r>
             <a:br>
               <a:rPr lang="en-US" sz="2000" dirty="0"/>
@@ -4317,9 +4398,18 @@
           </a:p>
           <a:p>
             <a:r>
+              <a:rPr lang="en-US" dirty="0"/>
+              <a:t>Better Scientific Software Tutorial, SC20, November 2020</a:t>
+            </a:r>
+          </a:p>
+          <a:p>
+            <a:br>
               <a:rPr lang="en-US" sz="2000" dirty="0"/>
-              <a:t>Software Productivity Track, ATPESC 2020</a:t>
-            </a:r>
+            </a:br>
+            <a:endParaRPr lang="en-US" sz="2000" dirty="0"/>
+          </a:p>
+          <a:p>
+            <a:endParaRPr lang="en-US" sz="2000" dirty="0"/>
           </a:p>
         </p:txBody>
       </p:sp>
@@ -5173,6 +5263,10 @@
           </p:nvPr>
         </p:nvSpPr>
         <p:spPr>
+          <a:xfrm>
+            <a:off x="380048" y="1737360"/>
+            <a:ext cx="11369809" cy="4047778"/>
+          </a:xfrm>
           <a:prstGeom prst="rect">
             <a:avLst/>
           </a:prstGeom>
@@ -5368,16 +5462,33 @@
             </a:r>
           </a:p>
           <a:p>
-            <a:r>
-              <a:rPr lang="en-US" dirty="0"/>
-              <a:t>Reproducibility and transparency Initiatives</a:t>
-            </a:r>
-          </a:p>
-          <a:p>
             <a:pPr lvl="1"/>
             <a:r>
               <a:rPr lang="en-US" dirty="0"/>
-              <a:t>Increasing implementations for publications (SC, ACM and more)</a:t>
+              <a:t>Example NSF policy on dissemination of results and sharing data</a:t>
+            </a:r>
+          </a:p>
+          <a:p>
+            <a:r>
+              <a:rPr lang="en-US" dirty="0"/>
+              <a:t>Fair data principles for maximum use of research data</a:t>
+            </a:r>
+          </a:p>
+          <a:p>
+            <a:pPr lvl="1"/>
+            <a:endParaRPr lang="en-US" dirty="0"/>
+          </a:p>
+          <a:p>
+            <a:r>
+              <a:rPr lang="en-US" dirty="0"/>
+              <a:t>Reproducibility and transparency Initiatives by Publications</a:t>
+            </a:r>
+          </a:p>
+          <a:p>
+            <a:pPr lvl="1"/>
+            <a:r>
+              <a:rPr lang="en-US" dirty="0"/>
+              <a:t>Increasing requirements for publications (SC, ACM and more)</a:t>
             </a:r>
           </a:p>
           <a:p>
@@ -5392,7 +5503,16 @@
             </a:pPr>
             <a:r>
               <a:rPr lang="en-US" sz="2400" dirty="0"/>
-              <a:t>See: Initiatives for Data Management and Publication at the end of these slides</a:t>
+              <a:t>See Appendix:</a:t>
+            </a:r>
+          </a:p>
+          <a:p>
+            <a:pPr marL="346075" lvl="1" indent="0">
+              <a:buNone/>
+            </a:pPr>
+            <a:r>
+              <a:rPr lang="en-US" sz="2400" dirty="0"/>
+              <a:t>Requirement Initiatives for Data Management and Publication</a:t>
             </a:r>
           </a:p>
         </p:txBody>
@@ -6068,7 +6188,7 @@
             </a:r>
             <a:r>
               <a:rPr lang="en-US" dirty="0"/>
-              <a:t> (1/3)</a:t>
+              <a:t> (1/2)</a:t>
             </a:r>
           </a:p>
         </p:txBody>
@@ -6244,7 +6364,7 @@
             </a:r>
             <a:r>
               <a:rPr lang="en-US" dirty="0"/>
-              <a:t> (2/3)</a:t>
+              <a:t> (2/2)</a:t>
             </a:r>
           </a:p>
         </p:txBody>
@@ -8273,7 +8393,7 @@
           <a:p>
             <a:r>
               <a:rPr lang="en-US" dirty="0"/>
-              <a:t>Initiatives for Data Management and Publication</a:t>
+              <a:t>Appendix</a:t>
             </a:r>
           </a:p>
         </p:txBody>
@@ -8317,6 +8437,89 @@
 </file>
 
 <file path=ppt/slides/slide26.xml><?xml version="1.0" encoding="utf-8"?>
+<p:sld xmlns:a="http://schemas.openxmlformats.org/drawingml/2006/main" xmlns:r="http://schemas.openxmlformats.org/officeDocument/2006/relationships" xmlns:p="http://schemas.openxmlformats.org/presentationml/2006/main">
+  <p:cSld>
+    <p:spTree>
+      <p:nvGrpSpPr>
+        <p:cNvPr id="1" name=""/>
+        <p:cNvGrpSpPr/>
+        <p:nvPr/>
+      </p:nvGrpSpPr>
+      <p:grpSpPr>
+        <a:xfrm>
+          <a:off x="0" y="0"/>
+          <a:ext cx="0" cy="0"/>
+          <a:chOff x="0" y="0"/>
+          <a:chExt cx="0" cy="0"/>
+        </a:xfrm>
+      </p:grpSpPr>
+      <p:sp>
+        <p:nvSpPr>
+          <p:cNvPr id="2" name="Title 1">
+            <a:extLst>
+              <a:ext uri="{FF2B5EF4-FFF2-40B4-BE49-F238E27FC236}">
+                <a16:creationId xmlns:a16="http://schemas.microsoft.com/office/drawing/2014/main" id="{741C6884-C6AA-FE48-AE95-62434E5C1F6B}"/>
+              </a:ext>
+            </a:extLst>
+          </p:cNvPr>
+          <p:cNvSpPr>
+            <a:spLocks noGrp="1"/>
+          </p:cNvSpPr>
+          <p:nvPr>
+            <p:ph type="title"/>
+          </p:nvPr>
+        </p:nvSpPr>
+        <p:spPr/>
+        <p:txBody>
+          <a:bodyPr/>
+          <a:lstStyle/>
+          <a:p>
+            <a:r>
+              <a:rPr lang="en-US" dirty="0"/>
+              <a:t>Requirement Initiatives for Data Management and Publication</a:t>
+            </a:r>
+          </a:p>
+        </p:txBody>
+      </p:sp>
+      <p:sp>
+        <p:nvSpPr>
+          <p:cNvPr id="3" name="Content Placeholder 2">
+            <a:extLst>
+              <a:ext uri="{FF2B5EF4-FFF2-40B4-BE49-F238E27FC236}">
+                <a16:creationId xmlns:a16="http://schemas.microsoft.com/office/drawing/2014/main" id="{E7FD0E5D-67BF-1245-932A-5CBC55AF586C}"/>
+              </a:ext>
+            </a:extLst>
+          </p:cNvPr>
+          <p:cNvSpPr>
+            <a:spLocks noGrp="1"/>
+          </p:cNvSpPr>
+          <p:nvPr>
+            <p:ph idx="1"/>
+          </p:nvPr>
+        </p:nvSpPr>
+        <p:spPr/>
+        <p:txBody>
+          <a:bodyPr/>
+          <a:lstStyle/>
+          <a:p>
+            <a:endParaRPr lang="en-US" dirty="0"/>
+          </a:p>
+        </p:txBody>
+      </p:sp>
+    </p:spTree>
+    <p:extLst>
+      <p:ext uri="{BB962C8B-B14F-4D97-AF65-F5344CB8AC3E}">
+        <p14:creationId xmlns:p14="http://schemas.microsoft.com/office/powerpoint/2010/main" val="3747918091"/>
+      </p:ext>
+    </p:extLst>
+  </p:cSld>
+  <p:clrMapOvr>
+    <a:masterClrMapping/>
+  </p:clrMapOvr>
+</p:sld>
+</file>
+
+<file path=ppt/slides/slide27.xml><?xml version="1.0" encoding="utf-8"?>
 <p:sld xmlns:a="http://schemas.openxmlformats.org/drawingml/2006/main" xmlns:r="http://schemas.openxmlformats.org/officeDocument/2006/relationships" xmlns:p="http://schemas.openxmlformats.org/presentationml/2006/main">
   <p:cSld>
     <p:spTree>
@@ -8691,7 +8894,7 @@
 </p:sld>
 </file>
 
-<file path=ppt/slides/slide27.xml><?xml version="1.0" encoding="utf-8"?>
+<file path=ppt/slides/slide28.xml><?xml version="1.0" encoding="utf-8"?>
 <p:sld xmlns:a="http://schemas.openxmlformats.org/drawingml/2006/main" xmlns:r="http://schemas.openxmlformats.org/officeDocument/2006/relationships" xmlns:p="http://schemas.openxmlformats.org/presentationml/2006/main">
   <p:cSld>
     <p:spTree>
@@ -8970,7 +9173,7 @@
 </p:sld>
 </file>
 
-<file path=ppt/slides/slide28.xml><?xml version="1.0" encoding="utf-8"?>
+<file path=ppt/slides/slide29.xml><?xml version="1.0" encoding="utf-8"?>
 <p:sld xmlns:a="http://schemas.openxmlformats.org/drawingml/2006/main" xmlns:r="http://schemas.openxmlformats.org/officeDocument/2006/relationships" xmlns:p="http://schemas.openxmlformats.org/presentationml/2006/main">
   <p:cSld>
     <p:spTree>
@@ -9129,232 +9332,6 @@
     <p:extLst>
       <p:ext uri="{BB962C8B-B14F-4D97-AF65-F5344CB8AC3E}">
         <p14:creationId xmlns:p14="http://schemas.microsoft.com/office/powerpoint/2010/main" val="2302033408"/>
-      </p:ext>
-    </p:extLst>
-  </p:cSld>
-  <p:clrMapOvr>
-    <a:masterClrMapping/>
-  </p:clrMapOvr>
-</p:sld>
-</file>
-
-<file path=ppt/slides/slide29.xml><?xml version="1.0" encoding="utf-8"?>
-<p:sld xmlns:a="http://schemas.openxmlformats.org/drawingml/2006/main" xmlns:r="http://schemas.openxmlformats.org/officeDocument/2006/relationships" xmlns:p="http://schemas.openxmlformats.org/presentationml/2006/main">
-  <p:cSld>
-    <p:spTree>
-      <p:nvGrpSpPr>
-        <p:cNvPr id="1" name=""/>
-        <p:cNvGrpSpPr/>
-        <p:nvPr/>
-      </p:nvGrpSpPr>
-      <p:grpSpPr>
-        <a:xfrm>
-          <a:off x="0" y="0"/>
-          <a:ext cx="0" cy="0"/>
-          <a:chOff x="0" y="0"/>
-          <a:chExt cx="0" cy="0"/>
-        </a:xfrm>
-      </p:grpSpPr>
-      <p:sp>
-        <p:nvSpPr>
-          <p:cNvPr id="2" name="Title 1"/>
-          <p:cNvSpPr>
-            <a:spLocks noGrp="1"/>
-          </p:cNvSpPr>
-          <p:nvPr>
-            <p:ph type="title"/>
-          </p:nvPr>
-        </p:nvSpPr>
-        <p:spPr>
-          <a:xfrm>
-            <a:off x="368135" y="192378"/>
-            <a:ext cx="11269682" cy="532017"/>
-          </a:xfrm>
-        </p:spPr>
-        <p:txBody>
-          <a:bodyPr>
-            <a:normAutofit/>
-          </a:bodyPr>
-          <a:lstStyle/>
-          <a:p>
-            <a:r>
-              <a:rPr lang="en-US" sz="2800" dirty="0"/>
-              <a:t>Increasing Attention on Reproducibility</a:t>
-            </a:r>
-          </a:p>
-        </p:txBody>
-      </p:sp>
-      <p:sp>
-        <p:nvSpPr>
-          <p:cNvPr id="4" name="Content Placeholder 3"/>
-          <p:cNvSpPr>
-            <a:spLocks noGrp="1"/>
-          </p:cNvSpPr>
-          <p:nvPr>
-            <p:ph sz="quarter" idx="1"/>
-          </p:nvPr>
-        </p:nvSpPr>
-        <p:spPr>
-          <a:xfrm>
-            <a:off x="245815" y="868048"/>
-            <a:ext cx="11697194" cy="5449160"/>
-          </a:xfrm>
-        </p:spPr>
-        <p:txBody>
-          <a:bodyPr>
-            <a:normAutofit lnSpcReduction="10000"/>
-          </a:bodyPr>
-          <a:lstStyle/>
-          <a:p>
-            <a:r>
-              <a:rPr lang="en-US" dirty="0"/>
-              <a:t>More publication venues are adding reproducibility </a:t>
-            </a:r>
-            <a:r>
-              <a:rPr lang="en-US" b="1" dirty="0"/>
-              <a:t>recognition</a:t>
-            </a:r>
-            <a:r>
-              <a:rPr lang="en-US" dirty="0"/>
-              <a:t> or </a:t>
-            </a:r>
-            <a:r>
-              <a:rPr lang="en-US" b="1" dirty="0"/>
-              <a:t>requirements</a:t>
-            </a:r>
-            <a:endParaRPr lang="en-US" sz="2400" dirty="0"/>
-          </a:p>
-          <a:p>
-            <a:r>
-              <a:rPr lang="en-US" sz="2400" dirty="0"/>
-              <a:t>ACM </a:t>
-            </a:r>
-            <a:r>
-              <a:rPr lang="en-US" sz="2400" strike="sngStrike" dirty="0"/>
-              <a:t>Replicated</a:t>
-            </a:r>
-            <a:r>
-              <a:rPr lang="en-US" sz="2400" dirty="0"/>
-              <a:t> Reproducible Computational Results (RCR)</a:t>
-            </a:r>
-          </a:p>
-          <a:p>
-            <a:pPr lvl="1"/>
-            <a:r>
-              <a:rPr lang="en-US" sz="2000" dirty="0"/>
-              <a:t>ACM TOMS, TOMACS</a:t>
-            </a:r>
-          </a:p>
-          <a:p>
-            <a:pPr lvl="1"/>
-            <a:r>
-              <a:rPr lang="en-US" sz="2000" dirty="0">
-                <a:hlinkClick r:id="rId2"/>
-              </a:rPr>
-              <a:t>http://toms.acm.org/replicated-computational-results.cfm</a:t>
-            </a:r>
-            <a:r>
-              <a:rPr lang="en-US" sz="2000" dirty="0"/>
-              <a:t> </a:t>
-            </a:r>
-          </a:p>
-          <a:p>
-            <a:r>
-              <a:rPr lang="en-US" sz="2400" dirty="0"/>
-              <a:t>ACM Badging</a:t>
-            </a:r>
-          </a:p>
-          <a:p>
-            <a:pPr lvl="1"/>
-            <a:r>
-              <a:rPr lang="en-US" dirty="0"/>
-              <a:t>Functional, reusable, available, replicated, reproduced</a:t>
-            </a:r>
-          </a:p>
-          <a:p>
-            <a:pPr lvl="1"/>
-            <a:r>
-              <a:rPr lang="en-US" sz="2000" dirty="0">
-                <a:hlinkClick r:id="rId3"/>
-              </a:rPr>
-              <a:t>https://www.acm.org/publications/policies/artifact-review-badging</a:t>
-            </a:r>
-            <a:r>
-              <a:rPr lang="en-US" sz="2000" dirty="0"/>
-              <a:t> </a:t>
-            </a:r>
-          </a:p>
-          <a:p>
-            <a:r>
-              <a:rPr lang="en-US" sz="2400" dirty="0"/>
-              <a:t>These conferences have artifact evaluation appendices:</a:t>
-            </a:r>
-          </a:p>
-          <a:p>
-            <a:pPr lvl="1"/>
-            <a:r>
-              <a:rPr lang="en-US" sz="2000" dirty="0"/>
-              <a:t>CGO, </a:t>
-            </a:r>
-            <a:r>
-              <a:rPr lang="en-US" sz="2000" dirty="0" err="1"/>
-              <a:t>PPoPP</a:t>
-            </a:r>
-            <a:r>
-              <a:rPr lang="en-US" sz="2000" dirty="0"/>
-              <a:t>, PACT, RTSS and SC</a:t>
-            </a:r>
-          </a:p>
-          <a:p>
-            <a:pPr lvl="1"/>
-            <a:r>
-              <a:rPr lang="en-US" sz="2000" dirty="0">
-                <a:hlinkClick r:id="rId4"/>
-              </a:rPr>
-              <a:t>http://fursin.net/reproducibility.html</a:t>
-            </a:r>
-            <a:endParaRPr lang="en-US" sz="2000" dirty="0"/>
-          </a:p>
-          <a:p>
-            <a:r>
-              <a:rPr lang="en-US" sz="2400" dirty="0"/>
-              <a:t>NISO Committee on Reproducibility and Badging</a:t>
-            </a:r>
-          </a:p>
-          <a:p>
-            <a:pPr lvl="1"/>
-            <a:r>
-              <a:rPr lang="en-US" sz="2000" dirty="0">
-                <a:hlinkClick r:id="rId5"/>
-              </a:rPr>
-              <a:t>https://www.niso.org/niso-io/2019/01/new-niso-project-badging-scheme-reproducibility-computational-and-computing</a:t>
-            </a:r>
-            <a:r>
-              <a:rPr lang="en-US" sz="2000" dirty="0"/>
-              <a:t> </a:t>
-            </a:r>
-          </a:p>
-          <a:p>
-            <a:pPr lvl="1"/>
-            <a:r>
-              <a:rPr lang="en-US" sz="2000" dirty="0"/>
-              <a:t>Publishers: ACM, IEEE, </a:t>
-            </a:r>
-            <a:r>
-              <a:rPr lang="en-US" sz="2000" dirty="0" err="1"/>
-              <a:t>figshare</a:t>
-            </a:r>
-            <a:r>
-              <a:rPr lang="en-US" sz="2000" dirty="0"/>
-              <a:t>, STM, Reed Elsevier, Springer Nature</a:t>
-            </a:r>
-          </a:p>
-        </p:txBody>
-      </p:sp>
-    </p:spTree>
-    <p:extLst>
-      <p:ext uri="{BB962C8B-B14F-4D97-AF65-F5344CB8AC3E}">
-        <p14:creationId xmlns:p14="http://schemas.microsoft.com/office/powerpoint/2010/main" val="2234428243"/>
       </p:ext>
     </p:extLst>
   </p:cSld>
@@ -9594,6 +9571,232 @@
             <p:ph type="title"/>
           </p:nvPr>
         </p:nvSpPr>
+        <p:spPr>
+          <a:xfrm>
+            <a:off x="368135" y="192378"/>
+            <a:ext cx="11269682" cy="532017"/>
+          </a:xfrm>
+        </p:spPr>
+        <p:txBody>
+          <a:bodyPr>
+            <a:normAutofit/>
+          </a:bodyPr>
+          <a:lstStyle/>
+          <a:p>
+            <a:r>
+              <a:rPr lang="en-US" sz="2800" dirty="0"/>
+              <a:t>Increasing Attention on Reproducibility</a:t>
+            </a:r>
+          </a:p>
+        </p:txBody>
+      </p:sp>
+      <p:sp>
+        <p:nvSpPr>
+          <p:cNvPr id="4" name="Content Placeholder 3"/>
+          <p:cNvSpPr>
+            <a:spLocks noGrp="1"/>
+          </p:cNvSpPr>
+          <p:nvPr>
+            <p:ph sz="quarter" idx="1"/>
+          </p:nvPr>
+        </p:nvSpPr>
+        <p:spPr>
+          <a:xfrm>
+            <a:off x="245815" y="868048"/>
+            <a:ext cx="11697194" cy="5449160"/>
+          </a:xfrm>
+        </p:spPr>
+        <p:txBody>
+          <a:bodyPr>
+            <a:normAutofit lnSpcReduction="10000"/>
+          </a:bodyPr>
+          <a:lstStyle/>
+          <a:p>
+            <a:r>
+              <a:rPr lang="en-US" dirty="0"/>
+              <a:t>More publication venues are adding reproducibility </a:t>
+            </a:r>
+            <a:r>
+              <a:rPr lang="en-US" b="1" dirty="0"/>
+              <a:t>recognition</a:t>
+            </a:r>
+            <a:r>
+              <a:rPr lang="en-US" dirty="0"/>
+              <a:t> or </a:t>
+            </a:r>
+            <a:r>
+              <a:rPr lang="en-US" b="1" dirty="0"/>
+              <a:t>requirements</a:t>
+            </a:r>
+            <a:endParaRPr lang="en-US" sz="2400" dirty="0"/>
+          </a:p>
+          <a:p>
+            <a:r>
+              <a:rPr lang="en-US" sz="2400" dirty="0"/>
+              <a:t>ACM </a:t>
+            </a:r>
+            <a:r>
+              <a:rPr lang="en-US" sz="2400" strike="sngStrike" dirty="0"/>
+              <a:t>Replicated</a:t>
+            </a:r>
+            <a:r>
+              <a:rPr lang="en-US" sz="2400" dirty="0"/>
+              <a:t> Reproducible Computational Results (RCR)</a:t>
+            </a:r>
+          </a:p>
+          <a:p>
+            <a:pPr lvl="1"/>
+            <a:r>
+              <a:rPr lang="en-US" sz="2000" dirty="0"/>
+              <a:t>ACM TOMS, TOMACS</a:t>
+            </a:r>
+          </a:p>
+          <a:p>
+            <a:pPr lvl="1"/>
+            <a:r>
+              <a:rPr lang="en-US" sz="2000" dirty="0">
+                <a:hlinkClick r:id="rId2"/>
+              </a:rPr>
+              <a:t>http://toms.acm.org/replicated-computational-results.cfm</a:t>
+            </a:r>
+            <a:r>
+              <a:rPr lang="en-US" sz="2000" dirty="0"/>
+              <a:t> </a:t>
+            </a:r>
+          </a:p>
+          <a:p>
+            <a:r>
+              <a:rPr lang="en-US" sz="2400" dirty="0"/>
+              <a:t>ACM Badging</a:t>
+            </a:r>
+          </a:p>
+          <a:p>
+            <a:pPr lvl="1"/>
+            <a:r>
+              <a:rPr lang="en-US" dirty="0"/>
+              <a:t>Functional, reusable, available, replicated, reproduced</a:t>
+            </a:r>
+          </a:p>
+          <a:p>
+            <a:pPr lvl="1"/>
+            <a:r>
+              <a:rPr lang="en-US" sz="2000" dirty="0">
+                <a:hlinkClick r:id="rId3"/>
+              </a:rPr>
+              <a:t>https://www.acm.org/publications/policies/artifact-review-badging</a:t>
+            </a:r>
+            <a:r>
+              <a:rPr lang="en-US" sz="2000" dirty="0"/>
+              <a:t> </a:t>
+            </a:r>
+          </a:p>
+          <a:p>
+            <a:r>
+              <a:rPr lang="en-US" sz="2400" dirty="0"/>
+              <a:t>These conferences have artifact evaluation appendices:</a:t>
+            </a:r>
+          </a:p>
+          <a:p>
+            <a:pPr lvl="1"/>
+            <a:r>
+              <a:rPr lang="en-US" sz="2000" dirty="0"/>
+              <a:t>CGO, </a:t>
+            </a:r>
+            <a:r>
+              <a:rPr lang="en-US" sz="2000" dirty="0" err="1"/>
+              <a:t>PPoPP</a:t>
+            </a:r>
+            <a:r>
+              <a:rPr lang="en-US" sz="2000" dirty="0"/>
+              <a:t>, PACT, RTSS and SC</a:t>
+            </a:r>
+          </a:p>
+          <a:p>
+            <a:pPr lvl="1"/>
+            <a:r>
+              <a:rPr lang="en-US" sz="2000" dirty="0">
+                <a:hlinkClick r:id="rId4"/>
+              </a:rPr>
+              <a:t>http://fursin.net/reproducibility.html</a:t>
+            </a:r>
+            <a:endParaRPr lang="en-US" sz="2000" dirty="0"/>
+          </a:p>
+          <a:p>
+            <a:r>
+              <a:rPr lang="en-US" sz="2400" dirty="0"/>
+              <a:t>NISO Committee on Reproducibility and Badging</a:t>
+            </a:r>
+          </a:p>
+          <a:p>
+            <a:pPr lvl="1"/>
+            <a:r>
+              <a:rPr lang="en-US" sz="2000" dirty="0">
+                <a:hlinkClick r:id="rId5"/>
+              </a:rPr>
+              <a:t>https://www.niso.org/niso-io/2019/01/new-niso-project-badging-scheme-reproducibility-computational-and-computing</a:t>
+            </a:r>
+            <a:r>
+              <a:rPr lang="en-US" sz="2000" dirty="0"/>
+              <a:t> </a:t>
+            </a:r>
+          </a:p>
+          <a:p>
+            <a:pPr lvl="1"/>
+            <a:r>
+              <a:rPr lang="en-US" sz="2000" dirty="0"/>
+              <a:t>Publishers: ACM, IEEE, </a:t>
+            </a:r>
+            <a:r>
+              <a:rPr lang="en-US" sz="2000" dirty="0" err="1"/>
+              <a:t>figshare</a:t>
+            </a:r>
+            <a:r>
+              <a:rPr lang="en-US" sz="2000" dirty="0"/>
+              <a:t>, STM, Reed Elsevier, Springer Nature</a:t>
+            </a:r>
+          </a:p>
+        </p:txBody>
+      </p:sp>
+    </p:spTree>
+    <p:extLst>
+      <p:ext uri="{BB962C8B-B14F-4D97-AF65-F5344CB8AC3E}">
+        <p14:creationId xmlns:p14="http://schemas.microsoft.com/office/powerpoint/2010/main" val="2234428243"/>
+      </p:ext>
+    </p:extLst>
+  </p:cSld>
+  <p:clrMapOvr>
+    <a:masterClrMapping/>
+  </p:clrMapOvr>
+</p:sld>
+</file>
+
+<file path=ppt/slides/slide31.xml><?xml version="1.0" encoding="utf-8"?>
+<p:sld xmlns:a="http://schemas.openxmlformats.org/drawingml/2006/main" xmlns:r="http://schemas.openxmlformats.org/officeDocument/2006/relationships" xmlns:p="http://schemas.openxmlformats.org/presentationml/2006/main">
+  <p:cSld>
+    <p:spTree>
+      <p:nvGrpSpPr>
+        <p:cNvPr id="1" name=""/>
+        <p:cNvGrpSpPr/>
+        <p:nvPr/>
+      </p:nvGrpSpPr>
+      <p:grpSpPr>
+        <a:xfrm>
+          <a:off x="0" y="0"/>
+          <a:ext cx="0" cy="0"/>
+          <a:chOff x="0" y="0"/>
+          <a:chExt cx="0" cy="0"/>
+        </a:xfrm>
+      </p:grpSpPr>
+      <p:sp>
+        <p:nvSpPr>
+          <p:cNvPr id="2" name="Title 1"/>
+          <p:cNvSpPr>
+            <a:spLocks noGrp="1"/>
+          </p:cNvSpPr>
+          <p:nvPr>
+            <p:ph type="title"/>
+          </p:nvPr>
+        </p:nvSpPr>
         <p:spPr/>
         <p:txBody>
           <a:bodyPr/>
@@ -9776,7 +9979,7 @@
 </p:sld>
 </file>
 
-<file path=ppt/slides/slide31.xml><?xml version="1.0" encoding="utf-8"?>
+<file path=ppt/slides/slide32.xml><?xml version="1.0" encoding="utf-8"?>
 <p:sld xmlns:a="http://schemas.openxmlformats.org/drawingml/2006/main" xmlns:r="http://schemas.openxmlformats.org/officeDocument/2006/relationships" xmlns:p="http://schemas.openxmlformats.org/presentationml/2006/main">
   <p:cSld>
     <p:spTree>
@@ -9937,7 +10140,7 @@
 </p:sld>
 </file>
 
-<file path=ppt/slides/slide32.xml><?xml version="1.0" encoding="utf-8"?>
+<file path=ppt/slides/slide33.xml><?xml version="1.0" encoding="utf-8"?>
 <p:sld xmlns:a="http://schemas.openxmlformats.org/drawingml/2006/main" xmlns:r="http://schemas.openxmlformats.org/officeDocument/2006/relationships" xmlns:p="http://schemas.openxmlformats.org/presentationml/2006/main">
   <p:cSld>
     <p:spTree>
@@ -11394,7 +11597,19 @@
             </a:pPr>
             <a:r>
               <a:rPr lang="en-US" sz="2400" i="1" dirty="0"/>
-              <a:t>For Palmer, the ordeal exemplifies the importance of transparency in scientific research, an issue that has recently drawn heightened attention in the science community. “One of the real travesties,” he says, is that “there’s no way you could have reproduced [the Berkeley team’s] algorithm—the way they had implemented their code—from reading their paper.” Presumably, he adds, “if this had been disclosed, this saga might not have gone on for seven years.”</a:t>
+              <a:t>For Palmer, the ordeal exemplifies the importance of transparency in scientific research, an issue that has recently drawn heightened attention in the science community. “One of the real travesties,” he says, is that </a:t>
+            </a:r>
+            <a:r>
+              <a:rPr lang="en-US" sz="2400" i="1" dirty="0">
+                <a:highlight>
+                  <a:srgbClr val="FFFF00"/>
+                </a:highlight>
+              </a:rPr>
+              <a:t>“there’s no way you could have reproduced [the Berkeley team’s] algorithm—the way they had implemented their code—from reading their paper.”</a:t>
+            </a:r>
+            <a:r>
+              <a:rPr lang="en-US" sz="2400" i="1" dirty="0"/>
+              <a:t> Presumably, he adds, “if this had been disclosed, this saga might not have gone on for seven years.”</a:t>
             </a:r>
           </a:p>
         </p:txBody>
@@ -12632,6 +12847,12 @@
 </file>
 
 <file path=customXml/item1.xml><?xml version="1.0" encoding="utf-8"?>
+<p:properties xmlns:p="http://schemas.microsoft.com/office/2006/metadata/properties" xmlns:xsi="http://www.w3.org/2001/XMLSchema-instance" xmlns:pc="http://schemas.microsoft.com/office/infopath/2007/PartnerControls">
+  <documentManagement/>
+</p:properties>
+</file>
+
+<file path=customXml/item2.xml><?xml version="1.0" encoding="utf-8"?>
 <ct:contentTypeSchema xmlns:ct="http://schemas.microsoft.com/office/2006/metadata/contentType" xmlns:ma="http://schemas.microsoft.com/office/2006/metadata/properties/metaAttributes" ct:_="" ma:_="" ma:contentTypeName="Document" ma:contentTypeID="0x010100565464437F680748A68B85EB6594EA7D" ma:contentTypeVersion="0" ma:contentTypeDescription="Create a new document." ma:contentTypeScope="" ma:versionID="fe3f4dd58d5914c51cfc6deaa8ad845c">
   <xsd:schema xmlns:xsd="http://www.w3.org/2001/XMLSchema" xmlns:p="http://schemas.microsoft.com/office/2006/metadata/properties" targetNamespace="http://schemas.microsoft.com/office/2006/metadata/properties" ma:root="true" ma:fieldsID="4aeb20c0e3442673af7ee10786458764">
     <xsd:element name="properties">
@@ -12680,12 +12901,6 @@
 </ct:contentTypeSchema>
 </file>
 
-<file path=customXml/item2.xml><?xml version="1.0" encoding="utf-8"?>
-<p:properties xmlns:p="http://schemas.microsoft.com/office/2006/metadata/properties" xmlns:xsi="http://www.w3.org/2001/XMLSchema-instance" xmlns:pc="http://schemas.microsoft.com/office/infopath/2007/PartnerControls">
-  <documentManagement/>
-</p:properties>
-</file>
-
 <file path=customXml/item3.xml><?xml version="1.0" encoding="utf-8"?>
 <?mso-contentType ?>
 <FormTemplates xmlns="http://schemas.microsoft.com/sharepoint/v3/contenttype/forms">
@@ -12696,6 +12911,21 @@
 </file>
 
 <file path=customXml/itemProps1.xml><?xml version="1.0" encoding="utf-8"?>
+<ds:datastoreItem xmlns:ds="http://schemas.openxmlformats.org/officeDocument/2006/customXml" ds:itemID="{A50EC660-24D0-43A0-AE5E-E274115E726B}">
+  <ds:schemaRefs>
+    <ds:schemaRef ds:uri="http://purl.org/dc/terms/"/>
+    <ds:schemaRef ds:uri="http://schemas.openxmlformats.org/package/2006/metadata/core-properties"/>
+    <ds:schemaRef ds:uri="http://schemas.microsoft.com/office/2006/documentManagement/types"/>
+    <ds:schemaRef ds:uri="http://purl.org/dc/elements/1.1/"/>
+    <ds:schemaRef ds:uri="http://schemas.microsoft.com/office/2006/metadata/properties"/>
+    <ds:schemaRef ds:uri="http://www.w3.org/XML/1998/namespace"/>
+    <ds:schemaRef ds:uri="http://purl.org/dc/dcmitype/"/>
+    <ds:schemaRef ds:uri="http://schemas.microsoft.com/office/infopath/2007/PartnerControls"/>
+  </ds:schemaRefs>
+</ds:datastoreItem>
+</file>
+
+<file path=customXml/itemProps2.xml><?xml version="1.0" encoding="utf-8"?>
 <ds:datastoreItem xmlns:ds="http://schemas.openxmlformats.org/officeDocument/2006/customXml" ds:itemID="{E8DB7DEB-074E-4EE8-9B6E-FD277323109C}">
   <ds:schemaRefs>
     <ds:schemaRef ds:uri="http://schemas.microsoft.com/office/2006/metadata/contentType"/>
@@ -12710,21 +12940,6 @@
 </ds:datastoreItem>
 </file>
 
-<file path=customXml/itemProps2.xml><?xml version="1.0" encoding="utf-8"?>
-<ds:datastoreItem xmlns:ds="http://schemas.openxmlformats.org/officeDocument/2006/customXml" ds:itemID="{A50EC660-24D0-43A0-AE5E-E274115E726B}">
-  <ds:schemaRefs>
-    <ds:schemaRef ds:uri="http://purl.org/dc/terms/"/>
-    <ds:schemaRef ds:uri="http://schemas.openxmlformats.org/package/2006/metadata/core-properties"/>
-    <ds:schemaRef ds:uri="http://schemas.microsoft.com/office/2006/documentManagement/types"/>
-    <ds:schemaRef ds:uri="http://purl.org/dc/elements/1.1/"/>
-    <ds:schemaRef ds:uri="http://schemas.microsoft.com/office/2006/metadata/properties"/>
-    <ds:schemaRef ds:uri="http://www.w3.org/XML/1998/namespace"/>
-    <ds:schemaRef ds:uri="http://purl.org/dc/dcmitype/"/>
-    <ds:schemaRef ds:uri="http://schemas.microsoft.com/office/infopath/2007/PartnerControls"/>
-  </ds:schemaRefs>
-</ds:datastoreItem>
-</file>
-
 <file path=customXml/itemProps3.xml><?xml version="1.0" encoding="utf-8"?>
 <ds:datastoreItem xmlns:ds="http://schemas.openxmlformats.org/officeDocument/2006/customXml" ds:itemID="{19E20559-B232-4371-8690-E3D8007EDB82}">
   <ds:schemaRefs>
